--- a/Idea Pitch/qTrace Presentation.pptx
+++ b/Idea Pitch/qTrace Presentation.pptx
@@ -2,40 +2,37 @@
 <file path=ppt/presentation.xml><?xml version="1.0" encoding="utf-8"?>
 <p:presentation xmlns:a="http://schemas.openxmlformats.org/drawingml/2006/main" xmlns:r="http://schemas.openxmlformats.org/officeDocument/2006/relationships" xmlns:p="http://schemas.openxmlformats.org/presentationml/2006/main" saveSubsetFonts="1">
   <p:sldMasterIdLst>
-    <p:sldMasterId id="2147483689" r:id="rId1"/>
+    <p:sldMasterId id="2147483701" r:id="rId1"/>
   </p:sldMasterIdLst>
   <p:notesMasterIdLst>
-    <p:notesMasterId r:id="rId28"/>
+    <p:notesMasterId r:id="rId25"/>
   </p:notesMasterIdLst>
   <p:sldIdLst>
     <p:sldId id="275" r:id="rId2"/>
     <p:sldId id="270" r:id="rId3"/>
-    <p:sldId id="257" r:id="rId4"/>
-    <p:sldId id="271" r:id="rId5"/>
-    <p:sldId id="281" r:id="rId6"/>
-    <p:sldId id="256" r:id="rId7"/>
-    <p:sldId id="260" r:id="rId8"/>
-    <p:sldId id="261" r:id="rId9"/>
-    <p:sldId id="262" r:id="rId10"/>
-    <p:sldId id="272" r:id="rId11"/>
-    <p:sldId id="266" r:id="rId12"/>
-    <p:sldId id="273" r:id="rId13"/>
-    <p:sldId id="263" r:id="rId14"/>
-    <p:sldId id="264" r:id="rId15"/>
-    <p:sldId id="274" r:id="rId16"/>
-    <p:sldId id="278" r:id="rId17"/>
-    <p:sldId id="267" r:id="rId18"/>
-    <p:sldId id="276" r:id="rId19"/>
-    <p:sldId id="277" r:id="rId20"/>
-    <p:sldId id="285" r:id="rId21"/>
-    <p:sldId id="287" r:id="rId22"/>
-    <p:sldId id="286" r:id="rId23"/>
-    <p:sldId id="282" r:id="rId24"/>
-    <p:sldId id="283" r:id="rId25"/>
-    <p:sldId id="284" r:id="rId26"/>
-    <p:sldId id="280" r:id="rId27"/>
+    <p:sldId id="271" r:id="rId4"/>
+    <p:sldId id="281" r:id="rId5"/>
+    <p:sldId id="256" r:id="rId6"/>
+    <p:sldId id="288" r:id="rId7"/>
+    <p:sldId id="291" r:id="rId8"/>
+    <p:sldId id="289" r:id="rId9"/>
+    <p:sldId id="292" r:id="rId10"/>
+    <p:sldId id="264" r:id="rId11"/>
+    <p:sldId id="293" r:id="rId12"/>
+    <p:sldId id="294" r:id="rId13"/>
+    <p:sldId id="267" r:id="rId14"/>
+    <p:sldId id="276" r:id="rId15"/>
+    <p:sldId id="277" r:id="rId16"/>
+    <p:sldId id="285" r:id="rId17"/>
+    <p:sldId id="287" r:id="rId18"/>
+    <p:sldId id="286" r:id="rId19"/>
+    <p:sldId id="282" r:id="rId20"/>
+    <p:sldId id="283" r:id="rId21"/>
+    <p:sldId id="284" r:id="rId22"/>
+    <p:sldId id="280" r:id="rId23"/>
+    <p:sldId id="278" r:id="rId24"/>
   </p:sldIdLst>
-  <p:sldSz cx="9144000" cy="6858000" type="screen4x3"/>
+  <p:sldSz cx="12192000" cy="6858000"/>
   <p:notesSz cx="6858000" cy="9144000"/>
   <p:defaultTextStyle>
     <a:defPPr>
@@ -222,7 +219,7 @@
           <a:p>
             <a:fld id="{2F7C3EB0-1A33-4FD2-A2E1-905851D0DB18}" type="datetimeFigureOut">
               <a:rPr lang="en-US" smtClean="0"/>
-              <a:t>6/7/2018</a:t>
+              <a:t>6/8/2018</a:t>
             </a:fld>
             <a:endParaRPr lang="en-US"/>
           </a:p>
@@ -240,8 +237,8 @@
         </p:nvSpPr>
         <p:spPr>
           <a:xfrm>
-            <a:off x="1371600" y="1143000"/>
-            <a:ext cx="4114800" cy="3086100"/>
+            <a:off x="685800" y="1143000"/>
+            <a:ext cx="5486400" cy="3086100"/>
           </a:xfrm>
           <a:prstGeom prst="rect">
             <a:avLst/>
@@ -490,174 +487,6 @@
 </p:notesMaster>
 </file>
 
-<file path=ppt/notesSlides/notesSlide1.xml><?xml version="1.0" encoding="utf-8"?>
-<p:notes xmlns:a="http://schemas.openxmlformats.org/drawingml/2006/main" xmlns:r="http://schemas.openxmlformats.org/officeDocument/2006/relationships" xmlns:p="http://schemas.openxmlformats.org/presentationml/2006/main">
-  <p:cSld>
-    <p:spTree>
-      <p:nvGrpSpPr>
-        <p:cNvPr id="1" name=""/>
-        <p:cNvGrpSpPr/>
-        <p:nvPr/>
-      </p:nvGrpSpPr>
-      <p:grpSpPr>
-        <a:xfrm>
-          <a:off x="0" y="0"/>
-          <a:ext cx="0" cy="0"/>
-          <a:chOff x="0" y="0"/>
-          <a:chExt cx="0" cy="0"/>
-        </a:xfrm>
-      </p:grpSpPr>
-      <p:sp>
-        <p:nvSpPr>
-          <p:cNvPr id="2" name="Slide Image Placeholder 1"/>
-          <p:cNvSpPr>
-            <a:spLocks noGrp="1" noRot="1" noChangeAspect="1"/>
-          </p:cNvSpPr>
-          <p:nvPr>
-            <p:ph type="sldImg"/>
-          </p:nvPr>
-        </p:nvSpPr>
-        <p:spPr/>
-      </p:sp>
-      <p:sp>
-        <p:nvSpPr>
-          <p:cNvPr id="3" name="Notes Placeholder 2"/>
-          <p:cNvSpPr>
-            <a:spLocks noGrp="1"/>
-          </p:cNvSpPr>
-          <p:nvPr>
-            <p:ph type="body" idx="1"/>
-          </p:nvPr>
-        </p:nvSpPr>
-        <p:spPr/>
-        <p:txBody>
-          <a:bodyPr/>
-          <a:lstStyle/>
-          <a:p>
-            <a:endParaRPr lang="en-US" dirty="0"/>
-          </a:p>
-        </p:txBody>
-      </p:sp>
-      <p:sp>
-        <p:nvSpPr>
-          <p:cNvPr id="4" name="Slide Number Placeholder 3"/>
-          <p:cNvSpPr>
-            <a:spLocks noGrp="1"/>
-          </p:cNvSpPr>
-          <p:nvPr>
-            <p:ph type="sldNum" sz="quarter" idx="10"/>
-          </p:nvPr>
-        </p:nvSpPr>
-        <p:spPr/>
-        <p:txBody>
-          <a:bodyPr/>
-          <a:lstStyle/>
-          <a:p>
-            <a:fld id="{F75B2E0C-09AE-42EA-A69A-A2F6E585406F}" type="slidenum">
-              <a:rPr lang="en-US" smtClean="0"/>
-              <a:t>11</a:t>
-            </a:fld>
-            <a:endParaRPr lang="en-US"/>
-          </a:p>
-        </p:txBody>
-      </p:sp>
-    </p:spTree>
-    <p:extLst>
-      <p:ext uri="{BB962C8B-B14F-4D97-AF65-F5344CB8AC3E}">
-        <p14:creationId xmlns:p14="http://schemas.microsoft.com/office/powerpoint/2010/main" val="3159857931"/>
-      </p:ext>
-    </p:extLst>
-  </p:cSld>
-  <p:clrMapOvr>
-    <a:masterClrMapping/>
-  </p:clrMapOvr>
-</p:notes>
-</file>
-
-<file path=ppt/notesSlides/notesSlide2.xml><?xml version="1.0" encoding="utf-8"?>
-<p:notes xmlns:a="http://schemas.openxmlformats.org/drawingml/2006/main" xmlns:r="http://schemas.openxmlformats.org/officeDocument/2006/relationships" xmlns:p="http://schemas.openxmlformats.org/presentationml/2006/main">
-  <p:cSld>
-    <p:spTree>
-      <p:nvGrpSpPr>
-        <p:cNvPr id="1" name=""/>
-        <p:cNvGrpSpPr/>
-        <p:nvPr/>
-      </p:nvGrpSpPr>
-      <p:grpSpPr>
-        <a:xfrm>
-          <a:off x="0" y="0"/>
-          <a:ext cx="0" cy="0"/>
-          <a:chOff x="0" y="0"/>
-          <a:chExt cx="0" cy="0"/>
-        </a:xfrm>
-      </p:grpSpPr>
-      <p:sp>
-        <p:nvSpPr>
-          <p:cNvPr id="2" name="Slide Image Placeholder 1"/>
-          <p:cNvSpPr>
-            <a:spLocks noGrp="1" noRot="1" noChangeAspect="1"/>
-          </p:cNvSpPr>
-          <p:nvPr>
-            <p:ph type="sldImg"/>
-          </p:nvPr>
-        </p:nvSpPr>
-        <p:spPr/>
-      </p:sp>
-      <p:sp>
-        <p:nvSpPr>
-          <p:cNvPr id="3" name="Notes Placeholder 2"/>
-          <p:cNvSpPr>
-            <a:spLocks noGrp="1"/>
-          </p:cNvSpPr>
-          <p:nvPr>
-            <p:ph type="body" idx="1"/>
-          </p:nvPr>
-        </p:nvSpPr>
-        <p:spPr/>
-        <p:txBody>
-          <a:bodyPr/>
-          <a:lstStyle/>
-          <a:p>
-            <a:endParaRPr lang="en-US" dirty="0"/>
-          </a:p>
-        </p:txBody>
-      </p:sp>
-      <p:sp>
-        <p:nvSpPr>
-          <p:cNvPr id="4" name="Slide Number Placeholder 3"/>
-          <p:cNvSpPr>
-            <a:spLocks noGrp="1"/>
-          </p:cNvSpPr>
-          <p:nvPr>
-            <p:ph type="sldNum" sz="quarter" idx="10"/>
-          </p:nvPr>
-        </p:nvSpPr>
-        <p:spPr/>
-        <p:txBody>
-          <a:bodyPr/>
-          <a:lstStyle/>
-          <a:p>
-            <a:fld id="{F75B2E0C-09AE-42EA-A69A-A2F6E585406F}" type="slidenum">
-              <a:rPr lang="en-US" smtClean="0"/>
-              <a:t>12</a:t>
-            </a:fld>
-            <a:endParaRPr lang="en-US"/>
-          </a:p>
-        </p:txBody>
-      </p:sp>
-    </p:spTree>
-    <p:extLst>
-      <p:ext uri="{BB962C8B-B14F-4D97-AF65-F5344CB8AC3E}">
-        <p14:creationId xmlns:p14="http://schemas.microsoft.com/office/powerpoint/2010/main" val="324576454"/>
-      </p:ext>
-    </p:extLst>
-  </p:cSld>
-  <p:clrMapOvr>
-    <a:masterClrMapping/>
-  </p:clrMapOvr>
-</p:notes>
-</file>
-
 <file path=ppt/slideLayouts/slideLayout1.xml><?xml version="1.0" encoding="utf-8"?>
 <p:sldLayout xmlns:a="http://schemas.openxmlformats.org/drawingml/2006/main" xmlns:r="http://schemas.openxmlformats.org/officeDocument/2006/relationships" xmlns:p="http://schemas.openxmlformats.org/presentationml/2006/main" type="title" preserve="1">
   <p:cSld name="Title Slide">
@@ -687,15 +516,15 @@
         </p:nvSpPr>
         <p:spPr>
           <a:xfrm>
-            <a:off x="1143000" y="1122363"/>
-            <a:ext cx="6858000" cy="2387600"/>
+            <a:off x="1524000" y="1122363"/>
+            <a:ext cx="9144000" cy="2387600"/>
           </a:xfrm>
         </p:spPr>
         <p:txBody>
           <a:bodyPr anchor="b"/>
           <a:lstStyle>
             <a:lvl1pPr algn="ctr">
-              <a:defRPr sz="4500"/>
+              <a:defRPr sz="6000"/>
             </a:lvl1pPr>
           </a:lstStyle>
           <a:p>
@@ -703,7 +532,7 @@
               <a:rPr lang="en-US" smtClean="0"/>
               <a:t>Click to edit Master title style</a:t>
             </a:r>
-            <a:endParaRPr lang="en-US"/>
+            <a:endParaRPr lang="en-US" dirty="0"/>
           </a:p>
         </p:txBody>
       </p:sp>
@@ -719,8 +548,8 @@
         </p:nvSpPr>
         <p:spPr>
           <a:xfrm>
-            <a:off x="1143000" y="3602038"/>
-            <a:ext cx="6858000" cy="1655762"/>
+            <a:off x="1524000" y="3602038"/>
+            <a:ext cx="9144000" cy="1655762"/>
           </a:xfrm>
         </p:spPr>
         <p:txBody>
@@ -728,39 +557,39 @@
           <a:lstStyle>
             <a:lvl1pPr marL="0" indent="0" algn="ctr">
               <a:buNone/>
+              <a:defRPr sz="2400"/>
+            </a:lvl1pPr>
+            <a:lvl2pPr marL="457200" indent="0" algn="ctr">
+              <a:buNone/>
+              <a:defRPr sz="2000"/>
+            </a:lvl2pPr>
+            <a:lvl3pPr marL="914400" indent="0" algn="ctr">
+              <a:buNone/>
               <a:defRPr sz="1800"/>
-            </a:lvl1pPr>
-            <a:lvl2pPr marL="342900" indent="0" algn="ctr">
+            </a:lvl3pPr>
+            <a:lvl4pPr marL="1371600" indent="0" algn="ctr">
               <a:buNone/>
-              <a:defRPr sz="1500"/>
-            </a:lvl2pPr>
-            <a:lvl3pPr marL="685800" indent="0" algn="ctr">
+              <a:defRPr sz="1600"/>
+            </a:lvl4pPr>
+            <a:lvl5pPr marL="1828800" indent="0" algn="ctr">
               <a:buNone/>
-              <a:defRPr sz="1350"/>
-            </a:lvl3pPr>
-            <a:lvl4pPr marL="1028700" indent="0" algn="ctr">
+              <a:defRPr sz="1600"/>
+            </a:lvl5pPr>
+            <a:lvl6pPr marL="2286000" indent="0" algn="ctr">
               <a:buNone/>
-              <a:defRPr sz="1200"/>
-            </a:lvl4pPr>
-            <a:lvl5pPr marL="1371600" indent="0" algn="ctr">
+              <a:defRPr sz="1600"/>
+            </a:lvl6pPr>
+            <a:lvl7pPr marL="2743200" indent="0" algn="ctr">
               <a:buNone/>
-              <a:defRPr sz="1200"/>
-            </a:lvl5pPr>
-            <a:lvl6pPr marL="1714500" indent="0" algn="ctr">
+              <a:defRPr sz="1600"/>
+            </a:lvl7pPr>
+            <a:lvl8pPr marL="3200400" indent="0" algn="ctr">
               <a:buNone/>
-              <a:defRPr sz="1200"/>
-            </a:lvl6pPr>
-            <a:lvl7pPr marL="2057400" indent="0" algn="ctr">
+              <a:defRPr sz="1600"/>
+            </a:lvl8pPr>
+            <a:lvl9pPr marL="3657600" indent="0" algn="ctr">
               <a:buNone/>
-              <a:defRPr sz="1200"/>
-            </a:lvl7pPr>
-            <a:lvl8pPr marL="2400300" indent="0" algn="ctr">
-              <a:buNone/>
-              <a:defRPr sz="1200"/>
-            </a:lvl8pPr>
-            <a:lvl9pPr marL="2743200" indent="0" algn="ctr">
-              <a:buNone/>
-              <a:defRPr sz="1200"/>
+              <a:defRPr sz="1600"/>
             </a:lvl9pPr>
           </a:lstStyle>
           <a:p>
@@ -768,7 +597,7 @@
               <a:rPr lang="en-US" smtClean="0"/>
               <a:t>Click to edit Master subtitle style</a:t>
             </a:r>
-            <a:endParaRPr lang="en-US"/>
+            <a:endParaRPr lang="en-US" dirty="0"/>
           </a:p>
         </p:txBody>
       </p:sp>
@@ -789,7 +618,7 @@
           <a:p>
             <a:fld id="{AF6E59F0-277B-44A3-A61C-F9FFD5F8F0DE}" type="datetimeFigureOut">
               <a:rPr lang="en-US" smtClean="0"/>
-              <a:t>6/7/2018</a:t>
+              <a:t>6/8/2018</a:t>
             </a:fld>
             <a:endParaRPr lang="en-US"/>
           </a:p>
@@ -840,7 +669,7 @@
     </p:spTree>
     <p:extLst>
       <p:ext uri="{BB962C8B-B14F-4D97-AF65-F5344CB8AC3E}">
-        <p14:creationId xmlns:p14="http://schemas.microsoft.com/office/powerpoint/2010/main" val="269815170"/>
+        <p14:creationId xmlns:p14="http://schemas.microsoft.com/office/powerpoint/2010/main" val="4172615471"/>
       </p:ext>
     </p:extLst>
   </p:cSld>
@@ -886,7 +715,7 @@
               <a:rPr lang="en-US" smtClean="0"/>
               <a:t>Click to edit Master title style</a:t>
             </a:r>
-            <a:endParaRPr lang="en-US"/>
+            <a:endParaRPr lang="en-US" dirty="0"/>
           </a:p>
         </p:txBody>
       </p:sp>
@@ -938,7 +767,7 @@
               <a:rPr lang="en-US" smtClean="0"/>
               <a:t>Fifth level</a:t>
             </a:r>
-            <a:endParaRPr lang="en-US"/>
+            <a:endParaRPr lang="en-US" dirty="0"/>
           </a:p>
         </p:txBody>
       </p:sp>
@@ -959,7 +788,7 @@
           <a:p>
             <a:fld id="{AF6E59F0-277B-44A3-A61C-F9FFD5F8F0DE}" type="datetimeFigureOut">
               <a:rPr lang="en-US" smtClean="0"/>
-              <a:t>6/7/2018</a:t>
+              <a:t>6/8/2018</a:t>
             </a:fld>
             <a:endParaRPr lang="en-US"/>
           </a:p>
@@ -1010,7 +839,7 @@
     </p:spTree>
     <p:extLst>
       <p:ext uri="{BB962C8B-B14F-4D97-AF65-F5344CB8AC3E}">
-        <p14:creationId xmlns:p14="http://schemas.microsoft.com/office/powerpoint/2010/main" val="352551978"/>
+        <p14:creationId xmlns:p14="http://schemas.microsoft.com/office/powerpoint/2010/main" val="3182427121"/>
       </p:ext>
     </p:extLst>
   </p:cSld>
@@ -1049,8 +878,8 @@
         </p:nvSpPr>
         <p:spPr>
           <a:xfrm>
-            <a:off x="6543675" y="365125"/>
-            <a:ext cx="1971675" cy="5811838"/>
+            <a:off x="8724900" y="365125"/>
+            <a:ext cx="2628900" cy="5811838"/>
           </a:xfrm>
         </p:spPr>
         <p:txBody>
@@ -1061,7 +890,7 @@
               <a:rPr lang="en-US" smtClean="0"/>
               <a:t>Click to edit Master title style</a:t>
             </a:r>
-            <a:endParaRPr lang="en-US"/>
+            <a:endParaRPr lang="en-US" dirty="0"/>
           </a:p>
         </p:txBody>
       </p:sp>
@@ -1077,8 +906,8 @@
         </p:nvSpPr>
         <p:spPr>
           <a:xfrm>
-            <a:off x="628650" y="365125"/>
-            <a:ext cx="5800725" cy="5811838"/>
+            <a:off x="838200" y="365125"/>
+            <a:ext cx="7734300" cy="5811838"/>
           </a:xfrm>
         </p:spPr>
         <p:txBody>
@@ -1118,7 +947,7 @@
               <a:rPr lang="en-US" smtClean="0"/>
               <a:t>Fifth level</a:t>
             </a:r>
-            <a:endParaRPr lang="en-US"/>
+            <a:endParaRPr lang="en-US" dirty="0"/>
           </a:p>
         </p:txBody>
       </p:sp>
@@ -1139,7 +968,7 @@
           <a:p>
             <a:fld id="{AF6E59F0-277B-44A3-A61C-F9FFD5F8F0DE}" type="datetimeFigureOut">
               <a:rPr lang="en-US" smtClean="0"/>
-              <a:t>6/7/2018</a:t>
+              <a:t>6/8/2018</a:t>
             </a:fld>
             <a:endParaRPr lang="en-US"/>
           </a:p>
@@ -1190,7 +1019,7 @@
     </p:spTree>
     <p:extLst>
       <p:ext uri="{BB962C8B-B14F-4D97-AF65-F5344CB8AC3E}">
-        <p14:creationId xmlns:p14="http://schemas.microsoft.com/office/powerpoint/2010/main" val="1451008872"/>
+        <p14:creationId xmlns:p14="http://schemas.microsoft.com/office/powerpoint/2010/main" val="1625110551"/>
       </p:ext>
     </p:extLst>
   </p:cSld>
@@ -1229,8 +1058,8 @@
         </p:nvSpPr>
         <p:spPr>
           <a:xfrm>
-            <a:off x="1942416" y="2514601"/>
-            <a:ext cx="6600451" cy="2262781"/>
+            <a:off x="2589889" y="2514601"/>
+            <a:ext cx="8800601" cy="2262781"/>
           </a:xfrm>
         </p:spPr>
         <p:txBody>
@@ -1263,8 +1092,8 @@
         </p:nvSpPr>
         <p:spPr>
           <a:xfrm>
-            <a:off x="1942416" y="4777380"/>
-            <a:ext cx="6600451" cy="1126283"/>
+            <a:off x="2589889" y="4777381"/>
+            <a:ext cx="8800601" cy="1126283"/>
           </a:xfrm>
         </p:spPr>
         <p:txBody>
@@ -1388,7 +1217,7 @@
           <a:p>
             <a:fld id="{AF6E59F0-277B-44A3-A61C-F9FFD5F8F0DE}" type="datetimeFigureOut">
               <a:rPr lang="en-US" smtClean="0"/>
-              <a:t>6/7/2018</a:t>
+              <a:t>6/8/2018</a:t>
             </a:fld>
             <a:endParaRPr lang="en-US"/>
           </a:p>
@@ -1421,8 +1250,8 @@
         </p:nvSpPr>
         <p:spPr bwMode="auto">
           <a:xfrm>
-            <a:off x="-31719" y="4321158"/>
-            <a:ext cx="1395473" cy="781781"/>
+            <a:off x="-42292" y="4321159"/>
+            <a:ext cx="1860631" cy="781781"/>
           </a:xfrm>
           <a:custGeom>
             <a:avLst/>
@@ -1501,8 +1330,8 @@
         </p:nvSpPr>
         <p:spPr>
           <a:xfrm>
-            <a:off x="423334" y="4529541"/>
-            <a:ext cx="584978" cy="365125"/>
+            <a:off x="564445" y="4529542"/>
+            <a:ext cx="779971" cy="365125"/>
           </a:xfrm>
         </p:spPr>
         <p:txBody>
@@ -1566,8 +1395,8 @@
         </p:nvSpPr>
         <p:spPr>
           <a:xfrm>
-            <a:off x="1945201" y="624110"/>
-            <a:ext cx="6589199" cy="1280890"/>
+            <a:off x="2593602" y="624110"/>
+            <a:ext cx="8785599" cy="1280890"/>
           </a:xfrm>
         </p:spPr>
         <p:txBody>
@@ -1594,8 +1423,8 @@
         </p:nvSpPr>
         <p:spPr>
           <a:xfrm>
-            <a:off x="1942415" y="2133600"/>
-            <a:ext cx="6591985" cy="3777622"/>
+            <a:off x="2589888" y="2133600"/>
+            <a:ext cx="8789313" cy="3777622"/>
           </a:xfrm>
         </p:spPr>
         <p:txBody>
@@ -1656,7 +1485,7 @@
           <a:p>
             <a:fld id="{AF6E59F0-277B-44A3-A61C-F9FFD5F8F0DE}" type="datetimeFigureOut">
               <a:rPr lang="en-US" smtClean="0"/>
-              <a:t>6/7/2018</a:t>
+              <a:t>6/8/2018</a:t>
             </a:fld>
             <a:endParaRPr lang="en-US"/>
           </a:p>
@@ -1689,8 +1518,8 @@
         </p:nvSpPr>
         <p:spPr bwMode="auto">
           <a:xfrm flipV="1">
-            <a:off x="58" y="711194"/>
-            <a:ext cx="1358356" cy="508005"/>
+            <a:off x="78" y="711194"/>
+            <a:ext cx="1811141" cy="508005"/>
           </a:xfrm>
           <a:custGeom>
             <a:avLst/>
@@ -1840,7 +1669,7 @@
               <a:rPr lang="en-US" smtClean="0"/>
               <a:t>Click to edit Master title style</a:t>
             </a:r>
-            <a:endParaRPr lang="en-US"/>
+            <a:endParaRPr lang="en-US" dirty="0"/>
           </a:p>
         </p:txBody>
       </p:sp>
@@ -1892,7 +1721,7 @@
               <a:rPr lang="en-US" smtClean="0"/>
               <a:t>Fifth level</a:t>
             </a:r>
-            <a:endParaRPr lang="en-US"/>
+            <a:endParaRPr lang="en-US" dirty="0"/>
           </a:p>
         </p:txBody>
       </p:sp>
@@ -1913,7 +1742,7 @@
           <a:p>
             <a:fld id="{AF6E59F0-277B-44A3-A61C-F9FFD5F8F0DE}" type="datetimeFigureOut">
               <a:rPr lang="en-US" smtClean="0"/>
-              <a:t>6/7/2018</a:t>
+              <a:t>6/8/2018</a:t>
             </a:fld>
             <a:endParaRPr lang="en-US"/>
           </a:p>
@@ -1964,7 +1793,7 @@
     </p:spTree>
     <p:extLst>
       <p:ext uri="{BB962C8B-B14F-4D97-AF65-F5344CB8AC3E}">
-        <p14:creationId xmlns:p14="http://schemas.microsoft.com/office/powerpoint/2010/main" val="817145011"/>
+        <p14:creationId xmlns:p14="http://schemas.microsoft.com/office/powerpoint/2010/main" val="288936655"/>
       </p:ext>
     </p:extLst>
   </p:cSld>
@@ -2003,15 +1832,15 @@
         </p:nvSpPr>
         <p:spPr>
           <a:xfrm>
-            <a:off x="623888" y="1709739"/>
-            <a:ext cx="7886700" cy="2852737"/>
+            <a:off x="831850" y="1709738"/>
+            <a:ext cx="10515600" cy="2852737"/>
           </a:xfrm>
         </p:spPr>
         <p:txBody>
           <a:bodyPr anchor="b"/>
           <a:lstStyle>
             <a:lvl1pPr>
-              <a:defRPr sz="4500"/>
+              <a:defRPr sz="6000"/>
             </a:lvl1pPr>
           </a:lstStyle>
           <a:p>
@@ -2019,7 +1848,7 @@
               <a:rPr lang="en-US" smtClean="0"/>
               <a:t>Click to edit Master title style</a:t>
             </a:r>
-            <a:endParaRPr lang="en-US"/>
+            <a:endParaRPr lang="en-US" dirty="0"/>
           </a:p>
         </p:txBody>
       </p:sp>
@@ -2035,14 +1864,34 @@
         </p:nvSpPr>
         <p:spPr>
           <a:xfrm>
-            <a:off x="623888" y="4589464"/>
-            <a:ext cx="7886700" cy="1500187"/>
+            <a:off x="831850" y="4589463"/>
+            <a:ext cx="10515600" cy="1500187"/>
           </a:xfrm>
         </p:spPr>
         <p:txBody>
           <a:bodyPr/>
           <a:lstStyle>
             <a:lvl1pPr marL="0" indent="0">
+              <a:buNone/>
+              <a:defRPr sz="2400">
+                <a:solidFill>
+                  <a:schemeClr val="tx1">
+                    <a:tint val="75000"/>
+                  </a:schemeClr>
+                </a:solidFill>
+              </a:defRPr>
+            </a:lvl1pPr>
+            <a:lvl2pPr marL="457200" indent="0">
+              <a:buNone/>
+              <a:defRPr sz="2000">
+                <a:solidFill>
+                  <a:schemeClr val="tx1">
+                    <a:tint val="75000"/>
+                  </a:schemeClr>
+                </a:solidFill>
+              </a:defRPr>
+            </a:lvl2pPr>
+            <a:lvl3pPr marL="914400" indent="0">
               <a:buNone/>
               <a:defRPr sz="1800">
                 <a:solidFill>
@@ -2051,30 +1900,10 @@
                   </a:schemeClr>
                 </a:solidFill>
               </a:defRPr>
-            </a:lvl1pPr>
-            <a:lvl2pPr marL="342900" indent="0">
+            </a:lvl3pPr>
+            <a:lvl4pPr marL="1371600" indent="0">
               <a:buNone/>
-              <a:defRPr sz="1500">
-                <a:solidFill>
-                  <a:schemeClr val="tx1">
-                    <a:tint val="75000"/>
-                  </a:schemeClr>
-                </a:solidFill>
-              </a:defRPr>
-            </a:lvl2pPr>
-            <a:lvl3pPr marL="685800" indent="0">
-              <a:buNone/>
-              <a:defRPr sz="1350">
-                <a:solidFill>
-                  <a:schemeClr val="tx1">
-                    <a:tint val="75000"/>
-                  </a:schemeClr>
-                </a:solidFill>
-              </a:defRPr>
-            </a:lvl3pPr>
-            <a:lvl4pPr marL="1028700" indent="0">
-              <a:buNone/>
-              <a:defRPr sz="1200">
+              <a:defRPr sz="1600">
                 <a:solidFill>
                   <a:schemeClr val="tx1">
                     <a:tint val="75000"/>
@@ -2082,9 +1911,9 @@
                 </a:solidFill>
               </a:defRPr>
             </a:lvl4pPr>
-            <a:lvl5pPr marL="1371600" indent="0">
+            <a:lvl5pPr marL="1828800" indent="0">
               <a:buNone/>
-              <a:defRPr sz="1200">
+              <a:defRPr sz="1600">
                 <a:solidFill>
                   <a:schemeClr val="tx1">
                     <a:tint val="75000"/>
@@ -2092,9 +1921,9 @@
                 </a:solidFill>
               </a:defRPr>
             </a:lvl5pPr>
-            <a:lvl6pPr marL="1714500" indent="0">
+            <a:lvl6pPr marL="2286000" indent="0">
               <a:buNone/>
-              <a:defRPr sz="1200">
+              <a:defRPr sz="1600">
                 <a:solidFill>
                   <a:schemeClr val="tx1">
                     <a:tint val="75000"/>
@@ -2102,9 +1931,9 @@
                 </a:solidFill>
               </a:defRPr>
             </a:lvl6pPr>
-            <a:lvl7pPr marL="2057400" indent="0">
+            <a:lvl7pPr marL="2743200" indent="0">
               <a:buNone/>
-              <a:defRPr sz="1200">
+              <a:defRPr sz="1600">
                 <a:solidFill>
                   <a:schemeClr val="tx1">
                     <a:tint val="75000"/>
@@ -2112,9 +1941,9 @@
                 </a:solidFill>
               </a:defRPr>
             </a:lvl7pPr>
-            <a:lvl8pPr marL="2400300" indent="0">
+            <a:lvl8pPr marL="3200400" indent="0">
               <a:buNone/>
-              <a:defRPr sz="1200">
+              <a:defRPr sz="1600">
                 <a:solidFill>
                   <a:schemeClr val="tx1">
                     <a:tint val="75000"/>
@@ -2122,9 +1951,9 @@
                 </a:solidFill>
               </a:defRPr>
             </a:lvl8pPr>
-            <a:lvl9pPr marL="2743200" indent="0">
+            <a:lvl9pPr marL="3657600" indent="0">
               <a:buNone/>
-              <a:defRPr sz="1200">
+              <a:defRPr sz="1600">
                 <a:solidFill>
                   <a:schemeClr val="tx1">
                     <a:tint val="75000"/>
@@ -2159,7 +1988,7 @@
           <a:p>
             <a:fld id="{AF6E59F0-277B-44A3-A61C-F9FFD5F8F0DE}" type="datetimeFigureOut">
               <a:rPr lang="en-US" smtClean="0"/>
-              <a:t>6/7/2018</a:t>
+              <a:t>6/8/2018</a:t>
             </a:fld>
             <a:endParaRPr lang="en-US"/>
           </a:p>
@@ -2210,7 +2039,7 @@
     </p:spTree>
     <p:extLst>
       <p:ext uri="{BB962C8B-B14F-4D97-AF65-F5344CB8AC3E}">
-        <p14:creationId xmlns:p14="http://schemas.microsoft.com/office/powerpoint/2010/main" val="308879019"/>
+        <p14:creationId xmlns:p14="http://schemas.microsoft.com/office/powerpoint/2010/main" val="3192279093"/>
       </p:ext>
     </p:extLst>
   </p:cSld>
@@ -2256,7 +2085,7 @@
               <a:rPr lang="en-US" smtClean="0"/>
               <a:t>Click to edit Master title style</a:t>
             </a:r>
-            <a:endParaRPr lang="en-US"/>
+            <a:endParaRPr lang="en-US" dirty="0"/>
           </a:p>
         </p:txBody>
       </p:sp>
@@ -2272,8 +2101,8 @@
         </p:nvSpPr>
         <p:spPr>
           <a:xfrm>
-            <a:off x="628650" y="1825625"/>
-            <a:ext cx="3886200" cy="4351338"/>
+            <a:off x="838200" y="1825625"/>
+            <a:ext cx="5181600" cy="4351338"/>
           </a:xfrm>
         </p:spPr>
         <p:txBody>
@@ -2313,7 +2142,7 @@
               <a:rPr lang="en-US" smtClean="0"/>
               <a:t>Fifth level</a:t>
             </a:r>
-            <a:endParaRPr lang="en-US"/>
+            <a:endParaRPr lang="en-US" dirty="0"/>
           </a:p>
         </p:txBody>
       </p:sp>
@@ -2329,8 +2158,8 @@
         </p:nvSpPr>
         <p:spPr>
           <a:xfrm>
-            <a:off x="4629150" y="1825625"/>
-            <a:ext cx="3886200" cy="4351338"/>
+            <a:off x="6172200" y="1825625"/>
+            <a:ext cx="5181600" cy="4351338"/>
           </a:xfrm>
         </p:spPr>
         <p:txBody>
@@ -2370,7 +2199,7 @@
               <a:rPr lang="en-US" smtClean="0"/>
               <a:t>Fifth level</a:t>
             </a:r>
-            <a:endParaRPr lang="en-US"/>
+            <a:endParaRPr lang="en-US" dirty="0"/>
           </a:p>
         </p:txBody>
       </p:sp>
@@ -2391,7 +2220,7 @@
           <a:p>
             <a:fld id="{AF6E59F0-277B-44A3-A61C-F9FFD5F8F0DE}" type="datetimeFigureOut">
               <a:rPr lang="en-US" smtClean="0"/>
-              <a:t>6/7/2018</a:t>
+              <a:t>6/8/2018</a:t>
             </a:fld>
             <a:endParaRPr lang="en-US"/>
           </a:p>
@@ -2442,7 +2271,7 @@
     </p:spTree>
     <p:extLst>
       <p:ext uri="{BB962C8B-B14F-4D97-AF65-F5344CB8AC3E}">
-        <p14:creationId xmlns:p14="http://schemas.microsoft.com/office/powerpoint/2010/main" val="74769374"/>
+        <p14:creationId xmlns:p14="http://schemas.microsoft.com/office/powerpoint/2010/main" val="3078851940"/>
       </p:ext>
     </p:extLst>
   </p:cSld>
@@ -2481,8 +2310,8 @@
         </p:nvSpPr>
         <p:spPr>
           <a:xfrm>
-            <a:off x="629841" y="365126"/>
-            <a:ext cx="7886700" cy="1325563"/>
+            <a:off x="839788" y="365125"/>
+            <a:ext cx="10515600" cy="1325563"/>
           </a:xfrm>
         </p:spPr>
         <p:txBody>
@@ -2493,7 +2322,7 @@
               <a:rPr lang="en-US" smtClean="0"/>
               <a:t>Click to edit Master title style</a:t>
             </a:r>
-            <a:endParaRPr lang="en-US"/>
+            <a:endParaRPr lang="en-US" dirty="0"/>
           </a:p>
         </p:txBody>
       </p:sp>
@@ -2509,8 +2338,8 @@
         </p:nvSpPr>
         <p:spPr>
           <a:xfrm>
-            <a:off x="629842" y="1681163"/>
-            <a:ext cx="3868340" cy="823912"/>
+            <a:off x="839788" y="1681163"/>
+            <a:ext cx="5157787" cy="823912"/>
           </a:xfrm>
         </p:spPr>
         <p:txBody>
@@ -2518,39 +2347,39 @@
           <a:lstStyle>
             <a:lvl1pPr marL="0" indent="0">
               <a:buNone/>
+              <a:defRPr sz="2400" b="1"/>
+            </a:lvl1pPr>
+            <a:lvl2pPr marL="457200" indent="0">
+              <a:buNone/>
+              <a:defRPr sz="2000" b="1"/>
+            </a:lvl2pPr>
+            <a:lvl3pPr marL="914400" indent="0">
+              <a:buNone/>
               <a:defRPr sz="1800" b="1"/>
-            </a:lvl1pPr>
-            <a:lvl2pPr marL="342900" indent="0">
+            </a:lvl3pPr>
+            <a:lvl4pPr marL="1371600" indent="0">
               <a:buNone/>
-              <a:defRPr sz="1500" b="1"/>
-            </a:lvl2pPr>
-            <a:lvl3pPr marL="685800" indent="0">
+              <a:defRPr sz="1600" b="1"/>
+            </a:lvl4pPr>
+            <a:lvl5pPr marL="1828800" indent="0">
               <a:buNone/>
-              <a:defRPr sz="1350" b="1"/>
-            </a:lvl3pPr>
-            <a:lvl4pPr marL="1028700" indent="0">
+              <a:defRPr sz="1600" b="1"/>
+            </a:lvl5pPr>
+            <a:lvl6pPr marL="2286000" indent="0">
               <a:buNone/>
-              <a:defRPr sz="1200" b="1"/>
-            </a:lvl4pPr>
-            <a:lvl5pPr marL="1371600" indent="0">
+              <a:defRPr sz="1600" b="1"/>
+            </a:lvl6pPr>
+            <a:lvl7pPr marL="2743200" indent="0">
               <a:buNone/>
-              <a:defRPr sz="1200" b="1"/>
-            </a:lvl5pPr>
-            <a:lvl6pPr marL="1714500" indent="0">
+              <a:defRPr sz="1600" b="1"/>
+            </a:lvl7pPr>
+            <a:lvl8pPr marL="3200400" indent="0">
               <a:buNone/>
-              <a:defRPr sz="1200" b="1"/>
-            </a:lvl6pPr>
-            <a:lvl7pPr marL="2057400" indent="0">
+              <a:defRPr sz="1600" b="1"/>
+            </a:lvl8pPr>
+            <a:lvl9pPr marL="3657600" indent="0">
               <a:buNone/>
-              <a:defRPr sz="1200" b="1"/>
-            </a:lvl7pPr>
-            <a:lvl8pPr marL="2400300" indent="0">
-              <a:buNone/>
-              <a:defRPr sz="1200" b="1"/>
-            </a:lvl8pPr>
-            <a:lvl9pPr marL="2743200" indent="0">
-              <a:buNone/>
-              <a:defRPr sz="1200" b="1"/>
+              <a:defRPr sz="1600" b="1"/>
             </a:lvl9pPr>
           </a:lstStyle>
           <a:p>
@@ -2574,8 +2403,8 @@
         </p:nvSpPr>
         <p:spPr>
           <a:xfrm>
-            <a:off x="629842" y="2505075"/>
-            <a:ext cx="3868340" cy="3684588"/>
+            <a:off x="839788" y="2505075"/>
+            <a:ext cx="5157787" cy="3684588"/>
           </a:xfrm>
         </p:spPr>
         <p:txBody>
@@ -2615,7 +2444,7 @@
               <a:rPr lang="en-US" smtClean="0"/>
               <a:t>Fifth level</a:t>
             </a:r>
-            <a:endParaRPr lang="en-US"/>
+            <a:endParaRPr lang="en-US" dirty="0"/>
           </a:p>
         </p:txBody>
       </p:sp>
@@ -2631,8 +2460,8 @@
         </p:nvSpPr>
         <p:spPr>
           <a:xfrm>
-            <a:off x="4629150" y="1681163"/>
-            <a:ext cx="3887391" cy="823912"/>
+            <a:off x="6172200" y="1681163"/>
+            <a:ext cx="5183188" cy="823912"/>
           </a:xfrm>
         </p:spPr>
         <p:txBody>
@@ -2640,39 +2469,39 @@
           <a:lstStyle>
             <a:lvl1pPr marL="0" indent="0">
               <a:buNone/>
+              <a:defRPr sz="2400" b="1"/>
+            </a:lvl1pPr>
+            <a:lvl2pPr marL="457200" indent="0">
+              <a:buNone/>
+              <a:defRPr sz="2000" b="1"/>
+            </a:lvl2pPr>
+            <a:lvl3pPr marL="914400" indent="0">
+              <a:buNone/>
               <a:defRPr sz="1800" b="1"/>
-            </a:lvl1pPr>
-            <a:lvl2pPr marL="342900" indent="0">
+            </a:lvl3pPr>
+            <a:lvl4pPr marL="1371600" indent="0">
               <a:buNone/>
-              <a:defRPr sz="1500" b="1"/>
-            </a:lvl2pPr>
-            <a:lvl3pPr marL="685800" indent="0">
+              <a:defRPr sz="1600" b="1"/>
+            </a:lvl4pPr>
+            <a:lvl5pPr marL="1828800" indent="0">
               <a:buNone/>
-              <a:defRPr sz="1350" b="1"/>
-            </a:lvl3pPr>
-            <a:lvl4pPr marL="1028700" indent="0">
+              <a:defRPr sz="1600" b="1"/>
+            </a:lvl5pPr>
+            <a:lvl6pPr marL="2286000" indent="0">
               <a:buNone/>
-              <a:defRPr sz="1200" b="1"/>
-            </a:lvl4pPr>
-            <a:lvl5pPr marL="1371600" indent="0">
+              <a:defRPr sz="1600" b="1"/>
+            </a:lvl6pPr>
+            <a:lvl7pPr marL="2743200" indent="0">
               <a:buNone/>
-              <a:defRPr sz="1200" b="1"/>
-            </a:lvl5pPr>
-            <a:lvl6pPr marL="1714500" indent="0">
+              <a:defRPr sz="1600" b="1"/>
+            </a:lvl7pPr>
+            <a:lvl8pPr marL="3200400" indent="0">
               <a:buNone/>
-              <a:defRPr sz="1200" b="1"/>
-            </a:lvl6pPr>
-            <a:lvl7pPr marL="2057400" indent="0">
+              <a:defRPr sz="1600" b="1"/>
+            </a:lvl8pPr>
+            <a:lvl9pPr marL="3657600" indent="0">
               <a:buNone/>
-              <a:defRPr sz="1200" b="1"/>
-            </a:lvl7pPr>
-            <a:lvl8pPr marL="2400300" indent="0">
-              <a:buNone/>
-              <a:defRPr sz="1200" b="1"/>
-            </a:lvl8pPr>
-            <a:lvl9pPr marL="2743200" indent="0">
-              <a:buNone/>
-              <a:defRPr sz="1200" b="1"/>
+              <a:defRPr sz="1600" b="1"/>
             </a:lvl9pPr>
           </a:lstStyle>
           <a:p>
@@ -2696,8 +2525,8 @@
         </p:nvSpPr>
         <p:spPr>
           <a:xfrm>
-            <a:off x="4629150" y="2505075"/>
-            <a:ext cx="3887391" cy="3684588"/>
+            <a:off x="6172200" y="2505075"/>
+            <a:ext cx="5183188" cy="3684588"/>
           </a:xfrm>
         </p:spPr>
         <p:txBody>
@@ -2737,7 +2566,7 @@
               <a:rPr lang="en-US" smtClean="0"/>
               <a:t>Fifth level</a:t>
             </a:r>
-            <a:endParaRPr lang="en-US"/>
+            <a:endParaRPr lang="en-US" dirty="0"/>
           </a:p>
         </p:txBody>
       </p:sp>
@@ -2758,7 +2587,7 @@
           <a:p>
             <a:fld id="{AF6E59F0-277B-44A3-A61C-F9FFD5F8F0DE}" type="datetimeFigureOut">
               <a:rPr lang="en-US" smtClean="0"/>
-              <a:t>6/7/2018</a:t>
+              <a:t>6/8/2018</a:t>
             </a:fld>
             <a:endParaRPr lang="en-US"/>
           </a:p>
@@ -2809,7 +2638,7 @@
     </p:spTree>
     <p:extLst>
       <p:ext uri="{BB962C8B-B14F-4D97-AF65-F5344CB8AC3E}">
-        <p14:creationId xmlns:p14="http://schemas.microsoft.com/office/powerpoint/2010/main" val="4174714533"/>
+        <p14:creationId xmlns:p14="http://schemas.microsoft.com/office/powerpoint/2010/main" val="3941434683"/>
       </p:ext>
     </p:extLst>
   </p:cSld>
@@ -2855,7 +2684,7 @@
               <a:rPr lang="en-US" smtClean="0"/>
               <a:t>Click to edit Master title style</a:t>
             </a:r>
-            <a:endParaRPr lang="en-US"/>
+            <a:endParaRPr lang="en-US" dirty="0"/>
           </a:p>
         </p:txBody>
       </p:sp>
@@ -2876,7 +2705,7 @@
           <a:p>
             <a:fld id="{AF6E59F0-277B-44A3-A61C-F9FFD5F8F0DE}" type="datetimeFigureOut">
               <a:rPr lang="en-US" smtClean="0"/>
-              <a:t>6/7/2018</a:t>
+              <a:t>6/8/2018</a:t>
             </a:fld>
             <a:endParaRPr lang="en-US"/>
           </a:p>
@@ -2927,7 +2756,7 @@
     </p:spTree>
     <p:extLst>
       <p:ext uri="{BB962C8B-B14F-4D97-AF65-F5344CB8AC3E}">
-        <p14:creationId xmlns:p14="http://schemas.microsoft.com/office/powerpoint/2010/main" val="3860539947"/>
+        <p14:creationId xmlns:p14="http://schemas.microsoft.com/office/powerpoint/2010/main" val="435129886"/>
       </p:ext>
     </p:extLst>
   </p:cSld>
@@ -2971,7 +2800,7 @@
           <a:p>
             <a:fld id="{AF6E59F0-277B-44A3-A61C-F9FFD5F8F0DE}" type="datetimeFigureOut">
               <a:rPr lang="en-US" smtClean="0"/>
-              <a:t>6/7/2018</a:t>
+              <a:t>6/8/2018</a:t>
             </a:fld>
             <a:endParaRPr lang="en-US"/>
           </a:p>
@@ -3022,7 +2851,7 @@
     </p:spTree>
     <p:extLst>
       <p:ext uri="{BB962C8B-B14F-4D97-AF65-F5344CB8AC3E}">
-        <p14:creationId xmlns:p14="http://schemas.microsoft.com/office/powerpoint/2010/main" val="942980328"/>
+        <p14:creationId xmlns:p14="http://schemas.microsoft.com/office/powerpoint/2010/main" val="2941585558"/>
       </p:ext>
     </p:extLst>
   </p:cSld>
@@ -3061,15 +2890,15 @@
         </p:nvSpPr>
         <p:spPr>
           <a:xfrm>
-            <a:off x="629841" y="457200"/>
-            <a:ext cx="2949178" cy="1600200"/>
+            <a:off x="839788" y="457200"/>
+            <a:ext cx="3932237" cy="1600200"/>
           </a:xfrm>
         </p:spPr>
         <p:txBody>
           <a:bodyPr anchor="b"/>
           <a:lstStyle>
             <a:lvl1pPr>
-              <a:defRPr sz="2400"/>
+              <a:defRPr sz="3200"/>
             </a:lvl1pPr>
           </a:lstStyle>
           <a:p>
@@ -3077,7 +2906,7 @@
               <a:rPr lang="en-US" smtClean="0"/>
               <a:t>Click to edit Master title style</a:t>
             </a:r>
-            <a:endParaRPr lang="en-US"/>
+            <a:endParaRPr lang="en-US" dirty="0"/>
           </a:p>
         </p:txBody>
       </p:sp>
@@ -3093,39 +2922,39 @@
         </p:nvSpPr>
         <p:spPr>
           <a:xfrm>
-            <a:off x="3887391" y="987426"/>
-            <a:ext cx="4629150" cy="4873625"/>
+            <a:off x="5183188" y="987425"/>
+            <a:ext cx="6172200" cy="4873625"/>
           </a:xfrm>
         </p:spPr>
         <p:txBody>
           <a:bodyPr/>
           <a:lstStyle>
             <a:lvl1pPr>
-              <a:defRPr sz="2400"/>
+              <a:defRPr sz="3200"/>
             </a:lvl1pPr>
             <a:lvl2pPr>
-              <a:defRPr sz="2100"/>
+              <a:defRPr sz="2800"/>
             </a:lvl2pPr>
             <a:lvl3pPr>
-              <a:defRPr sz="1800"/>
+              <a:defRPr sz="2400"/>
             </a:lvl3pPr>
             <a:lvl4pPr>
-              <a:defRPr sz="1500"/>
+              <a:defRPr sz="2000"/>
             </a:lvl4pPr>
             <a:lvl5pPr>
-              <a:defRPr sz="1500"/>
+              <a:defRPr sz="2000"/>
             </a:lvl5pPr>
             <a:lvl6pPr>
-              <a:defRPr sz="1500"/>
+              <a:defRPr sz="2000"/>
             </a:lvl6pPr>
             <a:lvl7pPr>
-              <a:defRPr sz="1500"/>
+              <a:defRPr sz="2000"/>
             </a:lvl7pPr>
             <a:lvl8pPr>
-              <a:defRPr sz="1500"/>
+              <a:defRPr sz="2000"/>
             </a:lvl8pPr>
             <a:lvl9pPr>
-              <a:defRPr sz="1500"/>
+              <a:defRPr sz="2000"/>
             </a:lvl9pPr>
           </a:lstStyle>
           <a:p>
@@ -3162,7 +2991,7 @@
               <a:rPr lang="en-US" smtClean="0"/>
               <a:t>Fifth level</a:t>
             </a:r>
-            <a:endParaRPr lang="en-US"/>
+            <a:endParaRPr lang="en-US" dirty="0"/>
           </a:p>
         </p:txBody>
       </p:sp>
@@ -3178,8 +3007,8 @@
         </p:nvSpPr>
         <p:spPr>
           <a:xfrm>
-            <a:off x="629841" y="2057400"/>
-            <a:ext cx="2949178" cy="3811588"/>
+            <a:off x="839788" y="2057400"/>
+            <a:ext cx="3932237" cy="3811588"/>
           </a:xfrm>
         </p:spPr>
         <p:txBody>
@@ -3187,39 +3016,39 @@
           <a:lstStyle>
             <a:lvl1pPr marL="0" indent="0">
               <a:buNone/>
+              <a:defRPr sz="1600"/>
+            </a:lvl1pPr>
+            <a:lvl2pPr marL="457200" indent="0">
+              <a:buNone/>
+              <a:defRPr sz="1400"/>
+            </a:lvl2pPr>
+            <a:lvl3pPr marL="914400" indent="0">
+              <a:buNone/>
               <a:defRPr sz="1200"/>
-            </a:lvl1pPr>
-            <a:lvl2pPr marL="342900" indent="0">
+            </a:lvl3pPr>
+            <a:lvl4pPr marL="1371600" indent="0">
               <a:buNone/>
-              <a:defRPr sz="1050"/>
-            </a:lvl2pPr>
-            <a:lvl3pPr marL="685800" indent="0">
+              <a:defRPr sz="1000"/>
+            </a:lvl4pPr>
+            <a:lvl5pPr marL="1828800" indent="0">
               <a:buNone/>
-              <a:defRPr sz="900"/>
-            </a:lvl3pPr>
-            <a:lvl4pPr marL="1028700" indent="0">
+              <a:defRPr sz="1000"/>
+            </a:lvl5pPr>
+            <a:lvl6pPr marL="2286000" indent="0">
               <a:buNone/>
-              <a:defRPr sz="750"/>
-            </a:lvl4pPr>
-            <a:lvl5pPr marL="1371600" indent="0">
+              <a:defRPr sz="1000"/>
+            </a:lvl6pPr>
+            <a:lvl7pPr marL="2743200" indent="0">
               <a:buNone/>
-              <a:defRPr sz="750"/>
-            </a:lvl5pPr>
-            <a:lvl6pPr marL="1714500" indent="0">
+              <a:defRPr sz="1000"/>
+            </a:lvl7pPr>
+            <a:lvl8pPr marL="3200400" indent="0">
               <a:buNone/>
-              <a:defRPr sz="750"/>
-            </a:lvl6pPr>
-            <a:lvl7pPr marL="2057400" indent="0">
+              <a:defRPr sz="1000"/>
+            </a:lvl8pPr>
+            <a:lvl9pPr marL="3657600" indent="0">
               <a:buNone/>
-              <a:defRPr sz="750"/>
-            </a:lvl7pPr>
-            <a:lvl8pPr marL="2400300" indent="0">
-              <a:buNone/>
-              <a:defRPr sz="750"/>
-            </a:lvl8pPr>
-            <a:lvl9pPr marL="2743200" indent="0">
-              <a:buNone/>
-              <a:defRPr sz="750"/>
+              <a:defRPr sz="1000"/>
             </a:lvl9pPr>
           </a:lstStyle>
           <a:p>
@@ -3248,7 +3077,7 @@
           <a:p>
             <a:fld id="{AF6E59F0-277B-44A3-A61C-F9FFD5F8F0DE}" type="datetimeFigureOut">
               <a:rPr lang="en-US" smtClean="0"/>
-              <a:t>6/7/2018</a:t>
+              <a:t>6/8/2018</a:t>
             </a:fld>
             <a:endParaRPr lang="en-US"/>
           </a:p>
@@ -3299,7 +3128,7 @@
     </p:spTree>
     <p:extLst>
       <p:ext uri="{BB962C8B-B14F-4D97-AF65-F5344CB8AC3E}">
-        <p14:creationId xmlns:p14="http://schemas.microsoft.com/office/powerpoint/2010/main" val="3044410428"/>
+        <p14:creationId xmlns:p14="http://schemas.microsoft.com/office/powerpoint/2010/main" val="2302354574"/>
       </p:ext>
     </p:extLst>
   </p:cSld>
@@ -3338,15 +3167,15 @@
         </p:nvSpPr>
         <p:spPr>
           <a:xfrm>
-            <a:off x="629841" y="457200"/>
-            <a:ext cx="2949178" cy="1600200"/>
+            <a:off x="839788" y="457200"/>
+            <a:ext cx="3932237" cy="1600200"/>
           </a:xfrm>
         </p:spPr>
         <p:txBody>
           <a:bodyPr anchor="b"/>
           <a:lstStyle>
             <a:lvl1pPr>
-              <a:defRPr sz="2400"/>
+              <a:defRPr sz="3200"/>
             </a:lvl1pPr>
           </a:lstStyle>
           <a:p>
@@ -3354,7 +3183,7 @@
               <a:rPr lang="en-US" smtClean="0"/>
               <a:t>Click to edit Master title style</a:t>
             </a:r>
-            <a:endParaRPr lang="en-US"/>
+            <a:endParaRPr lang="en-US" dirty="0"/>
           </a:p>
         </p:txBody>
       </p:sp>
@@ -3362,7 +3191,7 @@
         <p:nvSpPr>
           <p:cNvPr id="3" name="Picture Placeholder 2"/>
           <p:cNvSpPr>
-            <a:spLocks noGrp="1"/>
+            <a:spLocks noGrp="1" noChangeAspect="1"/>
           </p:cNvSpPr>
           <p:nvPr>
             <p:ph type="pic" idx="1"/>
@@ -3370,52 +3199,56 @@
         </p:nvSpPr>
         <p:spPr>
           <a:xfrm>
-            <a:off x="3887391" y="987426"/>
-            <a:ext cx="4629150" cy="4873625"/>
-          </a:xfrm>
-        </p:spPr>
-        <p:txBody>
-          <a:bodyPr/>
+            <a:off x="5183188" y="987425"/>
+            <a:ext cx="6172200" cy="4873625"/>
+          </a:xfrm>
+        </p:spPr>
+        <p:txBody>
+          <a:bodyPr anchor="t"/>
           <a:lstStyle>
             <a:lvl1pPr marL="0" indent="0">
               <a:buNone/>
+              <a:defRPr sz="3200"/>
+            </a:lvl1pPr>
+            <a:lvl2pPr marL="457200" indent="0">
+              <a:buNone/>
+              <a:defRPr sz="2800"/>
+            </a:lvl2pPr>
+            <a:lvl3pPr marL="914400" indent="0">
+              <a:buNone/>
               <a:defRPr sz="2400"/>
-            </a:lvl1pPr>
-            <a:lvl2pPr marL="342900" indent="0">
+            </a:lvl3pPr>
+            <a:lvl4pPr marL="1371600" indent="0">
               <a:buNone/>
-              <a:defRPr sz="2100"/>
-            </a:lvl2pPr>
-            <a:lvl3pPr marL="685800" indent="0">
+              <a:defRPr sz="2000"/>
+            </a:lvl4pPr>
+            <a:lvl5pPr marL="1828800" indent="0">
               <a:buNone/>
-              <a:defRPr sz="1800"/>
-            </a:lvl3pPr>
-            <a:lvl4pPr marL="1028700" indent="0">
+              <a:defRPr sz="2000"/>
+            </a:lvl5pPr>
+            <a:lvl6pPr marL="2286000" indent="0">
               <a:buNone/>
-              <a:defRPr sz="1500"/>
-            </a:lvl4pPr>
-            <a:lvl5pPr marL="1371600" indent="0">
+              <a:defRPr sz="2000"/>
+            </a:lvl6pPr>
+            <a:lvl7pPr marL="2743200" indent="0">
               <a:buNone/>
-              <a:defRPr sz="1500"/>
-            </a:lvl5pPr>
-            <a:lvl6pPr marL="1714500" indent="0">
+              <a:defRPr sz="2000"/>
+            </a:lvl7pPr>
+            <a:lvl8pPr marL="3200400" indent="0">
               <a:buNone/>
-              <a:defRPr sz="1500"/>
-            </a:lvl6pPr>
-            <a:lvl7pPr marL="2057400" indent="0">
+              <a:defRPr sz="2000"/>
+            </a:lvl8pPr>
+            <a:lvl9pPr marL="3657600" indent="0">
               <a:buNone/>
-              <a:defRPr sz="1500"/>
-            </a:lvl7pPr>
-            <a:lvl8pPr marL="2400300" indent="0">
-              <a:buNone/>
-              <a:defRPr sz="1500"/>
-            </a:lvl8pPr>
-            <a:lvl9pPr marL="2743200" indent="0">
-              <a:buNone/>
-              <a:defRPr sz="1500"/>
+              <a:defRPr sz="2000"/>
             </a:lvl9pPr>
           </a:lstStyle>
           <a:p>
-            <a:endParaRPr lang="en-US"/>
+            <a:r>
+              <a:rPr lang="en-US" smtClean="0"/>
+              <a:t>Click icon to add picture</a:t>
+            </a:r>
+            <a:endParaRPr lang="en-US" dirty="0"/>
           </a:p>
         </p:txBody>
       </p:sp>
@@ -3431,8 +3264,8 @@
         </p:nvSpPr>
         <p:spPr>
           <a:xfrm>
-            <a:off x="629841" y="2057400"/>
-            <a:ext cx="2949178" cy="3811588"/>
+            <a:off x="839788" y="2057400"/>
+            <a:ext cx="3932237" cy="3811588"/>
           </a:xfrm>
         </p:spPr>
         <p:txBody>
@@ -3440,39 +3273,39 @@
           <a:lstStyle>
             <a:lvl1pPr marL="0" indent="0">
               <a:buNone/>
+              <a:defRPr sz="1600"/>
+            </a:lvl1pPr>
+            <a:lvl2pPr marL="457200" indent="0">
+              <a:buNone/>
+              <a:defRPr sz="1400"/>
+            </a:lvl2pPr>
+            <a:lvl3pPr marL="914400" indent="0">
+              <a:buNone/>
               <a:defRPr sz="1200"/>
-            </a:lvl1pPr>
-            <a:lvl2pPr marL="342900" indent="0">
+            </a:lvl3pPr>
+            <a:lvl4pPr marL="1371600" indent="0">
               <a:buNone/>
-              <a:defRPr sz="1050"/>
-            </a:lvl2pPr>
-            <a:lvl3pPr marL="685800" indent="0">
+              <a:defRPr sz="1000"/>
+            </a:lvl4pPr>
+            <a:lvl5pPr marL="1828800" indent="0">
               <a:buNone/>
-              <a:defRPr sz="900"/>
-            </a:lvl3pPr>
-            <a:lvl4pPr marL="1028700" indent="0">
+              <a:defRPr sz="1000"/>
+            </a:lvl5pPr>
+            <a:lvl6pPr marL="2286000" indent="0">
               <a:buNone/>
-              <a:defRPr sz="750"/>
-            </a:lvl4pPr>
-            <a:lvl5pPr marL="1371600" indent="0">
+              <a:defRPr sz="1000"/>
+            </a:lvl6pPr>
+            <a:lvl7pPr marL="2743200" indent="0">
               <a:buNone/>
-              <a:defRPr sz="750"/>
-            </a:lvl5pPr>
-            <a:lvl6pPr marL="1714500" indent="0">
+              <a:defRPr sz="1000"/>
+            </a:lvl7pPr>
+            <a:lvl8pPr marL="3200400" indent="0">
               <a:buNone/>
-              <a:defRPr sz="750"/>
-            </a:lvl6pPr>
-            <a:lvl7pPr marL="2057400" indent="0">
+              <a:defRPr sz="1000"/>
+            </a:lvl8pPr>
+            <a:lvl9pPr marL="3657600" indent="0">
               <a:buNone/>
-              <a:defRPr sz="750"/>
-            </a:lvl7pPr>
-            <a:lvl8pPr marL="2400300" indent="0">
-              <a:buNone/>
-              <a:defRPr sz="750"/>
-            </a:lvl8pPr>
-            <a:lvl9pPr marL="2743200" indent="0">
-              <a:buNone/>
-              <a:defRPr sz="750"/>
+              <a:defRPr sz="1000"/>
             </a:lvl9pPr>
           </a:lstStyle>
           <a:p>
@@ -3501,7 +3334,7 @@
           <a:p>
             <a:fld id="{AF6E59F0-277B-44A3-A61C-F9FFD5F8F0DE}" type="datetimeFigureOut">
               <a:rPr lang="en-US" smtClean="0"/>
-              <a:t>6/7/2018</a:t>
+              <a:t>6/8/2018</a:t>
             </a:fld>
             <a:endParaRPr lang="en-US"/>
           </a:p>
@@ -3552,7 +3385,7 @@
     </p:spTree>
     <p:extLst>
       <p:ext uri="{BB962C8B-B14F-4D97-AF65-F5344CB8AC3E}">
-        <p14:creationId xmlns:p14="http://schemas.microsoft.com/office/powerpoint/2010/main" val="4223937461"/>
+        <p14:creationId xmlns:p14="http://schemas.microsoft.com/office/powerpoint/2010/main" val="1612854853"/>
       </p:ext>
     </p:extLst>
   </p:cSld>
@@ -3596,8 +3429,8 @@
         </p:nvSpPr>
         <p:spPr>
           <a:xfrm>
-            <a:off x="628650" y="365126"/>
-            <a:ext cx="7886700" cy="1325563"/>
+            <a:off x="838200" y="365125"/>
+            <a:ext cx="10515600" cy="1325563"/>
           </a:xfrm>
           <a:prstGeom prst="rect">
             <a:avLst/>
@@ -3613,7 +3446,7 @@
               <a:rPr lang="en-US" smtClean="0"/>
               <a:t>Click to edit Master title style</a:t>
             </a:r>
-            <a:endParaRPr lang="en-US"/>
+            <a:endParaRPr lang="en-US" dirty="0"/>
           </a:p>
         </p:txBody>
       </p:sp>
@@ -3629,8 +3462,8 @@
         </p:nvSpPr>
         <p:spPr>
           <a:xfrm>
-            <a:off x="628650" y="1825625"/>
-            <a:ext cx="7886700" cy="4351338"/>
+            <a:off x="838200" y="1825625"/>
+            <a:ext cx="10515600" cy="4351338"/>
           </a:xfrm>
           <a:prstGeom prst="rect">
             <a:avLst/>
@@ -3675,7 +3508,7 @@
               <a:rPr lang="en-US" smtClean="0"/>
               <a:t>Fifth level</a:t>
             </a:r>
-            <a:endParaRPr lang="en-US"/>
+            <a:endParaRPr lang="en-US" dirty="0"/>
           </a:p>
         </p:txBody>
       </p:sp>
@@ -3691,8 +3524,8 @@
         </p:nvSpPr>
         <p:spPr>
           <a:xfrm>
-            <a:off x="628650" y="6356351"/>
-            <a:ext cx="2057400" cy="365125"/>
+            <a:off x="838200" y="6356350"/>
+            <a:ext cx="2743200" cy="365125"/>
           </a:xfrm>
           <a:prstGeom prst="rect">
             <a:avLst/>
@@ -3702,7 +3535,7 @@
           <a:bodyPr vert="horz" lIns="91440" tIns="45720" rIns="91440" bIns="45720" rtlCol="0" anchor="ctr"/>
           <a:lstStyle>
             <a:lvl1pPr algn="l">
-              <a:defRPr sz="900">
+              <a:defRPr sz="1200">
                 <a:solidFill>
                   <a:schemeClr val="tx1">
                     <a:tint val="75000"/>
@@ -3714,7 +3547,7 @@
           <a:p>
             <a:fld id="{AF6E59F0-277B-44A3-A61C-F9FFD5F8F0DE}" type="datetimeFigureOut">
               <a:rPr lang="en-US" smtClean="0"/>
-              <a:t>6/7/2018</a:t>
+              <a:t>6/8/2018</a:t>
             </a:fld>
             <a:endParaRPr lang="en-US"/>
           </a:p>
@@ -3732,8 +3565,8 @@
         </p:nvSpPr>
         <p:spPr>
           <a:xfrm>
-            <a:off x="3028950" y="6356351"/>
-            <a:ext cx="3086100" cy="365125"/>
+            <a:off x="4038600" y="6356350"/>
+            <a:ext cx="4114800" cy="365125"/>
           </a:xfrm>
           <a:prstGeom prst="rect">
             <a:avLst/>
@@ -3743,7 +3576,7 @@
           <a:bodyPr vert="horz" lIns="91440" tIns="45720" rIns="91440" bIns="45720" rtlCol="0" anchor="ctr"/>
           <a:lstStyle>
             <a:lvl1pPr algn="ctr">
-              <a:defRPr sz="900">
+              <a:defRPr sz="1200">
                 <a:solidFill>
                   <a:schemeClr val="tx1">
                     <a:tint val="75000"/>
@@ -3769,8 +3602,8 @@
         </p:nvSpPr>
         <p:spPr>
           <a:xfrm>
-            <a:off x="6457950" y="6356351"/>
-            <a:ext cx="2057400" cy="365125"/>
+            <a:off x="8610600" y="6356350"/>
+            <a:ext cx="2743200" cy="365125"/>
           </a:xfrm>
           <a:prstGeom prst="rect">
             <a:avLst/>
@@ -3780,7 +3613,7 @@
           <a:bodyPr vert="horz" lIns="91440" tIns="45720" rIns="91440" bIns="45720" rtlCol="0" anchor="ctr"/>
           <a:lstStyle>
             <a:lvl1pPr algn="r">
-              <a:defRPr sz="900">
+              <a:defRPr sz="1200">
                 <a:solidFill>
                   <a:schemeClr val="tx1">
                     <a:tint val="75000"/>
@@ -3801,29 +3634,29 @@
     </p:spTree>
     <p:extLst>
       <p:ext uri="{BB962C8B-B14F-4D97-AF65-F5344CB8AC3E}">
-        <p14:creationId xmlns:p14="http://schemas.microsoft.com/office/powerpoint/2010/main" val="513877594"/>
+        <p14:creationId xmlns:p14="http://schemas.microsoft.com/office/powerpoint/2010/main" val="2495786714"/>
       </p:ext>
     </p:extLst>
   </p:cSld>
   <p:clrMap bg1="lt1" tx1="dk1" bg2="lt2" tx2="dk2" accent1="accent1" accent2="accent2" accent3="accent3" accent4="accent4" accent5="accent5" accent6="accent6" hlink="hlink" folHlink="folHlink"/>
   <p:sldLayoutIdLst>
-    <p:sldLayoutId id="2147483690" r:id="rId1"/>
-    <p:sldLayoutId id="2147483691" r:id="rId2"/>
-    <p:sldLayoutId id="2147483692" r:id="rId3"/>
-    <p:sldLayoutId id="2147483693" r:id="rId4"/>
-    <p:sldLayoutId id="2147483694" r:id="rId5"/>
-    <p:sldLayoutId id="2147483695" r:id="rId6"/>
-    <p:sldLayoutId id="2147483696" r:id="rId7"/>
-    <p:sldLayoutId id="2147483697" r:id="rId8"/>
-    <p:sldLayoutId id="2147483698" r:id="rId9"/>
-    <p:sldLayoutId id="2147483699" r:id="rId10"/>
-    <p:sldLayoutId id="2147483700" r:id="rId11"/>
+    <p:sldLayoutId id="2147483702" r:id="rId1"/>
+    <p:sldLayoutId id="2147483703" r:id="rId2"/>
+    <p:sldLayoutId id="2147483704" r:id="rId3"/>
+    <p:sldLayoutId id="2147483705" r:id="rId4"/>
+    <p:sldLayoutId id="2147483706" r:id="rId5"/>
+    <p:sldLayoutId id="2147483707" r:id="rId6"/>
+    <p:sldLayoutId id="2147483708" r:id="rId7"/>
+    <p:sldLayoutId id="2147483709" r:id="rId8"/>
+    <p:sldLayoutId id="2147483710" r:id="rId9"/>
+    <p:sldLayoutId id="2147483711" r:id="rId10"/>
+    <p:sldLayoutId id="2147483712" r:id="rId11"/>
     <p:sldLayoutId id="2147483661" r:id="rId12"/>
     <p:sldLayoutId id="2147483662" r:id="rId13"/>
   </p:sldLayoutIdLst>
   <p:txStyles>
     <p:titleStyle>
-      <a:lvl1pPr algn="l" defTabSz="685800" rtl="0" eaLnBrk="1" latinLnBrk="0" hangingPunct="1">
+      <a:lvl1pPr algn="l" defTabSz="914400" rtl="0" eaLnBrk="1" latinLnBrk="0" hangingPunct="1">
         <a:lnSpc>
           <a:spcPct val="90000"/>
         </a:lnSpc>
@@ -3831,7 +3664,7 @@
           <a:spcPct val="0"/>
         </a:spcBef>
         <a:buNone/>
-        <a:defRPr sz="3300" kern="1200">
+        <a:defRPr sz="4400" kern="1200">
           <a:solidFill>
             <a:schemeClr val="tx1"/>
           </a:solidFill>
@@ -3842,16 +3675,16 @@
       </a:lvl1pPr>
     </p:titleStyle>
     <p:bodyStyle>
-      <a:lvl1pPr marL="171450" indent="-171450" algn="l" defTabSz="685800" rtl="0" eaLnBrk="1" latinLnBrk="0" hangingPunct="1">
+      <a:lvl1pPr marL="228600" indent="-228600" algn="l" defTabSz="914400" rtl="0" eaLnBrk="1" latinLnBrk="0" hangingPunct="1">
         <a:lnSpc>
           <a:spcPct val="90000"/>
         </a:lnSpc>
         <a:spcBef>
-          <a:spcPts val="750"/>
+          <a:spcPts val="1000"/>
         </a:spcBef>
         <a:buFont typeface="Arial" panose="020B0604020202020204" pitchFamily="34" charset="0"/>
         <a:buChar char="•"/>
-        <a:defRPr sz="2100" kern="1200">
+        <a:defRPr sz="2800" kern="1200">
           <a:solidFill>
             <a:schemeClr val="tx1"/>
           </a:solidFill>
@@ -3860,12 +3693,48 @@
           <a:cs typeface="+mn-cs"/>
         </a:defRPr>
       </a:lvl1pPr>
-      <a:lvl2pPr marL="514350" indent="-171450" algn="l" defTabSz="685800" rtl="0" eaLnBrk="1" latinLnBrk="0" hangingPunct="1">
+      <a:lvl2pPr marL="685800" indent="-228600" algn="l" defTabSz="914400" rtl="0" eaLnBrk="1" latinLnBrk="0" hangingPunct="1">
         <a:lnSpc>
           <a:spcPct val="90000"/>
         </a:lnSpc>
         <a:spcBef>
-          <a:spcPts val="375"/>
+          <a:spcPts val="500"/>
+        </a:spcBef>
+        <a:buFont typeface="Arial" panose="020B0604020202020204" pitchFamily="34" charset="0"/>
+        <a:buChar char="•"/>
+        <a:defRPr sz="2400" kern="1200">
+          <a:solidFill>
+            <a:schemeClr val="tx1"/>
+          </a:solidFill>
+          <a:latin typeface="+mn-lt"/>
+          <a:ea typeface="+mn-ea"/>
+          <a:cs typeface="+mn-cs"/>
+        </a:defRPr>
+      </a:lvl2pPr>
+      <a:lvl3pPr marL="1143000" indent="-228600" algn="l" defTabSz="914400" rtl="0" eaLnBrk="1" latinLnBrk="0" hangingPunct="1">
+        <a:lnSpc>
+          <a:spcPct val="90000"/>
+        </a:lnSpc>
+        <a:spcBef>
+          <a:spcPts val="500"/>
+        </a:spcBef>
+        <a:buFont typeface="Arial" panose="020B0604020202020204" pitchFamily="34" charset="0"/>
+        <a:buChar char="•"/>
+        <a:defRPr sz="2000" kern="1200">
+          <a:solidFill>
+            <a:schemeClr val="tx1"/>
+          </a:solidFill>
+          <a:latin typeface="+mn-lt"/>
+          <a:ea typeface="+mn-ea"/>
+          <a:cs typeface="+mn-cs"/>
+        </a:defRPr>
+      </a:lvl3pPr>
+      <a:lvl4pPr marL="1600200" indent="-228600" algn="l" defTabSz="914400" rtl="0" eaLnBrk="1" latinLnBrk="0" hangingPunct="1">
+        <a:lnSpc>
+          <a:spcPct val="90000"/>
+        </a:lnSpc>
+        <a:spcBef>
+          <a:spcPts val="500"/>
         </a:spcBef>
         <a:buFont typeface="Arial" panose="020B0604020202020204" pitchFamily="34" charset="0"/>
         <a:buChar char="•"/>
@@ -3877,53 +3746,17 @@
           <a:ea typeface="+mn-ea"/>
           <a:cs typeface="+mn-cs"/>
         </a:defRPr>
-      </a:lvl2pPr>
-      <a:lvl3pPr marL="857250" indent="-171450" algn="l" defTabSz="685800" rtl="0" eaLnBrk="1" latinLnBrk="0" hangingPunct="1">
+      </a:lvl4pPr>
+      <a:lvl5pPr marL="2057400" indent="-228600" algn="l" defTabSz="914400" rtl="0" eaLnBrk="1" latinLnBrk="0" hangingPunct="1">
         <a:lnSpc>
           <a:spcPct val="90000"/>
         </a:lnSpc>
         <a:spcBef>
-          <a:spcPts val="375"/>
+          <a:spcPts val="500"/>
         </a:spcBef>
         <a:buFont typeface="Arial" panose="020B0604020202020204" pitchFamily="34" charset="0"/>
         <a:buChar char="•"/>
-        <a:defRPr sz="1500" kern="1200">
-          <a:solidFill>
-            <a:schemeClr val="tx1"/>
-          </a:solidFill>
-          <a:latin typeface="+mn-lt"/>
-          <a:ea typeface="+mn-ea"/>
-          <a:cs typeface="+mn-cs"/>
-        </a:defRPr>
-      </a:lvl3pPr>
-      <a:lvl4pPr marL="1200150" indent="-171450" algn="l" defTabSz="685800" rtl="0" eaLnBrk="1" latinLnBrk="0" hangingPunct="1">
-        <a:lnSpc>
-          <a:spcPct val="90000"/>
-        </a:lnSpc>
-        <a:spcBef>
-          <a:spcPts val="375"/>
-        </a:spcBef>
-        <a:buFont typeface="Arial" panose="020B0604020202020204" pitchFamily="34" charset="0"/>
-        <a:buChar char="•"/>
-        <a:defRPr sz="1350" kern="1200">
-          <a:solidFill>
-            <a:schemeClr val="tx1"/>
-          </a:solidFill>
-          <a:latin typeface="+mn-lt"/>
-          <a:ea typeface="+mn-ea"/>
-          <a:cs typeface="+mn-cs"/>
-        </a:defRPr>
-      </a:lvl4pPr>
-      <a:lvl5pPr marL="1543050" indent="-171450" algn="l" defTabSz="685800" rtl="0" eaLnBrk="1" latinLnBrk="0" hangingPunct="1">
-        <a:lnSpc>
-          <a:spcPct val="90000"/>
-        </a:lnSpc>
-        <a:spcBef>
-          <a:spcPts val="375"/>
-        </a:spcBef>
-        <a:buFont typeface="Arial" panose="020B0604020202020204" pitchFamily="34" charset="0"/>
-        <a:buChar char="•"/>
-        <a:defRPr sz="1350" kern="1200">
+        <a:defRPr sz="1800" kern="1200">
           <a:solidFill>
             <a:schemeClr val="tx1"/>
           </a:solidFill>
@@ -3932,16 +3765,16 @@
           <a:cs typeface="+mn-cs"/>
         </a:defRPr>
       </a:lvl5pPr>
-      <a:lvl6pPr marL="1885950" indent="-171450" algn="l" defTabSz="685800" rtl="0" eaLnBrk="1" latinLnBrk="0" hangingPunct="1">
+      <a:lvl6pPr marL="2514600" indent="-228600" algn="l" defTabSz="914400" rtl="0" eaLnBrk="1" latinLnBrk="0" hangingPunct="1">
         <a:lnSpc>
           <a:spcPct val="90000"/>
         </a:lnSpc>
         <a:spcBef>
-          <a:spcPts val="375"/>
+          <a:spcPts val="500"/>
         </a:spcBef>
         <a:buFont typeface="Arial" panose="020B0604020202020204" pitchFamily="34" charset="0"/>
         <a:buChar char="•"/>
-        <a:defRPr sz="1350" kern="1200">
+        <a:defRPr sz="1800" kern="1200">
           <a:solidFill>
             <a:schemeClr val="tx1"/>
           </a:solidFill>
@@ -3950,16 +3783,16 @@
           <a:cs typeface="+mn-cs"/>
         </a:defRPr>
       </a:lvl6pPr>
-      <a:lvl7pPr marL="2228850" indent="-171450" algn="l" defTabSz="685800" rtl="0" eaLnBrk="1" latinLnBrk="0" hangingPunct="1">
+      <a:lvl7pPr marL="2971800" indent="-228600" algn="l" defTabSz="914400" rtl="0" eaLnBrk="1" latinLnBrk="0" hangingPunct="1">
         <a:lnSpc>
           <a:spcPct val="90000"/>
         </a:lnSpc>
         <a:spcBef>
-          <a:spcPts val="375"/>
+          <a:spcPts val="500"/>
         </a:spcBef>
         <a:buFont typeface="Arial" panose="020B0604020202020204" pitchFamily="34" charset="0"/>
         <a:buChar char="•"/>
-        <a:defRPr sz="1350" kern="1200">
+        <a:defRPr sz="1800" kern="1200">
           <a:solidFill>
             <a:schemeClr val="tx1"/>
           </a:solidFill>
@@ -3968,16 +3801,16 @@
           <a:cs typeface="+mn-cs"/>
         </a:defRPr>
       </a:lvl7pPr>
-      <a:lvl8pPr marL="2571750" indent="-171450" algn="l" defTabSz="685800" rtl="0" eaLnBrk="1" latinLnBrk="0" hangingPunct="1">
+      <a:lvl8pPr marL="3429000" indent="-228600" algn="l" defTabSz="914400" rtl="0" eaLnBrk="1" latinLnBrk="0" hangingPunct="1">
         <a:lnSpc>
           <a:spcPct val="90000"/>
         </a:lnSpc>
         <a:spcBef>
-          <a:spcPts val="375"/>
+          <a:spcPts val="500"/>
         </a:spcBef>
         <a:buFont typeface="Arial" panose="020B0604020202020204" pitchFamily="34" charset="0"/>
         <a:buChar char="•"/>
-        <a:defRPr sz="1350" kern="1200">
+        <a:defRPr sz="1800" kern="1200">
           <a:solidFill>
             <a:schemeClr val="tx1"/>
           </a:solidFill>
@@ -3986,16 +3819,16 @@
           <a:cs typeface="+mn-cs"/>
         </a:defRPr>
       </a:lvl8pPr>
-      <a:lvl9pPr marL="2914650" indent="-171450" algn="l" defTabSz="685800" rtl="0" eaLnBrk="1" latinLnBrk="0" hangingPunct="1">
+      <a:lvl9pPr marL="3886200" indent="-228600" algn="l" defTabSz="914400" rtl="0" eaLnBrk="1" latinLnBrk="0" hangingPunct="1">
         <a:lnSpc>
           <a:spcPct val="90000"/>
         </a:lnSpc>
         <a:spcBef>
-          <a:spcPts val="375"/>
+          <a:spcPts val="500"/>
         </a:spcBef>
         <a:buFont typeface="Arial" panose="020B0604020202020204" pitchFamily="34" charset="0"/>
         <a:buChar char="•"/>
-        <a:defRPr sz="1350" kern="1200">
+        <a:defRPr sz="1800" kern="1200">
           <a:solidFill>
             <a:schemeClr val="tx1"/>
           </a:solidFill>
@@ -4009,8 +3842,8 @@
       <a:defPPr>
         <a:defRPr lang="en-US"/>
       </a:defPPr>
-      <a:lvl1pPr marL="0" algn="l" defTabSz="685800" rtl="0" eaLnBrk="1" latinLnBrk="0" hangingPunct="1">
-        <a:defRPr sz="1350" kern="1200">
+      <a:lvl1pPr marL="0" algn="l" defTabSz="914400" rtl="0" eaLnBrk="1" latinLnBrk="0" hangingPunct="1">
+        <a:defRPr sz="1800" kern="1200">
           <a:solidFill>
             <a:schemeClr val="tx1"/>
           </a:solidFill>
@@ -4019,8 +3852,8 @@
           <a:cs typeface="+mn-cs"/>
         </a:defRPr>
       </a:lvl1pPr>
-      <a:lvl2pPr marL="342900" algn="l" defTabSz="685800" rtl="0" eaLnBrk="1" latinLnBrk="0" hangingPunct="1">
-        <a:defRPr sz="1350" kern="1200">
+      <a:lvl2pPr marL="457200" algn="l" defTabSz="914400" rtl="0" eaLnBrk="1" latinLnBrk="0" hangingPunct="1">
+        <a:defRPr sz="1800" kern="1200">
           <a:solidFill>
             <a:schemeClr val="tx1"/>
           </a:solidFill>
@@ -4029,8 +3862,8 @@
           <a:cs typeface="+mn-cs"/>
         </a:defRPr>
       </a:lvl2pPr>
-      <a:lvl3pPr marL="685800" algn="l" defTabSz="685800" rtl="0" eaLnBrk="1" latinLnBrk="0" hangingPunct="1">
-        <a:defRPr sz="1350" kern="1200">
+      <a:lvl3pPr marL="914400" algn="l" defTabSz="914400" rtl="0" eaLnBrk="1" latinLnBrk="0" hangingPunct="1">
+        <a:defRPr sz="1800" kern="1200">
           <a:solidFill>
             <a:schemeClr val="tx1"/>
           </a:solidFill>
@@ -4039,8 +3872,8 @@
           <a:cs typeface="+mn-cs"/>
         </a:defRPr>
       </a:lvl3pPr>
-      <a:lvl4pPr marL="1028700" algn="l" defTabSz="685800" rtl="0" eaLnBrk="1" latinLnBrk="0" hangingPunct="1">
-        <a:defRPr sz="1350" kern="1200">
+      <a:lvl4pPr marL="1371600" algn="l" defTabSz="914400" rtl="0" eaLnBrk="1" latinLnBrk="0" hangingPunct="1">
+        <a:defRPr sz="1800" kern="1200">
           <a:solidFill>
             <a:schemeClr val="tx1"/>
           </a:solidFill>
@@ -4049,8 +3882,8 @@
           <a:cs typeface="+mn-cs"/>
         </a:defRPr>
       </a:lvl4pPr>
-      <a:lvl5pPr marL="1371600" algn="l" defTabSz="685800" rtl="0" eaLnBrk="1" latinLnBrk="0" hangingPunct="1">
-        <a:defRPr sz="1350" kern="1200">
+      <a:lvl5pPr marL="1828800" algn="l" defTabSz="914400" rtl="0" eaLnBrk="1" latinLnBrk="0" hangingPunct="1">
+        <a:defRPr sz="1800" kern="1200">
           <a:solidFill>
             <a:schemeClr val="tx1"/>
           </a:solidFill>
@@ -4059,8 +3892,8 @@
           <a:cs typeface="+mn-cs"/>
         </a:defRPr>
       </a:lvl5pPr>
-      <a:lvl6pPr marL="1714500" algn="l" defTabSz="685800" rtl="0" eaLnBrk="1" latinLnBrk="0" hangingPunct="1">
-        <a:defRPr sz="1350" kern="1200">
+      <a:lvl6pPr marL="2286000" algn="l" defTabSz="914400" rtl="0" eaLnBrk="1" latinLnBrk="0" hangingPunct="1">
+        <a:defRPr sz="1800" kern="1200">
           <a:solidFill>
             <a:schemeClr val="tx1"/>
           </a:solidFill>
@@ -4069,8 +3902,8 @@
           <a:cs typeface="+mn-cs"/>
         </a:defRPr>
       </a:lvl6pPr>
-      <a:lvl7pPr marL="2057400" algn="l" defTabSz="685800" rtl="0" eaLnBrk="1" latinLnBrk="0" hangingPunct="1">
-        <a:defRPr sz="1350" kern="1200">
+      <a:lvl7pPr marL="2743200" algn="l" defTabSz="914400" rtl="0" eaLnBrk="1" latinLnBrk="0" hangingPunct="1">
+        <a:defRPr sz="1800" kern="1200">
           <a:solidFill>
             <a:schemeClr val="tx1"/>
           </a:solidFill>
@@ -4079,8 +3912,8 @@
           <a:cs typeface="+mn-cs"/>
         </a:defRPr>
       </a:lvl7pPr>
-      <a:lvl8pPr marL="2400300" algn="l" defTabSz="685800" rtl="0" eaLnBrk="1" latinLnBrk="0" hangingPunct="1">
-        <a:defRPr sz="1350" kern="1200">
+      <a:lvl8pPr marL="3200400" algn="l" defTabSz="914400" rtl="0" eaLnBrk="1" latinLnBrk="0" hangingPunct="1">
+        <a:defRPr sz="1800" kern="1200">
           <a:solidFill>
             <a:schemeClr val="tx1"/>
           </a:solidFill>
@@ -4089,8 +3922,8 @@
           <a:cs typeface="+mn-cs"/>
         </a:defRPr>
       </a:lvl8pPr>
-      <a:lvl9pPr marL="2743200" algn="l" defTabSz="685800" rtl="0" eaLnBrk="1" latinLnBrk="0" hangingPunct="1">
-        <a:defRPr sz="1350" kern="1200">
+      <a:lvl9pPr marL="3657600" algn="l" defTabSz="914400" rtl="0" eaLnBrk="1" latinLnBrk="0" hangingPunct="1">
+        <a:defRPr sz="1800" kern="1200">
           <a:solidFill>
             <a:schemeClr val="tx1"/>
           </a:solidFill>
@@ -4131,13 +3964,13 @@
   <p:clrMapOvr>
     <a:masterClrMapping/>
   </p:clrMapOvr>
-  <mc:AlternateContent xmlns:mc="http://schemas.openxmlformats.org/markup-compatibility/2006" xmlns:p14="http://schemas.microsoft.com/office/powerpoint/2010/main">
-    <mc:Choice Requires="p14">
+  <mc:AlternateContent xmlns:mc="http://schemas.openxmlformats.org/markup-compatibility/2006">
+    <mc:Choice xmlns:p14="http://schemas.microsoft.com/office/powerpoint/2010/main" Requires="p14">
       <p:transition spd="med" p14:dur="700">
         <p:fade/>
       </p:transition>
     </mc:Choice>
-    <mc:Fallback xmlns="">
+    <mc:Fallback>
       <p:transition spd="med">
         <p:fade/>
       </p:transition>
@@ -4154,1416 +3987,6 @@
 </file>
 
 <file path=ppt/slides/slide10.xml><?xml version="1.0" encoding="utf-8"?>
-<p:sld xmlns:a="http://schemas.openxmlformats.org/drawingml/2006/main" xmlns:r="http://schemas.openxmlformats.org/officeDocument/2006/relationships" xmlns:p="http://schemas.openxmlformats.org/presentationml/2006/main">
-  <p:cSld>
-    <p:spTree>
-      <p:nvGrpSpPr>
-        <p:cNvPr id="1" name=""/>
-        <p:cNvGrpSpPr/>
-        <p:nvPr/>
-      </p:nvGrpSpPr>
-      <p:grpSpPr>
-        <a:xfrm>
-          <a:off x="0" y="0"/>
-          <a:ext cx="0" cy="0"/>
-          <a:chOff x="0" y="0"/>
-          <a:chExt cx="0" cy="0"/>
-        </a:xfrm>
-      </p:grpSpPr>
-      <p:pic>
-        <p:nvPicPr>
-          <p:cNvPr id="10" name="Picture 9"/>
-          <p:cNvPicPr>
-            <a:picLocks noChangeAspect="1"/>
-          </p:cNvPicPr>
-          <p:nvPr/>
-        </p:nvPicPr>
-        <p:blipFill>
-          <a:blip r:embed="rId3">
-            <a:extLst>
-              <a:ext uri="{28A0092B-C50C-407E-A947-70E740481C1C}">
-                <a14:useLocalDpi xmlns:a14="http://schemas.microsoft.com/office/drawing/2010/main" val="0"/>
-              </a:ext>
-            </a:extLst>
-          </a:blip>
-          <a:stretch>
-            <a:fillRect/>
-          </a:stretch>
-        </p:blipFill>
-        <p:spPr>
-          <a:xfrm>
-            <a:off x="1150255" y="2515143"/>
-            <a:ext cx="5396825" cy="4342857"/>
-          </a:xfrm>
-          <a:prstGeom prst="rect">
-            <a:avLst/>
-          </a:prstGeom>
-        </p:spPr>
-      </p:pic>
-      <p:sp>
-        <p:nvSpPr>
-          <p:cNvPr id="16" name="Line Callout 2 15"/>
-          <p:cNvSpPr/>
-          <p:nvPr/>
-        </p:nvSpPr>
-        <p:spPr>
-          <a:xfrm>
-            <a:off x="313898" y="464157"/>
-            <a:ext cx="4267906" cy="1501254"/>
-          </a:xfrm>
-          <a:prstGeom prst="borderCallout2">
-            <a:avLst>
-              <a:gd name="adj1" fmla="val 100568"/>
-              <a:gd name="adj2" fmla="val 23294"/>
-              <a:gd name="adj3" fmla="val 154204"/>
-              <a:gd name="adj4" fmla="val 27555"/>
-              <a:gd name="adj5" fmla="val 212500"/>
-              <a:gd name="adj6" fmla="val 54232"/>
-            </a:avLst>
-          </a:prstGeom>
-          <a:ln w="38100"/>
-        </p:spPr>
-        <p:style>
-          <a:lnRef idx="2">
-            <a:schemeClr val="accent1"/>
-          </a:lnRef>
-          <a:fillRef idx="1">
-            <a:schemeClr val="lt1"/>
-          </a:fillRef>
-          <a:effectRef idx="0">
-            <a:schemeClr val="accent1"/>
-          </a:effectRef>
-          <a:fontRef idx="minor">
-            <a:schemeClr val="dk1"/>
-          </a:fontRef>
-        </p:style>
-        <p:txBody>
-          <a:bodyPr rtlCol="0" anchor="ctr"/>
-          <a:lstStyle/>
-          <a:p>
-            <a:pPr algn="ctr"/>
-            <a:r>
-              <a:rPr lang="en-US" sz="2600" dirty="0" smtClean="0"/>
-              <a:t>Seller needs </a:t>
-            </a:r>
-            <a:r>
-              <a:rPr lang="en-US" sz="2600" dirty="0"/>
-              <a:t>to send it to you </a:t>
-            </a:r>
-          </a:p>
-          <a:p>
-            <a:pPr algn="ctr"/>
-            <a:r>
-              <a:rPr lang="en-US" sz="2600" dirty="0"/>
-              <a:t>through a courier </a:t>
-            </a:r>
-            <a:r>
-              <a:rPr lang="en-US" sz="2600" dirty="0" smtClean="0"/>
-              <a:t>company.</a:t>
-            </a:r>
-            <a:endParaRPr lang="en-US" sz="2600" dirty="0"/>
-          </a:p>
-        </p:txBody>
-      </p:sp>
-      <p:sp>
-        <p:nvSpPr>
-          <p:cNvPr id="17" name="TextBox 16"/>
-          <p:cNvSpPr txBox="1"/>
-          <p:nvPr/>
-        </p:nvSpPr>
-        <p:spPr>
-          <a:xfrm>
-            <a:off x="8502556" y="190220"/>
-            <a:ext cx="417102" cy="369332"/>
-          </a:xfrm>
-          <a:prstGeom prst="rect">
-            <a:avLst/>
-          </a:prstGeom>
-          <a:noFill/>
-        </p:spPr>
-        <p:txBody>
-          <a:bodyPr wrap="none" rtlCol="0">
-            <a:spAutoFit/>
-          </a:bodyPr>
-          <a:lstStyle/>
-          <a:p>
-            <a:r>
-              <a:rPr lang="en-US" dirty="0" smtClean="0"/>
-              <a:t>#8</a:t>
-            </a:r>
-            <a:endParaRPr lang="en-US" dirty="0"/>
-          </a:p>
-        </p:txBody>
-      </p:sp>
-      <p:pic>
-        <p:nvPicPr>
-          <p:cNvPr id="9" name="Picture 2"/>
-          <p:cNvPicPr>
-            <a:picLocks noChangeAspect="1" noChangeArrowheads="1"/>
-          </p:cNvPicPr>
-          <p:nvPr/>
-        </p:nvPicPr>
-        <p:blipFill>
-          <a:blip r:embed="rId4">
-            <a:extLst>
-              <a:ext uri="{28A0092B-C50C-407E-A947-70E740481C1C}">
-                <a14:useLocalDpi xmlns:a14="http://schemas.microsoft.com/office/drawing/2010/main" val="0"/>
-              </a:ext>
-            </a:extLst>
-          </a:blip>
-          <a:stretch>
-            <a:fillRect/>
-          </a:stretch>
-        </p:blipFill>
-        <p:spPr bwMode="auto">
-          <a:xfrm>
-            <a:off x="6547080" y="319489"/>
-            <a:ext cx="2190165" cy="2195654"/>
-          </a:xfrm>
-          <a:prstGeom prst="rect">
-            <a:avLst/>
-          </a:prstGeom>
-          <a:noFill/>
-          <a:extLst>
-            <a:ext uri="{909E8E84-426E-40DD-AFC4-6F175D3DCCD1}">
-              <a14:hiddenFill xmlns:a14="http://schemas.microsoft.com/office/drawing/2010/main">
-                <a:solidFill>
-                  <a:srgbClr val="FFFFFF"/>
-                </a:solidFill>
-              </a14:hiddenFill>
-            </a:ext>
-          </a:extLst>
-        </p:spPr>
-      </p:pic>
-      <p:pic>
-        <p:nvPicPr>
-          <p:cNvPr id="11" name="Picture 10"/>
-          <p:cNvPicPr>
-            <a:picLocks noChangeAspect="1"/>
-          </p:cNvPicPr>
-          <p:nvPr/>
-        </p:nvPicPr>
-        <p:blipFill>
-          <a:blip r:embed="rId5">
-            <a:extLst>
-              <a:ext uri="{28A0092B-C50C-407E-A947-70E740481C1C}">
-                <a14:useLocalDpi xmlns:a14="http://schemas.microsoft.com/office/drawing/2010/main" val="0"/>
-              </a:ext>
-            </a:extLst>
-          </a:blip>
-          <a:stretch>
-            <a:fillRect/>
-          </a:stretch>
-        </p:blipFill>
-        <p:spPr>
-          <a:xfrm>
-            <a:off x="2855296" y="4439345"/>
-            <a:ext cx="3098413" cy="2019048"/>
-          </a:xfrm>
-          <a:prstGeom prst="rect">
-            <a:avLst/>
-          </a:prstGeom>
-        </p:spPr>
-      </p:pic>
-    </p:spTree>
-    <p:custDataLst>
-      <p:tags r:id="rId1"/>
-    </p:custDataLst>
-    <p:extLst>
-      <p:ext uri="{BB962C8B-B14F-4D97-AF65-F5344CB8AC3E}">
-        <p14:creationId xmlns:p14="http://schemas.microsoft.com/office/powerpoint/2010/main" val="2610648117"/>
-      </p:ext>
-    </p:extLst>
-  </p:cSld>
-  <p:clrMapOvr>
-    <a:masterClrMapping/>
-  </p:clrMapOvr>
-  <mc:AlternateContent xmlns:mc="http://schemas.openxmlformats.org/markup-compatibility/2006" xmlns:p14="http://schemas.microsoft.com/office/powerpoint/2010/main">
-    <mc:Choice Requires="p14">
-      <p:transition spd="med" p14:dur="700" advTm="6996">
-        <p:fade/>
-      </p:transition>
-    </mc:Choice>
-    <mc:Fallback xmlns="">
-      <p:transition spd="med" advTm="6996">
-        <p:fade/>
-      </p:transition>
-    </mc:Fallback>
-  </mc:AlternateContent>
-  <p:timing>
-    <p:tnLst>
-      <p:par>
-        <p:cTn id="1" dur="indefinite" restart="never" nodeType="tmRoot">
-          <p:childTnLst>
-            <p:seq concurrent="1" nextAc="seek">
-              <p:cTn id="2" dur="indefinite" nodeType="mainSeq">
-                <p:childTnLst>
-                  <p:par>
-                    <p:cTn id="3" fill="hold">
-                      <p:stCondLst>
-                        <p:cond delay="indefinite"/>
-                      </p:stCondLst>
-                      <p:childTnLst>
-                        <p:par>
-                          <p:cTn id="4" fill="hold">
-                            <p:stCondLst>
-                              <p:cond delay="0"/>
-                            </p:stCondLst>
-                            <p:childTnLst>
-                              <p:par>
-                                <p:cTn id="5" presetID="37" presetClass="path" presetSubtype="0" accel="50000" decel="50000" fill="hold" nodeType="clickEffect">
-                                  <p:stCondLst>
-                                    <p:cond delay="0"/>
-                                  </p:stCondLst>
-                                  <p:childTnLst>
-                                    <p:animMotion origin="layout" path="M -2.77778E-7 -1.11111E-6 L -0.16042 0.04352 C -0.19479 0.05116 -0.23628 0.07963 -0.27274 0.11875 C -0.31562 0.16528 -0.34271 0.21088 -0.35573 0.2537 L -0.42153 0.45463 " pathEditMode="relative" rAng="8460000" ptsTypes="AAAAA">
-                                      <p:cBhvr>
-                                        <p:cTn id="6" dur="2000" fill="hold"/>
-                                        <p:tgtEl>
-                                          <p:spTgt spid="9"/>
-                                        </p:tgtEl>
-                                        <p:attrNameLst>
-                                          <p:attrName>ppt_x</p:attrName>
-                                          <p:attrName>ppt_y</p:attrName>
-                                        </p:attrNameLst>
-                                      </p:cBhvr>
-                                      <p:rCtr x="-24288" y="17431"/>
-                                    </p:animMotion>
-                                  </p:childTnLst>
-                                </p:cTn>
-                              </p:par>
-                            </p:childTnLst>
-                          </p:cTn>
-                        </p:par>
-                      </p:childTnLst>
-                    </p:cTn>
-                  </p:par>
-                </p:childTnLst>
-              </p:cTn>
-              <p:prevCondLst>
-                <p:cond evt="onPrev" delay="0">
-                  <p:tgtEl>
-                    <p:sldTgt/>
-                  </p:tgtEl>
-                </p:cond>
-              </p:prevCondLst>
-              <p:nextCondLst>
-                <p:cond evt="onNext" delay="0">
-                  <p:tgtEl>
-                    <p:sldTgt/>
-                  </p:tgtEl>
-                </p:cond>
-              </p:nextCondLst>
-            </p:seq>
-          </p:childTnLst>
-        </p:cTn>
-      </p:par>
-    </p:tnLst>
-  </p:timing>
-</p:sld>
-</file>
-
-<file path=ppt/slides/slide11.xml><?xml version="1.0" encoding="utf-8"?>
-<p:sld xmlns:a="http://schemas.openxmlformats.org/drawingml/2006/main" xmlns:r="http://schemas.openxmlformats.org/officeDocument/2006/relationships" xmlns:p="http://schemas.openxmlformats.org/presentationml/2006/main">
-  <p:cSld>
-    <p:spTree>
-      <p:nvGrpSpPr>
-        <p:cNvPr id="1" name=""/>
-        <p:cNvGrpSpPr/>
-        <p:nvPr/>
-      </p:nvGrpSpPr>
-      <p:grpSpPr>
-        <a:xfrm>
-          <a:off x="0" y="0"/>
-          <a:ext cx="0" cy="0"/>
-          <a:chOff x="0" y="0"/>
-          <a:chExt cx="0" cy="0"/>
-        </a:xfrm>
-      </p:grpSpPr>
-      <p:grpSp>
-        <p:nvGrpSpPr>
-          <p:cNvPr id="13" name="Group 12"/>
-          <p:cNvGrpSpPr/>
-          <p:nvPr/>
-        </p:nvGrpSpPr>
-        <p:grpSpPr>
-          <a:xfrm>
-            <a:off x="2842503" y="770422"/>
-            <a:ext cx="5213445" cy="2224585"/>
-            <a:chOff x="2842503" y="770422"/>
-            <a:chExt cx="5213445" cy="2224585"/>
-          </a:xfrm>
-        </p:grpSpPr>
-        <p:sp>
-          <p:nvSpPr>
-            <p:cNvPr id="5" name="Rectangle 4"/>
-            <p:cNvSpPr/>
-            <p:nvPr/>
-          </p:nvSpPr>
-          <p:spPr>
-            <a:xfrm>
-              <a:off x="2842503" y="770422"/>
-              <a:ext cx="5213445" cy="2224585"/>
-            </a:xfrm>
-            <a:prstGeom prst="rect">
-              <a:avLst/>
-            </a:prstGeom>
-          </p:spPr>
-          <p:style>
-            <a:lnRef idx="2">
-              <a:schemeClr val="dk1"/>
-            </a:lnRef>
-            <a:fillRef idx="1">
-              <a:schemeClr val="lt1"/>
-            </a:fillRef>
-            <a:effectRef idx="0">
-              <a:schemeClr val="dk1"/>
-            </a:effectRef>
-            <a:fontRef idx="minor">
-              <a:schemeClr val="dk1"/>
-            </a:fontRef>
-          </p:style>
-          <p:txBody>
-            <a:bodyPr rtlCol="0" anchor="ctr"/>
-            <a:lstStyle/>
-            <a:p>
-              <a:pPr algn="ctr"/>
-              <a:endParaRPr lang="en-US">
-                <a:ln>
-                  <a:solidFill>
-                    <a:schemeClr val="tx1"/>
-                  </a:solidFill>
-                </a:ln>
-              </a:endParaRPr>
-            </a:p>
-          </p:txBody>
-        </p:sp>
-        <p:cxnSp>
-          <p:nvCxnSpPr>
-            <p:cNvPr id="7" name="Straight Connector 6"/>
-            <p:cNvCxnSpPr/>
-            <p:nvPr/>
-          </p:nvCxnSpPr>
-          <p:spPr>
-            <a:xfrm>
-              <a:off x="4967142" y="770422"/>
-              <a:ext cx="0" cy="2224585"/>
-            </a:xfrm>
-            <a:prstGeom prst="line">
-              <a:avLst/>
-            </a:prstGeom>
-          </p:spPr>
-          <p:style>
-            <a:lnRef idx="1">
-              <a:schemeClr val="dk1"/>
-            </a:lnRef>
-            <a:fillRef idx="0">
-              <a:schemeClr val="dk1"/>
-            </a:fillRef>
-            <a:effectRef idx="0">
-              <a:schemeClr val="dk1"/>
-            </a:effectRef>
-            <a:fontRef idx="minor">
-              <a:schemeClr val="tx1"/>
-            </a:fontRef>
-          </p:style>
-        </p:cxnSp>
-        <p:cxnSp>
-          <p:nvCxnSpPr>
-            <p:cNvPr id="9" name="Straight Connector 8"/>
-            <p:cNvCxnSpPr/>
-            <p:nvPr/>
-          </p:nvCxnSpPr>
-          <p:spPr>
-            <a:xfrm>
-              <a:off x="4967142" y="2467490"/>
-              <a:ext cx="3088806" cy="0"/>
-            </a:xfrm>
-            <a:prstGeom prst="line">
-              <a:avLst/>
-            </a:prstGeom>
-          </p:spPr>
-          <p:style>
-            <a:lnRef idx="1">
-              <a:schemeClr val="dk1"/>
-            </a:lnRef>
-            <a:fillRef idx="0">
-              <a:schemeClr val="dk1"/>
-            </a:fillRef>
-            <a:effectRef idx="0">
-              <a:schemeClr val="dk1"/>
-            </a:effectRef>
-            <a:fontRef idx="minor">
-              <a:schemeClr val="tx1"/>
-            </a:fontRef>
-          </p:style>
-        </p:cxnSp>
-      </p:grpSp>
-      <p:pic>
-        <p:nvPicPr>
-          <p:cNvPr id="3" name="Picture 2"/>
-          <p:cNvPicPr>
-            <a:picLocks noChangeAspect="1"/>
-          </p:cNvPicPr>
-          <p:nvPr/>
-        </p:nvPicPr>
-        <p:blipFill>
-          <a:blip r:embed="rId4">
-            <a:extLst>
-              <a:ext uri="{28A0092B-C50C-407E-A947-70E740481C1C}">
-                <a14:useLocalDpi xmlns:a14="http://schemas.microsoft.com/office/drawing/2010/main" val="0"/>
-              </a:ext>
-            </a:extLst>
-          </a:blip>
-          <a:stretch>
-            <a:fillRect/>
-          </a:stretch>
-        </p:blipFill>
-        <p:spPr>
-          <a:xfrm>
-            <a:off x="2928000" y="890439"/>
-            <a:ext cx="1984550" cy="1984550"/>
-          </a:xfrm>
-          <a:prstGeom prst="rect">
-            <a:avLst/>
-          </a:prstGeom>
-        </p:spPr>
-      </p:pic>
-      <p:sp>
-        <p:nvSpPr>
-          <p:cNvPr id="2" name="Rectangle 1"/>
-          <p:cNvSpPr/>
-          <p:nvPr/>
-        </p:nvSpPr>
-        <p:spPr>
-          <a:xfrm>
-            <a:off x="5406825" y="990162"/>
-            <a:ext cx="2100255" cy="1477328"/>
-          </a:xfrm>
-          <a:prstGeom prst="rect">
-            <a:avLst/>
-          </a:prstGeom>
-          <a:noFill/>
-        </p:spPr>
-        <p:txBody>
-          <a:bodyPr wrap="none" lIns="91440" tIns="45720" rIns="91440" bIns="45720">
-            <a:spAutoFit/>
-          </a:bodyPr>
-          <a:lstStyle/>
-          <a:p>
-            <a:r>
-              <a:rPr lang="en-US" b="0" cap="none" spc="0" dirty="0" smtClean="0">
-                <a:ln w="0"/>
-                <a:solidFill>
-                  <a:schemeClr val="tx1"/>
-                </a:solidFill>
-                <a:effectLst>
-                  <a:outerShdw blurRad="38100" dist="19050" dir="2700000" algn="tl" rotWithShape="0">
-                    <a:schemeClr val="dk1">
-                      <a:alpha val="40000"/>
-                    </a:schemeClr>
-                  </a:outerShdw>
-                </a:effectLst>
-              </a:rPr>
-              <a:t>Receiver’s Name</a:t>
-            </a:r>
-          </a:p>
-          <a:p>
-            <a:r>
-              <a:rPr lang="en-US" dirty="0" smtClean="0">
-                <a:ln w="0"/>
-                <a:effectLst>
-                  <a:outerShdw blurRad="38100" dist="19050" dir="2700000" algn="tl" rotWithShape="0">
-                    <a:schemeClr val="dk1">
-                      <a:alpha val="40000"/>
-                    </a:schemeClr>
-                  </a:outerShdw>
-                </a:effectLst>
-              </a:rPr>
-              <a:t>House Number,</a:t>
-            </a:r>
-          </a:p>
-          <a:p>
-            <a:r>
-              <a:rPr lang="en-US" dirty="0" smtClean="0">
-                <a:ln w="0"/>
-                <a:effectLst>
-                  <a:outerShdw blurRad="38100" dist="19050" dir="2700000" algn="tl" rotWithShape="0">
-                    <a:schemeClr val="dk1">
-                      <a:alpha val="40000"/>
-                    </a:schemeClr>
-                  </a:outerShdw>
-                </a:effectLst>
-              </a:rPr>
-              <a:t>Street,</a:t>
-            </a:r>
-          </a:p>
-          <a:p>
-            <a:r>
-              <a:rPr lang="en-US" dirty="0" smtClean="0">
-                <a:ln w="0"/>
-                <a:effectLst>
-                  <a:outerShdw blurRad="38100" dist="19050" dir="2700000" algn="tl" rotWithShape="0">
-                    <a:schemeClr val="dk1">
-                      <a:alpha val="40000"/>
-                    </a:schemeClr>
-                  </a:outerShdw>
-                </a:effectLst>
-              </a:rPr>
-              <a:t>Town</a:t>
-            </a:r>
-          </a:p>
-          <a:p>
-            <a:endParaRPr lang="en-US" b="0" cap="none" spc="0" dirty="0" smtClean="0">
-              <a:ln w="0"/>
-              <a:solidFill>
-                <a:schemeClr val="tx1"/>
-              </a:solidFill>
-              <a:effectLst>
-                <a:outerShdw blurRad="38100" dist="19050" dir="2700000" algn="tl" rotWithShape="0">
-                  <a:schemeClr val="dk1">
-                    <a:alpha val="40000"/>
-                  </a:schemeClr>
-                </a:outerShdw>
-              </a:effectLst>
-            </a:endParaRPr>
-          </a:p>
-        </p:txBody>
-      </p:sp>
-      <p:sp>
-        <p:nvSpPr>
-          <p:cNvPr id="10" name="Rectangle 9"/>
-          <p:cNvSpPr/>
-          <p:nvPr/>
-        </p:nvSpPr>
-        <p:spPr>
-          <a:xfrm>
-            <a:off x="5246117" y="2522082"/>
-            <a:ext cx="2632451" cy="461665"/>
-          </a:xfrm>
-          <a:prstGeom prst="rect">
-            <a:avLst/>
-          </a:prstGeom>
-          <a:noFill/>
-        </p:spPr>
-        <p:txBody>
-          <a:bodyPr wrap="none" lIns="91440" tIns="45720" rIns="91440" bIns="45720">
-            <a:spAutoFit/>
-          </a:bodyPr>
-          <a:lstStyle/>
-          <a:p>
-            <a:pPr algn="ctr"/>
-            <a:r>
-              <a:rPr lang="en-US" sz="2400" b="0" cap="none" spc="0" dirty="0" smtClean="0">
-                <a:ln w="0"/>
-                <a:solidFill>
-                  <a:schemeClr val="tx1"/>
-                </a:solidFill>
-                <a:effectLst>
-                  <a:outerShdw blurRad="38100" dist="19050" dir="2700000" algn="tl" rotWithShape="0">
-                    <a:schemeClr val="dk1">
-                      <a:alpha val="40000"/>
-                    </a:schemeClr>
-                  </a:outerShdw>
-                </a:effectLst>
-              </a:rPr>
-              <a:t>ABC-12345678-D</a:t>
-            </a:r>
-            <a:endParaRPr lang="en-US" sz="2400" b="0" cap="none" spc="0" dirty="0">
-              <a:ln w="0"/>
-              <a:solidFill>
-                <a:schemeClr val="tx1"/>
-              </a:solidFill>
-              <a:effectLst>
-                <a:outerShdw blurRad="38100" dist="19050" dir="2700000" algn="tl" rotWithShape="0">
-                  <a:schemeClr val="dk1">
-                    <a:alpha val="40000"/>
-                  </a:schemeClr>
-                </a:outerShdw>
-              </a:effectLst>
-            </a:endParaRPr>
-          </a:p>
-        </p:txBody>
-      </p:sp>
-      <p:pic>
-        <p:nvPicPr>
-          <p:cNvPr id="12" name="Picture 11"/>
-          <p:cNvPicPr>
-            <a:picLocks noChangeAspect="1"/>
-          </p:cNvPicPr>
-          <p:nvPr/>
-        </p:nvPicPr>
-        <p:blipFill>
-          <a:blip r:embed="rId5">
-            <a:extLst>
-              <a:ext uri="{28A0092B-C50C-407E-A947-70E740481C1C}">
-                <a14:useLocalDpi xmlns:a14="http://schemas.microsoft.com/office/drawing/2010/main" val="0"/>
-              </a:ext>
-            </a:extLst>
-          </a:blip>
-          <a:stretch>
-            <a:fillRect/>
-          </a:stretch>
-        </p:blipFill>
-        <p:spPr>
-          <a:xfrm>
-            <a:off x="2261925" y="3626647"/>
-            <a:ext cx="3187301" cy="2831746"/>
-          </a:xfrm>
-          <a:prstGeom prst="rect">
-            <a:avLst/>
-          </a:prstGeom>
-        </p:spPr>
-      </p:pic>
-      <p:sp>
-        <p:nvSpPr>
-          <p:cNvPr id="14" name="TextBox 13"/>
-          <p:cNvSpPr txBox="1"/>
-          <p:nvPr/>
-        </p:nvSpPr>
-        <p:spPr>
-          <a:xfrm>
-            <a:off x="8502556" y="190220"/>
-            <a:ext cx="417102" cy="369332"/>
-          </a:xfrm>
-          <a:prstGeom prst="rect">
-            <a:avLst/>
-          </a:prstGeom>
-          <a:noFill/>
-        </p:spPr>
-        <p:txBody>
-          <a:bodyPr wrap="none" rtlCol="0">
-            <a:spAutoFit/>
-          </a:bodyPr>
-          <a:lstStyle/>
-          <a:p>
-            <a:r>
-              <a:rPr lang="en-US" dirty="0" smtClean="0"/>
-              <a:t>#9</a:t>
-            </a:r>
-            <a:endParaRPr lang="en-US" dirty="0"/>
-          </a:p>
-        </p:txBody>
-      </p:sp>
-    </p:spTree>
-    <p:custDataLst>
-      <p:tags r:id="rId1"/>
-    </p:custDataLst>
-    <p:extLst>
-      <p:ext uri="{BB962C8B-B14F-4D97-AF65-F5344CB8AC3E}">
-        <p14:creationId xmlns:p14="http://schemas.microsoft.com/office/powerpoint/2010/main" val="2465943056"/>
-      </p:ext>
-    </p:extLst>
-  </p:cSld>
-  <p:clrMapOvr>
-    <a:masterClrMapping/>
-  </p:clrMapOvr>
-  <mc:AlternateContent xmlns:mc="http://schemas.openxmlformats.org/markup-compatibility/2006" xmlns:p14="http://schemas.microsoft.com/office/powerpoint/2010/main">
-    <mc:Choice Requires="p14">
-      <p:transition spd="med" p14:dur="700" advTm="14291">
-        <p:fade/>
-      </p:transition>
-    </mc:Choice>
-    <mc:Fallback xmlns="">
-      <p:transition spd="med" advTm="14291">
-        <p:fade/>
-      </p:transition>
-    </mc:Fallback>
-  </mc:AlternateContent>
-  <p:timing>
-    <p:tnLst>
-      <p:par>
-        <p:cTn id="1" dur="indefinite" restart="never" nodeType="tmRoot">
-          <p:childTnLst>
-            <p:seq concurrent="1" nextAc="seek">
-              <p:cTn id="2" dur="indefinite" nodeType="mainSeq">
-                <p:childTnLst>
-                  <p:par>
-                    <p:cTn id="3" fill="hold">
-                      <p:stCondLst>
-                        <p:cond delay="indefinite"/>
-                      </p:stCondLst>
-                      <p:childTnLst>
-                        <p:par>
-                          <p:cTn id="4" fill="hold">
-                            <p:stCondLst>
-                              <p:cond delay="0"/>
-                            </p:stCondLst>
-                            <p:childTnLst>
-                              <p:par>
-                                <p:cTn id="5" presetID="2" presetClass="entr" presetSubtype="3" fill="hold" nodeType="clickEffect">
-                                  <p:stCondLst>
-                                    <p:cond delay="0"/>
-                                  </p:stCondLst>
-                                  <p:childTnLst>
-                                    <p:set>
-                                      <p:cBhvr>
-                                        <p:cTn id="6" dur="1" fill="hold">
-                                          <p:stCondLst>
-                                            <p:cond delay="0"/>
-                                          </p:stCondLst>
-                                        </p:cTn>
-                                        <p:tgtEl>
-                                          <p:spTgt spid="13"/>
-                                        </p:tgtEl>
-                                        <p:attrNameLst>
-                                          <p:attrName>style.visibility</p:attrName>
-                                        </p:attrNameLst>
-                                      </p:cBhvr>
-                                      <p:to>
-                                        <p:strVal val="visible"/>
-                                      </p:to>
-                                    </p:set>
-                                    <p:anim calcmode="lin" valueType="num">
-                                      <p:cBhvr additive="base">
-                                        <p:cTn id="7" dur="500" fill="hold"/>
-                                        <p:tgtEl>
-                                          <p:spTgt spid="13"/>
-                                        </p:tgtEl>
-                                        <p:attrNameLst>
-                                          <p:attrName>ppt_x</p:attrName>
-                                        </p:attrNameLst>
-                                      </p:cBhvr>
-                                      <p:tavLst>
-                                        <p:tav tm="0">
-                                          <p:val>
-                                            <p:strVal val="1+#ppt_w/2"/>
-                                          </p:val>
-                                        </p:tav>
-                                        <p:tav tm="100000">
-                                          <p:val>
-                                            <p:strVal val="#ppt_x"/>
-                                          </p:val>
-                                        </p:tav>
-                                      </p:tavLst>
-                                    </p:anim>
-                                    <p:anim calcmode="lin" valueType="num">
-                                      <p:cBhvr additive="base">
-                                        <p:cTn id="8" dur="500" fill="hold"/>
-                                        <p:tgtEl>
-                                          <p:spTgt spid="13"/>
-                                        </p:tgtEl>
-                                        <p:attrNameLst>
-                                          <p:attrName>ppt_y</p:attrName>
-                                        </p:attrNameLst>
-                                      </p:cBhvr>
-                                      <p:tavLst>
-                                        <p:tav tm="0">
-                                          <p:val>
-                                            <p:strVal val="0-#ppt_h/2"/>
-                                          </p:val>
-                                        </p:tav>
-                                        <p:tav tm="100000">
-                                          <p:val>
-                                            <p:strVal val="#ppt_y"/>
-                                          </p:val>
-                                        </p:tav>
-                                      </p:tavLst>
-                                    </p:anim>
-                                  </p:childTnLst>
-                                </p:cTn>
-                              </p:par>
-                            </p:childTnLst>
-                          </p:cTn>
-                        </p:par>
-                        <p:par>
-                          <p:cTn id="9" fill="hold">
-                            <p:stCondLst>
-                              <p:cond delay="500"/>
-                            </p:stCondLst>
-                            <p:childTnLst>
-                              <p:par>
-                                <p:cTn id="10" presetID="10" presetClass="entr" presetSubtype="0" fill="hold" nodeType="afterEffect">
-                                  <p:stCondLst>
-                                    <p:cond delay="0"/>
-                                  </p:stCondLst>
-                                  <p:childTnLst>
-                                    <p:set>
-                                      <p:cBhvr>
-                                        <p:cTn id="11" dur="1" fill="hold">
-                                          <p:stCondLst>
-                                            <p:cond delay="0"/>
-                                          </p:stCondLst>
-                                        </p:cTn>
-                                        <p:tgtEl>
-                                          <p:spTgt spid="3"/>
-                                        </p:tgtEl>
-                                        <p:attrNameLst>
-                                          <p:attrName>style.visibility</p:attrName>
-                                        </p:attrNameLst>
-                                      </p:cBhvr>
-                                      <p:to>
-                                        <p:strVal val="visible"/>
-                                      </p:to>
-                                    </p:set>
-                                    <p:animEffect transition="in" filter="fade">
-                                      <p:cBhvr>
-                                        <p:cTn id="12" dur="500"/>
-                                        <p:tgtEl>
-                                          <p:spTgt spid="3"/>
-                                        </p:tgtEl>
-                                      </p:cBhvr>
-                                    </p:animEffect>
-                                  </p:childTnLst>
-                                </p:cTn>
-                              </p:par>
-                            </p:childTnLst>
-                          </p:cTn>
-                        </p:par>
-                        <p:par>
-                          <p:cTn id="13" fill="hold">
-                            <p:stCondLst>
-                              <p:cond delay="1000"/>
-                            </p:stCondLst>
-                            <p:childTnLst>
-                              <p:par>
-                                <p:cTn id="14" presetID="1" presetClass="entr" presetSubtype="0" fill="hold" grpId="0" nodeType="afterEffect">
-                                  <p:stCondLst>
-                                    <p:cond delay="0"/>
-                                  </p:stCondLst>
-                                  <p:iterate type="lt">
-                                    <p:tmAbs val="50"/>
-                                  </p:iterate>
-                                  <p:childTnLst>
-                                    <p:set>
-                                      <p:cBhvr>
-                                        <p:cTn id="15" dur="1" fill="hold">
-                                          <p:stCondLst>
-                                            <p:cond delay="0"/>
-                                          </p:stCondLst>
-                                        </p:cTn>
-                                        <p:tgtEl>
-                                          <p:spTgt spid="10"/>
-                                        </p:tgtEl>
-                                        <p:attrNameLst>
-                                          <p:attrName>style.visibility</p:attrName>
-                                        </p:attrNameLst>
-                                      </p:cBhvr>
-                                      <p:to>
-                                        <p:strVal val="visible"/>
-                                      </p:to>
-                                    </p:set>
-                                  </p:childTnLst>
-                                </p:cTn>
-                              </p:par>
-                            </p:childTnLst>
-                          </p:cTn>
-                        </p:par>
-                        <p:par>
-                          <p:cTn id="16" fill="hold">
-                            <p:stCondLst>
-                              <p:cond delay="1651"/>
-                            </p:stCondLst>
-                            <p:childTnLst>
-                              <p:par>
-                                <p:cTn id="17" presetID="1" presetClass="entr" presetSubtype="0" fill="hold" grpId="0" nodeType="afterEffect">
-                                  <p:stCondLst>
-                                    <p:cond delay="0"/>
-                                  </p:stCondLst>
-                                  <p:iterate type="lt">
-                                    <p:tmAbs val="50"/>
-                                  </p:iterate>
-                                  <p:childTnLst>
-                                    <p:set>
-                                      <p:cBhvr>
-                                        <p:cTn id="18" dur="1" fill="hold">
-                                          <p:stCondLst>
-                                            <p:cond delay="0"/>
-                                          </p:stCondLst>
-                                        </p:cTn>
-                                        <p:tgtEl>
-                                          <p:spTgt spid="2"/>
-                                        </p:tgtEl>
-                                        <p:attrNameLst>
-                                          <p:attrName>style.visibility</p:attrName>
-                                        </p:attrNameLst>
-                                      </p:cBhvr>
-                                      <p:to>
-                                        <p:strVal val="visible"/>
-                                      </p:to>
-                                    </p:set>
-                                  </p:childTnLst>
-                                </p:cTn>
-                              </p:par>
-                            </p:childTnLst>
-                          </p:cTn>
-                        </p:par>
-                      </p:childTnLst>
-                    </p:cTn>
-                  </p:par>
-                </p:childTnLst>
-              </p:cTn>
-              <p:prevCondLst>
-                <p:cond evt="onPrev" delay="0">
-                  <p:tgtEl>
-                    <p:sldTgt/>
-                  </p:tgtEl>
-                </p:cond>
-              </p:prevCondLst>
-              <p:nextCondLst>
-                <p:cond evt="onNext" delay="0">
-                  <p:tgtEl>
-                    <p:sldTgt/>
-                  </p:tgtEl>
-                </p:cond>
-              </p:nextCondLst>
-            </p:seq>
-          </p:childTnLst>
-        </p:cTn>
-      </p:par>
-    </p:tnLst>
-    <p:bldLst>
-      <p:bldP spid="2" grpId="0"/>
-      <p:bldP spid="10" grpId="0"/>
-    </p:bldLst>
-  </p:timing>
-</p:sld>
-</file>
-
-<file path=ppt/slides/slide12.xml><?xml version="1.0" encoding="utf-8"?>
-<p:sld xmlns:a="http://schemas.openxmlformats.org/drawingml/2006/main" xmlns:r="http://schemas.openxmlformats.org/officeDocument/2006/relationships" xmlns:p="http://schemas.openxmlformats.org/presentationml/2006/main">
-  <p:cSld>
-    <p:spTree>
-      <p:nvGrpSpPr>
-        <p:cNvPr id="1" name=""/>
-        <p:cNvGrpSpPr/>
-        <p:nvPr/>
-      </p:nvGrpSpPr>
-      <p:grpSpPr>
-        <a:xfrm>
-          <a:off x="0" y="0"/>
-          <a:ext cx="0" cy="0"/>
-          <a:chOff x="0" y="0"/>
-          <a:chExt cx="0" cy="0"/>
-        </a:xfrm>
-      </p:grpSpPr>
-      <p:pic>
-        <p:nvPicPr>
-          <p:cNvPr id="6" name="Picture 5"/>
-          <p:cNvPicPr>
-            <a:picLocks noChangeAspect="1"/>
-          </p:cNvPicPr>
-          <p:nvPr/>
-        </p:nvPicPr>
-        <p:blipFill>
-          <a:blip r:embed="rId3">
-            <a:extLst>
-              <a:ext uri="{28A0092B-C50C-407E-A947-70E740481C1C}">
-                <a14:useLocalDpi xmlns:a14="http://schemas.microsoft.com/office/drawing/2010/main" val="0"/>
-              </a:ext>
-            </a:extLst>
-          </a:blip>
-          <a:stretch>
-            <a:fillRect/>
-          </a:stretch>
-        </p:blipFill>
-        <p:spPr>
-          <a:xfrm>
-            <a:off x="2261924" y="3615387"/>
-            <a:ext cx="3187301" cy="2831746"/>
-          </a:xfrm>
-          <a:prstGeom prst="rect">
-            <a:avLst/>
-          </a:prstGeom>
-        </p:spPr>
-      </p:pic>
-      <p:sp>
-        <p:nvSpPr>
-          <p:cNvPr id="8" name="Line Callout 2 7"/>
-          <p:cNvSpPr/>
-          <p:nvPr/>
-        </p:nvSpPr>
-        <p:spPr>
-          <a:xfrm>
-            <a:off x="5172502" y="1269242"/>
-            <a:ext cx="3725839" cy="1501254"/>
-          </a:xfrm>
-          <a:prstGeom prst="borderCallout2">
-            <a:avLst>
-              <a:gd name="adj1" fmla="val 39659"/>
-              <a:gd name="adj2" fmla="val -1007"/>
-              <a:gd name="adj3" fmla="val 63295"/>
-              <a:gd name="adj4" fmla="val -15934"/>
-              <a:gd name="adj5" fmla="val 152500"/>
-              <a:gd name="adj6" fmla="val -32747"/>
-            </a:avLst>
-          </a:prstGeom>
-          <a:ln w="38100"/>
-        </p:spPr>
-        <p:style>
-          <a:lnRef idx="2">
-            <a:schemeClr val="accent1"/>
-          </a:lnRef>
-          <a:fillRef idx="1">
-            <a:schemeClr val="lt1"/>
-          </a:fillRef>
-          <a:effectRef idx="0">
-            <a:schemeClr val="accent1"/>
-          </a:effectRef>
-          <a:fontRef idx="minor">
-            <a:schemeClr val="dk1"/>
-          </a:fontRef>
-        </p:style>
-        <p:txBody>
-          <a:bodyPr rtlCol="0" anchor="ctr"/>
-          <a:lstStyle/>
-          <a:p>
-            <a:pPr algn="ctr"/>
-            <a:r>
-              <a:rPr lang="en-US" sz="2600" dirty="0" smtClean="0"/>
-              <a:t>Labeled </a:t>
-            </a:r>
-            <a:r>
-              <a:rPr lang="en-US" sz="2600" dirty="0"/>
-              <a:t>the </a:t>
-            </a:r>
-            <a:r>
-              <a:rPr lang="en-US" sz="2600" dirty="0" smtClean="0"/>
-              <a:t>package with </a:t>
-            </a:r>
-            <a:r>
-              <a:rPr lang="en-US" sz="2600" dirty="0"/>
-              <a:t>QR Code + </a:t>
-            </a:r>
-            <a:r>
-              <a:rPr lang="en-US" sz="2600" dirty="0" smtClean="0"/>
-              <a:t>Address </a:t>
-            </a:r>
-            <a:endParaRPr lang="en-US" sz="2600" dirty="0"/>
-          </a:p>
-        </p:txBody>
-      </p:sp>
-      <p:sp>
-        <p:nvSpPr>
-          <p:cNvPr id="15" name="TextBox 14"/>
-          <p:cNvSpPr txBox="1"/>
-          <p:nvPr/>
-        </p:nvSpPr>
-        <p:spPr>
-          <a:xfrm>
-            <a:off x="8502556" y="190220"/>
-            <a:ext cx="534121" cy="369332"/>
-          </a:xfrm>
-          <a:prstGeom prst="rect">
-            <a:avLst/>
-          </a:prstGeom>
-          <a:noFill/>
-        </p:spPr>
-        <p:txBody>
-          <a:bodyPr wrap="none" rtlCol="0">
-            <a:spAutoFit/>
-          </a:bodyPr>
-          <a:lstStyle/>
-          <a:p>
-            <a:r>
-              <a:rPr lang="en-US" dirty="0" smtClean="0"/>
-              <a:t>#10</a:t>
-            </a:r>
-            <a:endParaRPr lang="en-US" dirty="0"/>
-          </a:p>
-        </p:txBody>
-      </p:sp>
-    </p:spTree>
-    <p:extLst>
-      <p:ext uri="{BB962C8B-B14F-4D97-AF65-F5344CB8AC3E}">
-        <p14:creationId xmlns:p14="http://schemas.microsoft.com/office/powerpoint/2010/main" val="754639597"/>
-      </p:ext>
-    </p:extLst>
-  </p:cSld>
-  <p:clrMapOvr>
-    <a:masterClrMapping/>
-  </p:clrMapOvr>
-  <mc:AlternateContent xmlns:mc="http://schemas.openxmlformats.org/markup-compatibility/2006" xmlns:p14="http://schemas.microsoft.com/office/powerpoint/2010/main">
-    <mc:Choice Requires="p14">
-      <p:transition spd="med" p14:dur="700">
-        <p:fade/>
-      </p:transition>
-    </mc:Choice>
-    <mc:Fallback xmlns="">
-      <p:transition spd="med">
-        <p:fade/>
-      </p:transition>
-    </mc:Fallback>
-  </mc:AlternateContent>
-  <p:timing>
-    <p:tnLst>
-      <p:par>
-        <p:cTn id="1" dur="indefinite" restart="never" nodeType="tmRoot"/>
-      </p:par>
-    </p:tnLst>
-  </p:timing>
-</p:sld>
-</file>
-
-<file path=ppt/slides/slide13.xml><?xml version="1.0" encoding="utf-8"?>
-<p:sld xmlns:a="http://schemas.openxmlformats.org/drawingml/2006/main" xmlns:r="http://schemas.openxmlformats.org/officeDocument/2006/relationships" xmlns:p="http://schemas.openxmlformats.org/presentationml/2006/main">
-  <p:cSld>
-    <p:spTree>
-      <p:nvGrpSpPr>
-        <p:cNvPr id="1" name=""/>
-        <p:cNvGrpSpPr/>
-        <p:nvPr/>
-      </p:nvGrpSpPr>
-      <p:grpSpPr>
-        <a:xfrm>
-          <a:off x="0" y="0"/>
-          <a:ext cx="0" cy="0"/>
-          <a:chOff x="0" y="0"/>
-          <a:chExt cx="0" cy="0"/>
-        </a:xfrm>
-      </p:grpSpPr>
-      <p:pic>
-        <p:nvPicPr>
-          <p:cNvPr id="4" name="Picture 3"/>
-          <p:cNvPicPr>
-            <a:picLocks noChangeAspect="1"/>
-          </p:cNvPicPr>
-          <p:nvPr/>
-        </p:nvPicPr>
-        <p:blipFill rotWithShape="1">
-          <a:blip r:embed="rId2">
-            <a:extLst>
-              <a:ext uri="{28A0092B-C50C-407E-A947-70E740481C1C}">
-                <a14:useLocalDpi xmlns:a14="http://schemas.microsoft.com/office/drawing/2010/main" val="0"/>
-              </a:ext>
-            </a:extLst>
-          </a:blip>
-          <a:srcRect l="8731" t="11350" r="8869" b="44322"/>
-          <a:stretch/>
-        </p:blipFill>
-        <p:spPr>
-          <a:xfrm>
-            <a:off x="5385854" y="2806746"/>
-            <a:ext cx="3758146" cy="2021743"/>
-          </a:xfrm>
-          <a:prstGeom prst="rect">
-            <a:avLst/>
-          </a:prstGeom>
-        </p:spPr>
-      </p:pic>
-      <p:sp>
-        <p:nvSpPr>
-          <p:cNvPr id="5" name="AutoShape 2" descr="Image result for delivery logo"/>
-          <p:cNvSpPr>
-            <a:spLocks noChangeAspect="1" noChangeArrowheads="1"/>
-          </p:cNvSpPr>
-          <p:nvPr/>
-        </p:nvSpPr>
-        <p:spPr bwMode="auto">
-          <a:xfrm>
-            <a:off x="155575" y="-144463"/>
-            <a:ext cx="304800" cy="304801"/>
-          </a:xfrm>
-          <a:prstGeom prst="rect">
-            <a:avLst/>
-          </a:prstGeom>
-          <a:noFill/>
-          <a:extLst>
-            <a:ext uri="{909E8E84-426E-40DD-AFC4-6F175D3DCCD1}">
-              <a14:hiddenFill xmlns:a14="http://schemas.microsoft.com/office/drawing/2010/main">
-                <a:solidFill>
-                  <a:srgbClr val="FFFFFF"/>
-                </a:solidFill>
-              </a14:hiddenFill>
-            </a:ext>
-          </a:extLst>
-        </p:spPr>
-        <p:txBody>
-          <a:bodyPr vert="horz" wrap="square" lIns="91440" tIns="45720" rIns="91440" bIns="45720" numCol="1" anchor="t" anchorCtr="0" compatLnSpc="1">
-            <a:prstTxWarp prst="textNoShape">
-              <a:avLst/>
-            </a:prstTxWarp>
-          </a:bodyPr>
-          <a:lstStyle/>
-          <a:p>
-            <a:endParaRPr lang="en-US"/>
-          </a:p>
-        </p:txBody>
-      </p:sp>
-      <p:pic>
-        <p:nvPicPr>
-          <p:cNvPr id="16" name="Picture 15"/>
-          <p:cNvPicPr>
-            <a:picLocks noChangeAspect="1"/>
-          </p:cNvPicPr>
-          <p:nvPr/>
-        </p:nvPicPr>
-        <p:blipFill>
-          <a:blip r:embed="rId3">
-            <a:extLst>
-              <a:ext uri="{28A0092B-C50C-407E-A947-70E740481C1C}">
-                <a14:useLocalDpi xmlns:a14="http://schemas.microsoft.com/office/drawing/2010/main" val="0"/>
-              </a:ext>
-            </a:extLst>
-          </a:blip>
-          <a:stretch>
-            <a:fillRect/>
-          </a:stretch>
-        </p:blipFill>
-        <p:spPr>
-          <a:xfrm>
-            <a:off x="2927494" y="3261815"/>
-            <a:ext cx="3160949" cy="4408961"/>
-          </a:xfrm>
-          <a:prstGeom prst="rect">
-            <a:avLst/>
-          </a:prstGeom>
-        </p:spPr>
-      </p:pic>
-      <p:pic>
-        <p:nvPicPr>
-          <p:cNvPr id="2" name="Picture 1"/>
-          <p:cNvPicPr>
-            <a:picLocks noChangeAspect="1"/>
-          </p:cNvPicPr>
-          <p:nvPr/>
-        </p:nvPicPr>
-        <p:blipFill>
-          <a:blip r:embed="rId4">
-            <a:extLst>
-              <a:ext uri="{28A0092B-C50C-407E-A947-70E740481C1C}">
-                <a14:useLocalDpi xmlns:a14="http://schemas.microsoft.com/office/drawing/2010/main" val="0"/>
-              </a:ext>
-            </a:extLst>
-          </a:blip>
-          <a:stretch>
-            <a:fillRect/>
-          </a:stretch>
-        </p:blipFill>
-        <p:spPr>
-          <a:xfrm>
-            <a:off x="651900" y="2806746"/>
-            <a:ext cx="2275594" cy="2021743"/>
-          </a:xfrm>
-          <a:prstGeom prst="rect">
-            <a:avLst/>
-          </a:prstGeom>
-        </p:spPr>
-      </p:pic>
-      <p:sp>
-        <p:nvSpPr>
-          <p:cNvPr id="13" name="Line Callout 2 12"/>
-          <p:cNvSpPr/>
-          <p:nvPr/>
-        </p:nvSpPr>
-        <p:spPr>
-          <a:xfrm>
-            <a:off x="460375" y="589789"/>
-            <a:ext cx="3725839" cy="1552909"/>
-          </a:xfrm>
-          <a:prstGeom prst="borderCallout2">
-            <a:avLst>
-              <a:gd name="adj1" fmla="val 101616"/>
-              <a:gd name="adj2" fmla="val 73352"/>
-              <a:gd name="adj3" fmla="val 140519"/>
-              <a:gd name="adj4" fmla="val 99085"/>
-              <a:gd name="adj5" fmla="val 210123"/>
-              <a:gd name="adj6" fmla="val 102419"/>
-            </a:avLst>
-          </a:prstGeom>
-          <a:ln w="38100"/>
-        </p:spPr>
-        <p:style>
-          <a:lnRef idx="2">
-            <a:schemeClr val="accent1"/>
-          </a:lnRef>
-          <a:fillRef idx="1">
-            <a:schemeClr val="lt1"/>
-          </a:fillRef>
-          <a:effectRef idx="0">
-            <a:schemeClr val="accent1"/>
-          </a:effectRef>
-          <a:fontRef idx="minor">
-            <a:schemeClr val="dk1"/>
-          </a:fontRef>
-        </p:style>
-        <p:txBody>
-          <a:bodyPr rtlCol="0" anchor="ctr"/>
-          <a:lstStyle/>
-          <a:p>
-            <a:pPr algn="ctr"/>
-            <a:r>
-              <a:rPr lang="en-US" sz="2600" dirty="0"/>
-              <a:t>In each exchange point</a:t>
-            </a:r>
-            <a:r>
-              <a:rPr lang="en-US" sz="2600" dirty="0" smtClean="0"/>
-              <a:t>,</a:t>
-            </a:r>
-          </a:p>
-          <a:p>
-            <a:pPr algn="ctr"/>
-            <a:r>
-              <a:rPr lang="en-US" sz="2600" dirty="0" smtClean="0"/>
-              <a:t>Delivery person should scan the QR code </a:t>
-            </a:r>
-            <a:endParaRPr lang="en-US" sz="2600" dirty="0"/>
-          </a:p>
-        </p:txBody>
-      </p:sp>
-      <p:sp>
-        <p:nvSpPr>
-          <p:cNvPr id="14" name="TextBox 13"/>
-          <p:cNvSpPr txBox="1"/>
-          <p:nvPr/>
-        </p:nvSpPr>
-        <p:spPr>
-          <a:xfrm>
-            <a:off x="8502556" y="190220"/>
-            <a:ext cx="534121" cy="369332"/>
-          </a:xfrm>
-          <a:prstGeom prst="rect">
-            <a:avLst/>
-          </a:prstGeom>
-          <a:noFill/>
-        </p:spPr>
-        <p:txBody>
-          <a:bodyPr wrap="none" rtlCol="0">
-            <a:spAutoFit/>
-          </a:bodyPr>
-          <a:lstStyle/>
-          <a:p>
-            <a:r>
-              <a:rPr lang="en-US" dirty="0" smtClean="0"/>
-              <a:t>#11</a:t>
-            </a:r>
-            <a:endParaRPr lang="en-US" dirty="0"/>
-          </a:p>
-        </p:txBody>
-      </p:sp>
-    </p:spTree>
-    <p:extLst>
-      <p:ext uri="{BB962C8B-B14F-4D97-AF65-F5344CB8AC3E}">
-        <p14:creationId xmlns:p14="http://schemas.microsoft.com/office/powerpoint/2010/main" val="4194644369"/>
-      </p:ext>
-    </p:extLst>
-  </p:cSld>
-  <p:clrMapOvr>
-    <a:masterClrMapping/>
-  </p:clrMapOvr>
-  <mc:AlternateContent xmlns:mc="http://schemas.openxmlformats.org/markup-compatibility/2006" xmlns:p14="http://schemas.microsoft.com/office/powerpoint/2010/main">
-    <mc:Choice Requires="p14">
-      <p:transition spd="med" p14:dur="700">
-        <p:fade/>
-      </p:transition>
-    </mc:Choice>
-    <mc:Fallback xmlns="">
-      <p:transition spd="med">
-        <p:fade/>
-      </p:transition>
-    </mc:Fallback>
-  </mc:AlternateContent>
-  <p:timing>
-    <p:tnLst>
-      <p:par>
-        <p:cTn id="1" dur="indefinite" restart="never" nodeType="tmRoot"/>
-      </p:par>
-    </p:tnLst>
-  </p:timing>
-</p:sld>
-</file>
-
-<file path=ppt/slides/slide14.xml><?xml version="1.0" encoding="utf-8"?>
 <p:sld xmlns:a="http://schemas.openxmlformats.org/drawingml/2006/main" xmlns:r="http://schemas.openxmlformats.org/officeDocument/2006/relationships" xmlns:p="http://schemas.openxmlformats.org/presentationml/2006/main">
   <p:cSld>
     <p:spTree>
@@ -5603,8 +4026,8 @@
         </p:blipFill>
         <p:spPr bwMode="auto">
           <a:xfrm>
-            <a:off x="0" y="2211253"/>
-            <a:ext cx="9144000" cy="4876801"/>
+            <a:off x="3011606" y="3439236"/>
+            <a:ext cx="5975159" cy="3186752"/>
           </a:xfrm>
           <a:prstGeom prst="rect">
             <a:avLst/>
@@ -5623,385 +4046,7 @@
       </p:pic>
       <p:sp>
         <p:nvSpPr>
-          <p:cNvPr id="3" name="Flowchart: Process 2"/>
-          <p:cNvSpPr/>
-          <p:nvPr/>
-        </p:nvSpPr>
-        <p:spPr>
-          <a:xfrm>
-            <a:off x="1610435" y="532263"/>
-            <a:ext cx="6400800" cy="1037229"/>
-          </a:xfrm>
-          <a:prstGeom prst="flowChartProcess">
-            <a:avLst/>
-          </a:prstGeom>
-          <a:ln w="38100"/>
-        </p:spPr>
-        <p:style>
-          <a:lnRef idx="2">
-            <a:schemeClr val="accent1"/>
-          </a:lnRef>
-          <a:fillRef idx="1">
-            <a:schemeClr val="lt1"/>
-          </a:fillRef>
-          <a:effectRef idx="0">
-            <a:schemeClr val="accent1"/>
-          </a:effectRef>
-          <a:fontRef idx="minor">
-            <a:schemeClr val="dk1"/>
-          </a:fontRef>
-        </p:style>
-        <p:txBody>
-          <a:bodyPr rtlCol="0" anchor="ctr"/>
-          <a:lstStyle/>
-          <a:p>
-            <a:pPr algn="ctr"/>
-            <a:r>
-              <a:rPr lang="en-US" sz="2800" dirty="0"/>
-              <a:t>Delivery agents can be </a:t>
-            </a:r>
-            <a:r>
-              <a:rPr lang="en-US" sz="2800" dirty="0" smtClean="0"/>
-              <a:t>monitored </a:t>
-            </a:r>
-          </a:p>
-          <a:p>
-            <a:pPr algn="ctr"/>
-            <a:r>
-              <a:rPr lang="en-US" sz="2800" dirty="0" smtClean="0"/>
-              <a:t>using </a:t>
-            </a:r>
-            <a:r>
-              <a:rPr lang="en-US" sz="2800" dirty="0"/>
-              <a:t>GPS Tracking</a:t>
-            </a:r>
-          </a:p>
-        </p:txBody>
-      </p:sp>
-      <p:sp>
-        <p:nvSpPr>
-          <p:cNvPr id="9" name="TextBox 8"/>
-          <p:cNvSpPr txBox="1"/>
-          <p:nvPr/>
-        </p:nvSpPr>
-        <p:spPr>
-          <a:xfrm>
-            <a:off x="8502556" y="190220"/>
-            <a:ext cx="534121" cy="369332"/>
-          </a:xfrm>
-          <a:prstGeom prst="rect">
-            <a:avLst/>
-          </a:prstGeom>
-          <a:noFill/>
-        </p:spPr>
-        <p:txBody>
-          <a:bodyPr wrap="none" rtlCol="0">
-            <a:spAutoFit/>
-          </a:bodyPr>
-          <a:lstStyle/>
-          <a:p>
-            <a:r>
-              <a:rPr lang="en-US" dirty="0" smtClean="0"/>
-              <a:t>#12</a:t>
-            </a:r>
-            <a:endParaRPr lang="en-US" dirty="0"/>
-          </a:p>
-        </p:txBody>
-      </p:sp>
-    </p:spTree>
-    <p:extLst>
-      <p:ext uri="{BB962C8B-B14F-4D97-AF65-F5344CB8AC3E}">
-        <p14:creationId xmlns:p14="http://schemas.microsoft.com/office/powerpoint/2010/main" val="50066154"/>
-      </p:ext>
-    </p:extLst>
-  </p:cSld>
-  <p:clrMapOvr>
-    <a:masterClrMapping/>
-  </p:clrMapOvr>
-  <mc:AlternateContent xmlns:mc="http://schemas.openxmlformats.org/markup-compatibility/2006" xmlns:p14="http://schemas.microsoft.com/office/powerpoint/2010/main">
-    <mc:Choice Requires="p14">
-      <p:transition spd="med" p14:dur="700">
-        <p:fade/>
-      </p:transition>
-    </mc:Choice>
-    <mc:Fallback xmlns="">
-      <p:transition spd="med">
-        <p:fade/>
-      </p:transition>
-    </mc:Fallback>
-  </mc:AlternateContent>
-  <p:timing>
-    <p:tnLst>
-      <p:par>
-        <p:cTn id="1" dur="indefinite" restart="never" nodeType="tmRoot"/>
-      </p:par>
-    </p:tnLst>
-  </p:timing>
-</p:sld>
-</file>
-
-<file path=ppt/slides/slide15.xml><?xml version="1.0" encoding="utf-8"?>
-<p:sld xmlns:a="http://schemas.openxmlformats.org/drawingml/2006/main" xmlns:r="http://schemas.openxmlformats.org/officeDocument/2006/relationships" xmlns:p="http://schemas.openxmlformats.org/presentationml/2006/main">
-  <p:cSld>
-    <p:spTree>
-      <p:nvGrpSpPr>
-        <p:cNvPr id="1" name=""/>
-        <p:cNvGrpSpPr/>
-        <p:nvPr/>
-      </p:nvGrpSpPr>
-      <p:grpSpPr>
-        <a:xfrm>
-          <a:off x="0" y="0"/>
-          <a:ext cx="0" cy="0"/>
-          <a:chOff x="0" y="0"/>
-          <a:chExt cx="0" cy="0"/>
-        </a:xfrm>
-      </p:grpSpPr>
-      <p:pic>
-        <p:nvPicPr>
-          <p:cNvPr id="5" name="Picture 4"/>
-          <p:cNvPicPr>
-            <a:picLocks noChangeAspect="1"/>
-          </p:cNvPicPr>
-          <p:nvPr/>
-        </p:nvPicPr>
-        <p:blipFill>
-          <a:blip r:embed="rId2">
-            <a:extLst>
-              <a:ext uri="{28A0092B-C50C-407E-A947-70E740481C1C}">
-                <a14:useLocalDpi xmlns:a14="http://schemas.microsoft.com/office/drawing/2010/main" val="0"/>
-              </a:ext>
-            </a:extLst>
-          </a:blip>
-          <a:stretch>
-            <a:fillRect/>
-          </a:stretch>
-        </p:blipFill>
-        <p:spPr>
-          <a:xfrm>
-            <a:off x="-204716" y="2141172"/>
-            <a:ext cx="9348716" cy="4977474"/>
-          </a:xfrm>
-          <a:prstGeom prst="rect">
-            <a:avLst/>
-          </a:prstGeom>
-        </p:spPr>
-      </p:pic>
-      <p:pic>
-        <p:nvPicPr>
-          <p:cNvPr id="6" name="Picture 5"/>
-          <p:cNvPicPr>
-            <a:picLocks noChangeAspect="1"/>
-          </p:cNvPicPr>
-          <p:nvPr/>
-        </p:nvPicPr>
-        <p:blipFill>
-          <a:blip r:embed="rId3">
-            <a:extLst>
-              <a:ext uri="{28A0092B-C50C-407E-A947-70E740481C1C}">
-                <a14:useLocalDpi xmlns:a14="http://schemas.microsoft.com/office/drawing/2010/main" val="0"/>
-              </a:ext>
-            </a:extLst>
-          </a:blip>
-          <a:stretch>
-            <a:fillRect/>
-          </a:stretch>
-        </p:blipFill>
-        <p:spPr>
-          <a:xfrm>
-            <a:off x="3862343" y="4752835"/>
-            <a:ext cx="1419313" cy="1260983"/>
-          </a:xfrm>
-          <a:prstGeom prst="rect">
-            <a:avLst/>
-          </a:prstGeom>
-        </p:spPr>
-      </p:pic>
-      <p:sp>
-        <p:nvSpPr>
-          <p:cNvPr id="8" name="Rectangle 7"/>
-          <p:cNvSpPr/>
-          <p:nvPr/>
-        </p:nvSpPr>
-        <p:spPr>
-          <a:xfrm>
-            <a:off x="3411906" y="3977819"/>
-            <a:ext cx="1821877" cy="276999"/>
-          </a:xfrm>
-          <a:prstGeom prst="rect">
-            <a:avLst/>
-          </a:prstGeom>
-          <a:solidFill>
-            <a:schemeClr val="bg1"/>
-          </a:solidFill>
-        </p:spPr>
-        <p:txBody>
-          <a:bodyPr wrap="square">
-            <a:spAutoFit/>
-          </a:bodyPr>
-          <a:lstStyle/>
-          <a:p>
-            <a:r>
-              <a:rPr lang="en-US" sz="1200" dirty="0"/>
-              <a:t>ABC-12345678-D</a:t>
-            </a:r>
-          </a:p>
-        </p:txBody>
-      </p:sp>
-      <p:pic>
-        <p:nvPicPr>
-          <p:cNvPr id="10" name="Picture 9"/>
-          <p:cNvPicPr>
-            <a:picLocks noChangeAspect="1"/>
-          </p:cNvPicPr>
-          <p:nvPr/>
-        </p:nvPicPr>
-        <p:blipFill>
-          <a:blip r:embed="rId4">
-            <a:extLst>
-              <a:ext uri="{28A0092B-C50C-407E-A947-70E740481C1C}">
-                <a14:useLocalDpi xmlns:a14="http://schemas.microsoft.com/office/drawing/2010/main" val="0"/>
-              </a:ext>
-            </a:extLst>
-          </a:blip>
-          <a:stretch>
-            <a:fillRect/>
-          </a:stretch>
-        </p:blipFill>
-        <p:spPr>
-          <a:xfrm>
-            <a:off x="-2" y="1529263"/>
-            <a:ext cx="9321423" cy="611910"/>
-          </a:xfrm>
-          <a:prstGeom prst="rect">
-            <a:avLst/>
-          </a:prstGeom>
-        </p:spPr>
-      </p:pic>
-      <p:sp>
-        <p:nvSpPr>
-          <p:cNvPr id="11" name="TextBox 10"/>
-          <p:cNvSpPr txBox="1"/>
-          <p:nvPr/>
-        </p:nvSpPr>
-        <p:spPr>
-          <a:xfrm>
-            <a:off x="8502556" y="190220"/>
-            <a:ext cx="534121" cy="369332"/>
-          </a:xfrm>
-          <a:prstGeom prst="rect">
-            <a:avLst/>
-          </a:prstGeom>
-          <a:noFill/>
-        </p:spPr>
-        <p:txBody>
-          <a:bodyPr wrap="none" rtlCol="0">
-            <a:spAutoFit/>
-          </a:bodyPr>
-          <a:lstStyle/>
-          <a:p>
-            <a:r>
-              <a:rPr lang="en-US" dirty="0" smtClean="0"/>
-              <a:t>#13</a:t>
-            </a:r>
-            <a:endParaRPr lang="en-US" dirty="0"/>
-          </a:p>
-        </p:txBody>
-      </p:sp>
-      <p:sp>
-        <p:nvSpPr>
-          <p:cNvPr id="7" name="Flowchart: Process 6"/>
-          <p:cNvSpPr/>
-          <p:nvPr/>
-        </p:nvSpPr>
-        <p:spPr>
-          <a:xfrm>
-            <a:off x="1610435" y="532263"/>
-            <a:ext cx="6400800" cy="736979"/>
-          </a:xfrm>
-          <a:prstGeom prst="flowChartProcess">
-            <a:avLst/>
-          </a:prstGeom>
-          <a:ln w="38100"/>
-        </p:spPr>
-        <p:style>
-          <a:lnRef idx="2">
-            <a:schemeClr val="accent1"/>
-          </a:lnRef>
-          <a:fillRef idx="1">
-            <a:schemeClr val="lt1"/>
-          </a:fillRef>
-          <a:effectRef idx="0">
-            <a:schemeClr val="accent1"/>
-          </a:effectRef>
-          <a:fontRef idx="minor">
-            <a:schemeClr val="dk1"/>
-          </a:fontRef>
-        </p:style>
-        <p:txBody>
-          <a:bodyPr rtlCol="0" anchor="ctr"/>
-          <a:lstStyle/>
-          <a:p>
-            <a:pPr algn="ctr"/>
-            <a:r>
-              <a:rPr lang="en-US" sz="2800" dirty="0" smtClean="0"/>
-              <a:t>Buyers can track their parcels </a:t>
-            </a:r>
-          </a:p>
-        </p:txBody>
-      </p:sp>
-    </p:spTree>
-    <p:extLst>
-      <p:ext uri="{BB962C8B-B14F-4D97-AF65-F5344CB8AC3E}">
-        <p14:creationId xmlns:p14="http://schemas.microsoft.com/office/powerpoint/2010/main" val="50344469"/>
-      </p:ext>
-    </p:extLst>
-  </p:cSld>
-  <p:clrMapOvr>
-    <a:masterClrMapping/>
-  </p:clrMapOvr>
-  <mc:AlternateContent xmlns:mc="http://schemas.openxmlformats.org/markup-compatibility/2006" xmlns:p14="http://schemas.microsoft.com/office/powerpoint/2010/main">
-    <mc:Choice Requires="p14">
-      <p:transition spd="med" p14:dur="700">
-        <p:fade/>
-      </p:transition>
-    </mc:Choice>
-    <mc:Fallback xmlns="">
-      <p:transition spd="med">
-        <p:fade/>
-      </p:transition>
-    </mc:Fallback>
-  </mc:AlternateContent>
-  <p:timing>
-    <p:tnLst>
-      <p:par>
-        <p:cTn id="1" dur="indefinite" restart="never" nodeType="tmRoot"/>
-      </p:par>
-    </p:tnLst>
-  </p:timing>
-</p:sld>
-</file>
-
-<file path=ppt/slides/slide16.xml><?xml version="1.0" encoding="utf-8"?>
-<p:sld xmlns:a="http://schemas.openxmlformats.org/drawingml/2006/main" xmlns:r="http://schemas.openxmlformats.org/officeDocument/2006/relationships" xmlns:p="http://schemas.openxmlformats.org/presentationml/2006/main">
-  <p:cSld>
-    <p:spTree>
-      <p:nvGrpSpPr>
-        <p:cNvPr id="1" name=""/>
-        <p:cNvGrpSpPr/>
-        <p:nvPr/>
-      </p:nvGrpSpPr>
-      <p:grpSpPr>
-        <a:xfrm>
-          <a:off x="0" y="0"/>
-          <a:ext cx="0" cy="0"/>
-          <a:chOff x="0" y="0"/>
-          <a:chExt cx="0" cy="0"/>
-        </a:xfrm>
-      </p:grpSpPr>
-      <p:sp>
-        <p:nvSpPr>
-          <p:cNvPr id="4" name="Title 1"/>
+          <p:cNvPr id="5" name="Title 1"/>
           <p:cNvSpPr txBox="1">
             <a:spLocks/>
           </p:cNvSpPr>
@@ -6009,7 +4054,7 @@
         </p:nvSpPr>
         <p:spPr>
           <a:xfrm>
-            <a:off x="781050" y="517526"/>
+            <a:off x="749206" y="477659"/>
             <a:ext cx="7886700" cy="1325563"/>
           </a:xfrm>
           <a:prstGeom prst="rect">
@@ -6042,37 +4087,116 @@
           <a:p>
             <a:r>
               <a:rPr lang="en-US" b="1" dirty="0" smtClean="0"/>
-              <a:t>What are the advantages ?</a:t>
+              <a:t>How Reliable Tracking happens ?</a:t>
             </a:r>
             <a:endParaRPr lang="en-US" b="1" dirty="0"/>
           </a:p>
         </p:txBody>
       </p:sp>
-      <p:pic>
-        <p:nvPicPr>
-          <p:cNvPr id="1026" name="Picture 2" descr="Image result for advantages"/>
-          <p:cNvPicPr>
-            <a:picLocks noChangeAspect="1" noChangeArrowheads="1"/>
-          </p:cNvPicPr>
+      <p:sp>
+        <p:nvSpPr>
+          <p:cNvPr id="6" name="TextBox 5"/>
+          <p:cNvSpPr txBox="1"/>
           <p:nvPr/>
-        </p:nvPicPr>
-        <p:blipFill>
-          <a:blip r:embed="rId2">
-            <a:extLst>
-              <a:ext uri="{28A0092B-C50C-407E-A947-70E740481C1C}">
-                <a14:useLocalDpi xmlns:a14="http://schemas.microsoft.com/office/drawing/2010/main" val="0"/>
-              </a:ext>
-            </a:extLst>
-          </a:blip>
-          <a:srcRect/>
-          <a:stretch>
-            <a:fillRect/>
-          </a:stretch>
-        </p:blipFill>
+        </p:nvSpPr>
+        <p:spPr>
+          <a:xfrm>
+            <a:off x="10026557" y="190220"/>
+            <a:ext cx="534121" cy="369332"/>
+          </a:xfrm>
+          <a:prstGeom prst="rect">
+            <a:avLst/>
+          </a:prstGeom>
+          <a:noFill/>
+        </p:spPr>
+        <p:txBody>
+          <a:bodyPr wrap="none" rtlCol="0">
+            <a:spAutoFit/>
+          </a:bodyPr>
+          <a:lstStyle/>
+          <a:p>
+            <a:r>
+              <a:rPr lang="en-US" dirty="0"/>
+              <a:t>#14</a:t>
+            </a:r>
+            <a:endParaRPr lang="en-US" dirty="0"/>
+          </a:p>
+        </p:txBody>
+      </p:sp>
+      <p:sp>
+        <p:nvSpPr>
+          <p:cNvPr id="7" name="TextBox 6"/>
+          <p:cNvSpPr txBox="1"/>
+          <p:nvPr/>
+        </p:nvSpPr>
+        <p:spPr>
+          <a:xfrm flipH="1">
+            <a:off x="1144990" y="1803222"/>
+            <a:ext cx="10619379" cy="1200329"/>
+          </a:xfrm>
+          <a:prstGeom prst="rect">
+            <a:avLst/>
+          </a:prstGeom>
+          <a:noFill/>
+        </p:spPr>
+        <p:txBody>
+          <a:bodyPr wrap="square" rtlCol="0">
+            <a:spAutoFit/>
+          </a:bodyPr>
+          <a:lstStyle/>
+          <a:p>
+            <a:pPr marL="457200" indent="-457200">
+              <a:buAutoNum type="arabicPeriod"/>
+            </a:pPr>
+            <a:r>
+              <a:rPr lang="en-US" sz="2400" dirty="0" smtClean="0"/>
+              <a:t>Seller can create QR code stamp using </a:t>
+            </a:r>
+            <a:r>
+              <a:rPr lang="en-US" sz="2400" b="1" dirty="0" smtClean="0"/>
+              <a:t>our APIs.</a:t>
+            </a:r>
+          </a:p>
+          <a:p>
+            <a:pPr marL="457200" indent="-457200">
+              <a:buAutoNum type="arabicPeriod"/>
+            </a:pPr>
+            <a:r>
+              <a:rPr lang="en-US" sz="2400" dirty="0" smtClean="0"/>
+              <a:t>Delivery service can scan the QR code using </a:t>
+            </a:r>
+            <a:r>
+              <a:rPr lang="en-US" sz="2400" b="1" dirty="0" smtClean="0"/>
+              <a:t>our App</a:t>
+            </a:r>
+            <a:r>
+              <a:rPr lang="en-US" sz="2400" dirty="0" smtClean="0"/>
+              <a:t> at each parcel exchange.</a:t>
+            </a:r>
+          </a:p>
+          <a:p>
+            <a:pPr marL="457200" indent="-457200">
+              <a:buAutoNum type="arabicPeriod"/>
+            </a:pPr>
+            <a:r>
+              <a:rPr lang="en-US" sz="2400" dirty="0" smtClean="0"/>
+              <a:t>Delivery agents can be tracked using GPS.</a:t>
+            </a:r>
+          </a:p>
+        </p:txBody>
+      </p:sp>
+      <p:sp>
+        <p:nvSpPr>
+          <p:cNvPr id="8" name="AutoShape 2" descr="Image result for delivery logo"/>
+          <p:cNvSpPr>
+            <a:spLocks noChangeAspect="1" noChangeArrowheads="1"/>
+          </p:cNvSpPr>
+          <p:nvPr/>
+        </p:nvSpPr>
         <p:spPr bwMode="auto">
           <a:xfrm>
-            <a:off x="6056146" y="357141"/>
-            <a:ext cx="2611604" cy="2611604"/>
+            <a:off x="1831975" y="7937"/>
+            <a:ext cx="304800" cy="304801"/>
           </a:xfrm>
           <a:prstGeom prst="rect">
             <a:avLst/>
@@ -6088,194 +4212,35 @@
             </a:ext>
           </a:extLst>
         </p:spPr>
-      </p:pic>
-      <p:sp>
-        <p:nvSpPr>
-          <p:cNvPr id="8" name="Content Placeholder 2"/>
-          <p:cNvSpPr>
-            <a:spLocks noGrp="1"/>
-          </p:cNvSpPr>
-          <p:nvPr>
-            <p:ph idx="1"/>
-          </p:nvPr>
-        </p:nvSpPr>
-        <p:spPr>
-          <a:xfrm>
-            <a:off x="553161" y="2133553"/>
-            <a:ext cx="8037678" cy="4145270"/>
-          </a:xfrm>
-        </p:spPr>
-        <p:txBody>
-          <a:bodyPr>
-            <a:normAutofit/>
+        <p:txBody>
+          <a:bodyPr vert="horz" wrap="square" lIns="91440" tIns="45720" rIns="91440" bIns="45720" numCol="1" anchor="t" anchorCtr="0" compatLnSpc="1">
+            <a:prstTxWarp prst="textNoShape">
+              <a:avLst/>
+            </a:prstTxWarp>
           </a:bodyPr>
           <a:lstStyle/>
           <a:p>
-            <a:r>
-              <a:rPr lang="en-US" sz="2000" b="1" dirty="0" smtClean="0"/>
-              <a:t>Reliability</a:t>
-            </a:r>
-          </a:p>
-          <a:p>
-            <a:pPr marL="0" indent="0">
-              <a:buNone/>
-            </a:pPr>
-            <a:r>
-              <a:rPr lang="en-US" sz="2000" dirty="0" smtClean="0"/>
-              <a:t>	- </a:t>
-            </a:r>
-            <a:r>
-              <a:rPr lang="en-US" sz="2000" i="1" dirty="0" smtClean="0"/>
-              <a:t>Always there is a person with responsibility.</a:t>
-            </a:r>
-          </a:p>
-          <a:p>
-            <a:pPr marL="0" indent="0">
-              <a:buNone/>
-            </a:pPr>
-            <a:r>
-              <a:rPr lang="en-US" sz="2000" i="1" dirty="0"/>
-              <a:t>	</a:t>
-            </a:r>
-            <a:r>
-              <a:rPr lang="en-US" sz="2000" i="1" dirty="0" smtClean="0"/>
-              <a:t>- Can avoid parcel lost.</a:t>
-            </a:r>
-          </a:p>
-          <a:p>
-            <a:pPr marL="0" indent="0">
-              <a:buNone/>
-            </a:pPr>
-            <a:endParaRPr lang="en-US" sz="2000" i="1" dirty="0" smtClean="0"/>
-          </a:p>
-          <a:p>
-            <a:r>
-              <a:rPr lang="en-US" sz="2000" b="1" dirty="0" smtClean="0"/>
-              <a:t>Transparent service for both sellers and buyers</a:t>
-            </a:r>
-          </a:p>
-          <a:p>
-            <a:pPr marL="0" indent="0">
-              <a:buNone/>
-            </a:pPr>
-            <a:r>
-              <a:rPr lang="en-US" sz="2000" dirty="0"/>
-              <a:t>	</a:t>
-            </a:r>
-            <a:endParaRPr lang="en-US" sz="1700" dirty="0"/>
-          </a:p>
-          <a:p>
-            <a:r>
-              <a:rPr lang="en-US" sz="2000" b="1" dirty="0" smtClean="0"/>
-              <a:t>Dynamic Destination Address</a:t>
-            </a:r>
-          </a:p>
-          <a:p>
-            <a:pPr marL="0" indent="0">
-              <a:buNone/>
-            </a:pPr>
-            <a:r>
-              <a:rPr lang="en-US" sz="2000" dirty="0"/>
-              <a:t>	</a:t>
-            </a:r>
-            <a:r>
-              <a:rPr lang="en-US" sz="2000" dirty="0" smtClean="0"/>
-              <a:t>- </a:t>
-            </a:r>
-            <a:r>
-              <a:rPr lang="en-US" sz="2000" i="1" dirty="0" smtClean="0"/>
-              <a:t>Buyer </a:t>
-            </a:r>
-            <a:r>
-              <a:rPr lang="en-US" sz="2000" i="1" dirty="0"/>
-              <a:t>can update their location </a:t>
-            </a:r>
-            <a:r>
-              <a:rPr lang="en-US" sz="2000" i="1" dirty="0" smtClean="0"/>
-              <a:t>while the parcel </a:t>
-            </a:r>
-            <a:r>
-              <a:rPr lang="en-US" sz="2000" i="1" dirty="0"/>
-              <a:t>in delivery</a:t>
-            </a:r>
-            <a:r>
-              <a:rPr lang="en-US" sz="2000" i="1" dirty="0" smtClean="0"/>
-              <a:t>.*</a:t>
-            </a:r>
-          </a:p>
-          <a:p>
-            <a:pPr marL="0" indent="0">
-              <a:buNone/>
-            </a:pPr>
-            <a:endParaRPr lang="en-US" sz="2000" dirty="0"/>
-          </a:p>
-          <a:p>
-            <a:r>
-              <a:rPr lang="en-US" sz="2000" b="1" dirty="0" smtClean="0"/>
-              <a:t>No additional hardware requirements – Easy to setup</a:t>
-            </a:r>
-          </a:p>
-          <a:p>
-            <a:pPr marL="0" indent="0">
-              <a:buNone/>
-            </a:pPr>
-            <a:endParaRPr lang="en-US" sz="2000" dirty="0"/>
-          </a:p>
-          <a:p>
-            <a:pPr marL="0" indent="0">
-              <a:buNone/>
-            </a:pPr>
-            <a:endParaRPr lang="en-US" sz="2000" dirty="0"/>
-          </a:p>
-        </p:txBody>
-      </p:sp>
-      <p:sp>
-        <p:nvSpPr>
-          <p:cNvPr id="9" name="TextBox 8"/>
-          <p:cNvSpPr txBox="1"/>
-          <p:nvPr/>
-        </p:nvSpPr>
-        <p:spPr>
-          <a:xfrm>
-            <a:off x="8502556" y="190220"/>
-            <a:ext cx="534121" cy="369332"/>
-          </a:xfrm>
-          <a:prstGeom prst="rect">
-            <a:avLst/>
-          </a:prstGeom>
-          <a:noFill/>
-        </p:spPr>
-        <p:txBody>
-          <a:bodyPr wrap="none" rtlCol="0">
-            <a:spAutoFit/>
-          </a:bodyPr>
-          <a:lstStyle/>
-          <a:p>
-            <a:r>
-              <a:rPr lang="en-US" dirty="0" smtClean="0"/>
-              <a:t>#14</a:t>
-            </a:r>
-            <a:endParaRPr lang="en-US" dirty="0"/>
+            <a:endParaRPr lang="en-US"/>
           </a:p>
         </p:txBody>
       </p:sp>
     </p:spTree>
     <p:extLst>
       <p:ext uri="{BB962C8B-B14F-4D97-AF65-F5344CB8AC3E}">
-        <p14:creationId xmlns:p14="http://schemas.microsoft.com/office/powerpoint/2010/main" val="1994890966"/>
+        <p14:creationId xmlns:p14="http://schemas.microsoft.com/office/powerpoint/2010/main" val="50066154"/>
       </p:ext>
     </p:extLst>
   </p:cSld>
   <p:clrMapOvr>
     <a:masterClrMapping/>
   </p:clrMapOvr>
-  <mc:AlternateContent xmlns:mc="http://schemas.openxmlformats.org/markup-compatibility/2006" xmlns:p14="http://schemas.microsoft.com/office/powerpoint/2010/main">
-    <mc:Choice Requires="p14">
+  <mc:AlternateContent xmlns:mc="http://schemas.openxmlformats.org/markup-compatibility/2006">
+    <mc:Choice xmlns:p14="http://schemas.microsoft.com/office/powerpoint/2010/main" Requires="p14">
       <p:transition spd="med" p14:dur="700">
         <p:fade/>
       </p:transition>
     </mc:Choice>
-    <mc:Fallback xmlns="">
+    <mc:Fallback>
       <p:transition spd="med">
         <p:fade/>
       </p:transition>
@@ -6291,7 +4256,7 @@
 </p:sld>
 </file>
 
-<file path=ppt/slides/slide17.xml><?xml version="1.0" encoding="utf-8"?>
+<file path=ppt/slides/slide11.xml><?xml version="1.0" encoding="utf-8"?>
 <p:sld xmlns:a="http://schemas.openxmlformats.org/drawingml/2006/main" xmlns:r="http://schemas.openxmlformats.org/officeDocument/2006/relationships" xmlns:p="http://schemas.openxmlformats.org/presentationml/2006/main">
   <p:cSld>
     <p:spTree>
@@ -6310,6 +4275,691 @@
       </p:grpSpPr>
       <p:sp>
         <p:nvSpPr>
+          <p:cNvPr id="5" name="Title 1"/>
+          <p:cNvSpPr txBox="1">
+            <a:spLocks/>
+          </p:cNvSpPr>
+          <p:nvPr/>
+        </p:nvSpPr>
+        <p:spPr>
+          <a:xfrm>
+            <a:off x="749206" y="477659"/>
+            <a:ext cx="7886700" cy="1325563"/>
+          </a:xfrm>
+          <a:prstGeom prst="rect">
+            <a:avLst/>
+          </a:prstGeom>
+        </p:spPr>
+        <p:txBody>
+          <a:bodyPr vert="horz" lIns="91440" tIns="45720" rIns="91440" bIns="45720" rtlCol="0" anchor="ctr">
+            <a:normAutofit/>
+          </a:bodyPr>
+          <a:lstStyle>
+            <a:lvl1pPr algn="l" defTabSz="685800" rtl="0" eaLnBrk="1" latinLnBrk="0" hangingPunct="1">
+              <a:lnSpc>
+                <a:spcPct val="90000"/>
+              </a:lnSpc>
+              <a:spcBef>
+                <a:spcPct val="0"/>
+              </a:spcBef>
+              <a:buNone/>
+              <a:defRPr sz="3300" kern="1200">
+                <a:solidFill>
+                  <a:schemeClr val="tx1"/>
+                </a:solidFill>
+                <a:latin typeface="+mj-lt"/>
+                <a:ea typeface="+mj-ea"/>
+                <a:cs typeface="+mj-cs"/>
+              </a:defRPr>
+            </a:lvl1pPr>
+          </a:lstStyle>
+          <a:p>
+            <a:r>
+              <a:rPr lang="en-US" b="1" dirty="0" smtClean="0"/>
+              <a:t>How Reliable Tracking happens ?</a:t>
+            </a:r>
+            <a:endParaRPr lang="en-US" b="1" dirty="0"/>
+          </a:p>
+        </p:txBody>
+      </p:sp>
+      <p:sp>
+        <p:nvSpPr>
+          <p:cNvPr id="6" name="TextBox 5"/>
+          <p:cNvSpPr txBox="1"/>
+          <p:nvPr/>
+        </p:nvSpPr>
+        <p:spPr>
+          <a:xfrm>
+            <a:off x="10026557" y="190220"/>
+            <a:ext cx="534121" cy="369332"/>
+          </a:xfrm>
+          <a:prstGeom prst="rect">
+            <a:avLst/>
+          </a:prstGeom>
+          <a:noFill/>
+        </p:spPr>
+        <p:txBody>
+          <a:bodyPr wrap="none" rtlCol="0">
+            <a:spAutoFit/>
+          </a:bodyPr>
+          <a:lstStyle/>
+          <a:p>
+            <a:r>
+              <a:rPr lang="en-US" dirty="0"/>
+              <a:t>#14</a:t>
+            </a:r>
+            <a:endParaRPr lang="en-US" dirty="0"/>
+          </a:p>
+        </p:txBody>
+      </p:sp>
+      <p:sp>
+        <p:nvSpPr>
+          <p:cNvPr id="7" name="TextBox 6"/>
+          <p:cNvSpPr txBox="1"/>
+          <p:nvPr/>
+        </p:nvSpPr>
+        <p:spPr>
+          <a:xfrm flipH="1">
+            <a:off x="1144990" y="1803222"/>
+            <a:ext cx="10619379" cy="1569660"/>
+          </a:xfrm>
+          <a:prstGeom prst="rect">
+            <a:avLst/>
+          </a:prstGeom>
+          <a:noFill/>
+        </p:spPr>
+        <p:txBody>
+          <a:bodyPr wrap="square" rtlCol="0">
+            <a:spAutoFit/>
+          </a:bodyPr>
+          <a:lstStyle/>
+          <a:p>
+            <a:pPr marL="457200" indent="-457200">
+              <a:buAutoNum type="arabicPeriod"/>
+            </a:pPr>
+            <a:r>
+              <a:rPr lang="en-US" sz="2400" dirty="0" smtClean="0"/>
+              <a:t>Seller can create QR code stamp using </a:t>
+            </a:r>
+            <a:r>
+              <a:rPr lang="en-US" sz="2400" b="1" dirty="0" smtClean="0"/>
+              <a:t>our APIs.</a:t>
+            </a:r>
+          </a:p>
+          <a:p>
+            <a:pPr marL="457200" indent="-457200">
+              <a:buAutoNum type="arabicPeriod"/>
+            </a:pPr>
+            <a:r>
+              <a:rPr lang="en-US" sz="2400" dirty="0" smtClean="0"/>
+              <a:t>Delivery service can scan the QR code using </a:t>
+            </a:r>
+            <a:r>
+              <a:rPr lang="en-US" sz="2400" b="1" dirty="0" smtClean="0"/>
+              <a:t>our App</a:t>
+            </a:r>
+            <a:r>
+              <a:rPr lang="en-US" sz="2400" dirty="0" smtClean="0"/>
+              <a:t> at each parcel exchange.</a:t>
+            </a:r>
+          </a:p>
+          <a:p>
+            <a:pPr marL="457200" indent="-457200">
+              <a:buAutoNum type="arabicPeriod"/>
+            </a:pPr>
+            <a:r>
+              <a:rPr lang="en-US" sz="2400" dirty="0" smtClean="0"/>
+              <a:t>Delivery agents can be tracked using GPS.</a:t>
+            </a:r>
+          </a:p>
+          <a:p>
+            <a:pPr marL="457200" indent="-457200">
+              <a:buFontTx/>
+              <a:buAutoNum type="arabicPeriod"/>
+            </a:pPr>
+            <a:r>
+              <a:rPr lang="en-US" sz="2400" dirty="0"/>
+              <a:t>Buyers can track their </a:t>
+            </a:r>
+            <a:r>
+              <a:rPr lang="en-US" sz="2400" dirty="0" smtClean="0"/>
+              <a:t>parcels using our </a:t>
+            </a:r>
+            <a:r>
+              <a:rPr lang="en-US" sz="2400" b="1" dirty="0" smtClean="0"/>
+              <a:t>Web App</a:t>
+            </a:r>
+            <a:endParaRPr lang="en-US" sz="2400" b="1" dirty="0"/>
+          </a:p>
+        </p:txBody>
+      </p:sp>
+      <p:sp>
+        <p:nvSpPr>
+          <p:cNvPr id="8" name="AutoShape 2" descr="Image result for delivery logo"/>
+          <p:cNvSpPr>
+            <a:spLocks noChangeAspect="1" noChangeArrowheads="1"/>
+          </p:cNvSpPr>
+          <p:nvPr/>
+        </p:nvSpPr>
+        <p:spPr bwMode="auto">
+          <a:xfrm>
+            <a:off x="1831975" y="7937"/>
+            <a:ext cx="304800" cy="304801"/>
+          </a:xfrm>
+          <a:prstGeom prst="rect">
+            <a:avLst/>
+          </a:prstGeom>
+          <a:noFill/>
+          <a:extLst>
+            <a:ext uri="{909E8E84-426E-40DD-AFC4-6F175D3DCCD1}">
+              <a14:hiddenFill xmlns:a14="http://schemas.microsoft.com/office/drawing/2010/main">
+                <a:solidFill>
+                  <a:srgbClr val="FFFFFF"/>
+                </a:solidFill>
+              </a14:hiddenFill>
+            </a:ext>
+          </a:extLst>
+        </p:spPr>
+        <p:txBody>
+          <a:bodyPr vert="horz" wrap="square" lIns="91440" tIns="45720" rIns="91440" bIns="45720" numCol="1" anchor="t" anchorCtr="0" compatLnSpc="1">
+            <a:prstTxWarp prst="textNoShape">
+              <a:avLst/>
+            </a:prstTxWarp>
+          </a:bodyPr>
+          <a:lstStyle/>
+          <a:p>
+            <a:endParaRPr lang="en-US"/>
+          </a:p>
+        </p:txBody>
+      </p:sp>
+      <p:grpSp>
+        <p:nvGrpSpPr>
+          <p:cNvPr id="9" name="Group 8"/>
+          <p:cNvGrpSpPr/>
+          <p:nvPr/>
+        </p:nvGrpSpPr>
+        <p:grpSpPr>
+          <a:xfrm>
+            <a:off x="2834184" y="3684896"/>
+            <a:ext cx="5558383" cy="3323230"/>
+            <a:chOff x="1523998" y="1529263"/>
+            <a:chExt cx="9348717" cy="5589384"/>
+          </a:xfrm>
+        </p:grpSpPr>
+        <p:pic>
+          <p:nvPicPr>
+            <p:cNvPr id="10" name="Picture 9"/>
+            <p:cNvPicPr>
+              <a:picLocks noChangeAspect="1"/>
+            </p:cNvPicPr>
+            <p:nvPr/>
+          </p:nvPicPr>
+          <p:blipFill>
+            <a:blip r:embed="rId2">
+              <a:extLst>
+                <a:ext uri="{28A0092B-C50C-407E-A947-70E740481C1C}">
+                  <a14:useLocalDpi xmlns:a14="http://schemas.microsoft.com/office/drawing/2010/main" val="0"/>
+                </a:ext>
+              </a:extLst>
+            </a:blip>
+            <a:stretch>
+              <a:fillRect/>
+            </a:stretch>
+          </p:blipFill>
+          <p:spPr>
+            <a:xfrm>
+              <a:off x="1523999" y="2141173"/>
+              <a:ext cx="9348716" cy="4977474"/>
+            </a:xfrm>
+            <a:prstGeom prst="rect">
+              <a:avLst/>
+            </a:prstGeom>
+          </p:spPr>
+        </p:pic>
+        <p:pic>
+          <p:nvPicPr>
+            <p:cNvPr id="11" name="Picture 10"/>
+            <p:cNvPicPr>
+              <a:picLocks noChangeAspect="1"/>
+            </p:cNvPicPr>
+            <p:nvPr/>
+          </p:nvPicPr>
+          <p:blipFill>
+            <a:blip r:embed="rId3" cstate="print">
+              <a:extLst>
+                <a:ext uri="{28A0092B-C50C-407E-A947-70E740481C1C}">
+                  <a14:useLocalDpi xmlns:a14="http://schemas.microsoft.com/office/drawing/2010/main" val="0"/>
+                </a:ext>
+              </a:extLst>
+            </a:blip>
+            <a:stretch>
+              <a:fillRect/>
+            </a:stretch>
+          </p:blipFill>
+          <p:spPr>
+            <a:xfrm>
+              <a:off x="5386344" y="4752836"/>
+              <a:ext cx="1419313" cy="1260983"/>
+            </a:xfrm>
+            <a:prstGeom prst="rect">
+              <a:avLst/>
+            </a:prstGeom>
+          </p:spPr>
+        </p:pic>
+        <p:sp>
+          <p:nvSpPr>
+            <p:cNvPr id="12" name="Rectangle 11"/>
+            <p:cNvSpPr/>
+            <p:nvPr/>
+          </p:nvSpPr>
+          <p:spPr>
+            <a:xfrm>
+              <a:off x="5127691" y="3978935"/>
+              <a:ext cx="1857597" cy="271233"/>
+            </a:xfrm>
+            <a:prstGeom prst="rect">
+              <a:avLst/>
+            </a:prstGeom>
+            <a:solidFill>
+              <a:schemeClr val="bg1"/>
+            </a:solidFill>
+          </p:spPr>
+          <p:txBody>
+            <a:bodyPr wrap="square">
+              <a:spAutoFit/>
+            </a:bodyPr>
+            <a:lstStyle/>
+            <a:p>
+              <a:r>
+                <a:rPr lang="en-US" sz="500" dirty="0"/>
+                <a:t>ABC-12345678-D</a:t>
+              </a:r>
+            </a:p>
+          </p:txBody>
+        </p:sp>
+        <p:pic>
+          <p:nvPicPr>
+            <p:cNvPr id="13" name="Picture 12"/>
+            <p:cNvPicPr>
+              <a:picLocks noChangeAspect="1"/>
+            </p:cNvPicPr>
+            <p:nvPr/>
+          </p:nvPicPr>
+          <p:blipFill>
+            <a:blip r:embed="rId4">
+              <a:extLst>
+                <a:ext uri="{28A0092B-C50C-407E-A947-70E740481C1C}">
+                  <a14:useLocalDpi xmlns:a14="http://schemas.microsoft.com/office/drawing/2010/main" val="0"/>
+                </a:ext>
+              </a:extLst>
+            </a:blip>
+            <a:stretch>
+              <a:fillRect/>
+            </a:stretch>
+          </p:blipFill>
+          <p:spPr>
+            <a:xfrm>
+              <a:off x="1523998" y="1529263"/>
+              <a:ext cx="9348717" cy="611910"/>
+            </a:xfrm>
+            <a:prstGeom prst="rect">
+              <a:avLst/>
+            </a:prstGeom>
+          </p:spPr>
+        </p:pic>
+      </p:grpSp>
+    </p:spTree>
+    <p:extLst>
+      <p:ext uri="{BB962C8B-B14F-4D97-AF65-F5344CB8AC3E}">
+        <p14:creationId xmlns:p14="http://schemas.microsoft.com/office/powerpoint/2010/main" val="3728200589"/>
+      </p:ext>
+    </p:extLst>
+  </p:cSld>
+  <p:clrMapOvr>
+    <a:masterClrMapping/>
+  </p:clrMapOvr>
+  <mc:AlternateContent xmlns:mc="http://schemas.openxmlformats.org/markup-compatibility/2006">
+    <mc:Choice xmlns:p14="http://schemas.microsoft.com/office/powerpoint/2010/main" Requires="p14">
+      <p:transition spd="med" p14:dur="700">
+        <p:fade/>
+      </p:transition>
+    </mc:Choice>
+    <mc:Fallback>
+      <p:transition spd="med">
+        <p:fade/>
+      </p:transition>
+    </mc:Fallback>
+  </mc:AlternateContent>
+  <p:timing>
+    <p:tnLst>
+      <p:par>
+        <p:cTn id="1" dur="indefinite" restart="never" nodeType="tmRoot"/>
+      </p:par>
+    </p:tnLst>
+  </p:timing>
+</p:sld>
+</file>
+
+<file path=ppt/slides/slide12.xml><?xml version="1.0" encoding="utf-8"?>
+<p:sld xmlns:a="http://schemas.openxmlformats.org/drawingml/2006/main" xmlns:r="http://schemas.openxmlformats.org/officeDocument/2006/relationships" xmlns:p="http://schemas.openxmlformats.org/presentationml/2006/main">
+  <p:cSld>
+    <p:spTree>
+      <p:nvGrpSpPr>
+        <p:cNvPr id="1" name=""/>
+        <p:cNvGrpSpPr/>
+        <p:nvPr/>
+      </p:nvGrpSpPr>
+      <p:grpSpPr>
+        <a:xfrm>
+          <a:off x="0" y="0"/>
+          <a:ext cx="0" cy="0"/>
+          <a:chOff x="0" y="0"/>
+          <a:chExt cx="0" cy="0"/>
+        </a:xfrm>
+      </p:grpSpPr>
+      <p:sp>
+        <p:nvSpPr>
+          <p:cNvPr id="5" name="Title 1"/>
+          <p:cNvSpPr txBox="1">
+            <a:spLocks/>
+          </p:cNvSpPr>
+          <p:nvPr/>
+        </p:nvSpPr>
+        <p:spPr>
+          <a:xfrm>
+            <a:off x="749206" y="477659"/>
+            <a:ext cx="7886700" cy="1325563"/>
+          </a:xfrm>
+          <a:prstGeom prst="rect">
+            <a:avLst/>
+          </a:prstGeom>
+        </p:spPr>
+        <p:txBody>
+          <a:bodyPr vert="horz" lIns="91440" tIns="45720" rIns="91440" bIns="45720" rtlCol="0" anchor="ctr">
+            <a:normAutofit/>
+          </a:bodyPr>
+          <a:lstStyle>
+            <a:lvl1pPr algn="l" defTabSz="685800" rtl="0" eaLnBrk="1" latinLnBrk="0" hangingPunct="1">
+              <a:lnSpc>
+                <a:spcPct val="90000"/>
+              </a:lnSpc>
+              <a:spcBef>
+                <a:spcPct val="0"/>
+              </a:spcBef>
+              <a:buNone/>
+              <a:defRPr sz="3300" kern="1200">
+                <a:solidFill>
+                  <a:schemeClr val="tx1"/>
+                </a:solidFill>
+                <a:latin typeface="+mj-lt"/>
+                <a:ea typeface="+mj-ea"/>
+                <a:cs typeface="+mj-cs"/>
+              </a:defRPr>
+            </a:lvl1pPr>
+          </a:lstStyle>
+          <a:p>
+            <a:r>
+              <a:rPr lang="en-US" b="1" dirty="0"/>
+              <a:t>Dynamic Destination Address Service</a:t>
+            </a:r>
+          </a:p>
+        </p:txBody>
+      </p:sp>
+      <p:sp>
+        <p:nvSpPr>
+          <p:cNvPr id="6" name="TextBox 5"/>
+          <p:cNvSpPr txBox="1"/>
+          <p:nvPr/>
+        </p:nvSpPr>
+        <p:spPr>
+          <a:xfrm>
+            <a:off x="10026557" y="190220"/>
+            <a:ext cx="534121" cy="369332"/>
+          </a:xfrm>
+          <a:prstGeom prst="rect">
+            <a:avLst/>
+          </a:prstGeom>
+          <a:noFill/>
+        </p:spPr>
+        <p:txBody>
+          <a:bodyPr wrap="none" rtlCol="0">
+            <a:spAutoFit/>
+          </a:bodyPr>
+          <a:lstStyle/>
+          <a:p>
+            <a:r>
+              <a:rPr lang="en-US" dirty="0"/>
+              <a:t>#14</a:t>
+            </a:r>
+            <a:endParaRPr lang="en-US" dirty="0"/>
+          </a:p>
+        </p:txBody>
+      </p:sp>
+      <p:sp>
+        <p:nvSpPr>
+          <p:cNvPr id="7" name="TextBox 6"/>
+          <p:cNvSpPr txBox="1"/>
+          <p:nvPr/>
+        </p:nvSpPr>
+        <p:spPr>
+          <a:xfrm flipH="1">
+            <a:off x="1104047" y="3020738"/>
+            <a:ext cx="10619379" cy="2677656"/>
+          </a:xfrm>
+          <a:prstGeom prst="rect">
+            <a:avLst/>
+          </a:prstGeom>
+          <a:noFill/>
+        </p:spPr>
+        <p:txBody>
+          <a:bodyPr wrap="square" rtlCol="0">
+            <a:spAutoFit/>
+          </a:bodyPr>
+          <a:lstStyle/>
+          <a:p>
+            <a:pPr marL="457200" indent="-457200">
+              <a:buFont typeface="Arial" panose="020B0604020202020204" pitchFamily="34" charset="0"/>
+              <a:buChar char="•"/>
+            </a:pPr>
+            <a:r>
+              <a:rPr lang="en-US" sz="2400" dirty="0" smtClean="0"/>
+              <a:t>You give your home address as </a:t>
+            </a:r>
+            <a:r>
+              <a:rPr lang="en-US" sz="2400" i="1" dirty="0" smtClean="0"/>
+              <a:t>Delivers Address</a:t>
+            </a:r>
+            <a:r>
+              <a:rPr lang="en-US" sz="2400" dirty="0" smtClean="0"/>
+              <a:t>.</a:t>
+            </a:r>
+          </a:p>
+          <a:p>
+            <a:pPr marL="457200" indent="-457200">
+              <a:buFont typeface="Arial" panose="020B0604020202020204" pitchFamily="34" charset="0"/>
+              <a:buChar char="•"/>
+            </a:pPr>
+            <a:r>
+              <a:rPr lang="en-US" sz="2400" dirty="0" smtClean="0"/>
+              <a:t>You know you will receive the parcel today, but today you’re not in home.</a:t>
+            </a:r>
+          </a:p>
+          <a:p>
+            <a:pPr marL="457200" indent="-457200">
+              <a:buFont typeface="Arial" panose="020B0604020202020204" pitchFamily="34" charset="0"/>
+              <a:buChar char="•"/>
+            </a:pPr>
+            <a:endParaRPr lang="en-US" sz="2400" dirty="0" smtClean="0"/>
+          </a:p>
+          <a:p>
+            <a:pPr marL="457200" indent="-457200">
+              <a:buFont typeface="Arial" panose="020B0604020202020204" pitchFamily="34" charset="0"/>
+              <a:buChar char="•"/>
+            </a:pPr>
+            <a:r>
+              <a:rPr lang="en-US" sz="2400" dirty="0" smtClean="0"/>
+              <a:t>You can update your pickup place* as your workplace</a:t>
+            </a:r>
+          </a:p>
+          <a:p>
+            <a:r>
+              <a:rPr lang="en-US" sz="2400" dirty="0" smtClean="0"/>
+              <a:t>			           or</a:t>
+            </a:r>
+          </a:p>
+          <a:p>
+            <a:r>
+              <a:rPr lang="en-US" sz="2400" dirty="0"/>
+              <a:t>	</a:t>
+            </a:r>
+            <a:r>
+              <a:rPr lang="en-US" sz="2400" dirty="0" smtClean="0"/>
+              <a:t>           ask to hold the parcel for that day.</a:t>
+            </a:r>
+          </a:p>
+          <a:p>
+            <a:endParaRPr lang="en-US" sz="2400" dirty="0" smtClean="0"/>
+          </a:p>
+        </p:txBody>
+      </p:sp>
+      <p:sp>
+        <p:nvSpPr>
+          <p:cNvPr id="8" name="AutoShape 2" descr="Image result for delivery logo"/>
+          <p:cNvSpPr>
+            <a:spLocks noChangeAspect="1" noChangeArrowheads="1"/>
+          </p:cNvSpPr>
+          <p:nvPr/>
+        </p:nvSpPr>
+        <p:spPr bwMode="auto">
+          <a:xfrm>
+            <a:off x="1831975" y="7937"/>
+            <a:ext cx="304800" cy="304801"/>
+          </a:xfrm>
+          <a:prstGeom prst="rect">
+            <a:avLst/>
+          </a:prstGeom>
+          <a:noFill/>
+          <a:extLst>
+            <a:ext uri="{909E8E84-426E-40DD-AFC4-6F175D3DCCD1}">
+              <a14:hiddenFill xmlns:a14="http://schemas.microsoft.com/office/drawing/2010/main">
+                <a:solidFill>
+                  <a:srgbClr val="FFFFFF"/>
+                </a:solidFill>
+              </a14:hiddenFill>
+            </a:ext>
+          </a:extLst>
+        </p:spPr>
+        <p:txBody>
+          <a:bodyPr vert="horz" wrap="square" lIns="91440" tIns="45720" rIns="91440" bIns="45720" numCol="1" anchor="t" anchorCtr="0" compatLnSpc="1">
+            <a:prstTxWarp prst="textNoShape">
+              <a:avLst/>
+            </a:prstTxWarp>
+          </a:bodyPr>
+          <a:lstStyle/>
+          <a:p>
+            <a:endParaRPr lang="en-US"/>
+          </a:p>
+        </p:txBody>
+      </p:sp>
+      <p:sp>
+        <p:nvSpPr>
+          <p:cNvPr id="4" name="TextBox 3"/>
+          <p:cNvSpPr txBox="1"/>
+          <p:nvPr/>
+        </p:nvSpPr>
+        <p:spPr>
+          <a:xfrm>
+            <a:off x="706841" y="2331273"/>
+            <a:ext cx="1869743" cy="461665"/>
+          </a:xfrm>
+          <a:prstGeom prst="rect">
+            <a:avLst/>
+          </a:prstGeom>
+          <a:noFill/>
+        </p:spPr>
+        <p:txBody>
+          <a:bodyPr wrap="square" rtlCol="0">
+            <a:spAutoFit/>
+          </a:bodyPr>
+          <a:lstStyle/>
+          <a:p>
+            <a:r>
+              <a:rPr lang="en-US" sz="2400" dirty="0" smtClean="0">
+                <a:ln w="0"/>
+                <a:effectLst>
+                  <a:outerShdw blurRad="38100" dist="19050" dir="2700000" algn="tl" rotWithShape="0">
+                    <a:schemeClr val="dk1">
+                      <a:alpha val="40000"/>
+                    </a:schemeClr>
+                  </a:outerShdw>
+                </a:effectLst>
+              </a:rPr>
+              <a:t>Example</a:t>
+            </a:r>
+            <a:endParaRPr lang="en-US" sz="2400" dirty="0">
+              <a:ln w="0"/>
+              <a:effectLst>
+                <a:outerShdw blurRad="38100" dist="19050" dir="2700000" algn="tl" rotWithShape="0">
+                  <a:schemeClr val="dk1">
+                    <a:alpha val="40000"/>
+                  </a:schemeClr>
+                </a:outerShdw>
+              </a:effectLst>
+            </a:endParaRPr>
+          </a:p>
+        </p:txBody>
+      </p:sp>
+    </p:spTree>
+    <p:extLst>
+      <p:ext uri="{BB962C8B-B14F-4D97-AF65-F5344CB8AC3E}">
+        <p14:creationId xmlns:p14="http://schemas.microsoft.com/office/powerpoint/2010/main" val="1825291969"/>
+      </p:ext>
+    </p:extLst>
+  </p:cSld>
+  <p:clrMapOvr>
+    <a:masterClrMapping/>
+  </p:clrMapOvr>
+  <mc:AlternateContent xmlns:mc="http://schemas.openxmlformats.org/markup-compatibility/2006">
+    <mc:Choice xmlns:p14="http://schemas.microsoft.com/office/powerpoint/2010/main" Requires="p14">
+      <p:transition spd="med" p14:dur="700">
+        <p:fade/>
+      </p:transition>
+    </mc:Choice>
+    <mc:Fallback>
+      <p:transition spd="med">
+        <p:fade/>
+      </p:transition>
+    </mc:Fallback>
+  </mc:AlternateContent>
+  <p:timing>
+    <p:tnLst>
+      <p:par>
+        <p:cTn id="1" dur="indefinite" restart="never" nodeType="tmRoot"/>
+      </p:par>
+    </p:tnLst>
+  </p:timing>
+</p:sld>
+</file>
+
+<file path=ppt/slides/slide13.xml><?xml version="1.0" encoding="utf-8"?>
+<p:sld xmlns:a="http://schemas.openxmlformats.org/drawingml/2006/main" xmlns:r="http://schemas.openxmlformats.org/officeDocument/2006/relationships" xmlns:p="http://schemas.openxmlformats.org/presentationml/2006/main">
+  <p:cSld>
+    <p:spTree>
+      <p:nvGrpSpPr>
+        <p:cNvPr id="1" name=""/>
+        <p:cNvGrpSpPr/>
+        <p:nvPr/>
+      </p:nvGrpSpPr>
+      <p:grpSpPr>
+        <a:xfrm>
+          <a:off x="0" y="0"/>
+          <a:ext cx="0" cy="0"/>
+          <a:chOff x="0" y="0"/>
+          <a:chExt cx="0" cy="0"/>
+        </a:xfrm>
+      </p:grpSpPr>
+      <p:sp>
+        <p:nvSpPr>
           <p:cNvPr id="2" name="Title 1"/>
           <p:cNvSpPr>
             <a:spLocks noGrp="1"/>
@@ -6328,6 +4978,95 @@
               <a:t>How revenue generates ?</a:t>
             </a:r>
             <a:endParaRPr lang="en-US" b="1" dirty="0"/>
+          </a:p>
+        </p:txBody>
+      </p:sp>
+      <p:sp>
+        <p:nvSpPr>
+          <p:cNvPr id="3" name="Content Placeholder 2"/>
+          <p:cNvSpPr>
+            <a:spLocks noGrp="1"/>
+          </p:cNvSpPr>
+          <p:nvPr>
+            <p:ph idx="1"/>
+          </p:nvPr>
+        </p:nvSpPr>
+        <p:spPr>
+          <a:xfrm>
+            <a:off x="838200" y="2494360"/>
+            <a:ext cx="7886700" cy="3578888"/>
+          </a:xfrm>
+        </p:spPr>
+        <p:txBody>
+          <a:bodyPr>
+            <a:normAutofit/>
+          </a:bodyPr>
+          <a:lstStyle/>
+          <a:p>
+            <a:pPr marL="0" indent="0">
+              <a:buNone/>
+            </a:pPr>
+            <a:r>
+              <a:rPr lang="en-US" sz="2400" u="sng" dirty="0"/>
+              <a:t>API Market</a:t>
+            </a:r>
+            <a:endParaRPr lang="en-US" sz="2000" dirty="0"/>
+          </a:p>
+          <a:p>
+            <a:r>
+              <a:rPr lang="en-US" sz="2000" dirty="0"/>
+              <a:t>We will release our platform as Web APIs. </a:t>
+            </a:r>
+            <a:r>
+              <a:rPr lang="en-US" sz="2000" dirty="0"/>
+              <a:t> </a:t>
+            </a:r>
+            <a:r>
+              <a:rPr lang="en-US" sz="1800" dirty="0"/>
+              <a:t>(</a:t>
+            </a:r>
+            <a:r>
+              <a:rPr lang="en-US" sz="1600" dirty="0"/>
+              <a:t>Application Programming Interface)</a:t>
+            </a:r>
+            <a:endParaRPr lang="en-US" sz="1800" dirty="0"/>
+          </a:p>
+          <a:p>
+            <a:r>
+              <a:rPr lang="en-US" sz="2000" dirty="0"/>
+              <a:t>Any selling, delivery company can register with these APIs and take the advantages of our platform.</a:t>
+            </a:r>
+          </a:p>
+          <a:p>
+            <a:r>
+              <a:rPr lang="en-US" sz="2000" dirty="0"/>
+              <a:t>Charging per number of API requests.</a:t>
+            </a:r>
+          </a:p>
+          <a:p>
+            <a:endParaRPr lang="en-US" sz="2000" dirty="0"/>
+          </a:p>
+          <a:p>
+            <a:pPr marL="0" indent="0">
+              <a:buNone/>
+            </a:pPr>
+            <a:r>
+              <a:rPr lang="en-US" sz="2400" u="sng" dirty="0"/>
+              <a:t>Technical support</a:t>
+            </a:r>
+            <a:endParaRPr lang="en-US" sz="2000" u="sng" dirty="0"/>
+          </a:p>
+          <a:p>
+            <a:r>
+              <a:rPr lang="en-US" sz="2000" dirty="0"/>
+              <a:t>We can provide technical support to these companies.</a:t>
+            </a:r>
+          </a:p>
+          <a:p>
+            <a:r>
+              <a:rPr lang="en-US" sz="2000" dirty="0"/>
+              <a:t>Integrate our platform with mobile apps, websites etc…</a:t>
+            </a:r>
           </a:p>
         </p:txBody>
       </p:sp>
@@ -6354,7 +5093,7 @@
         </p:blipFill>
         <p:spPr bwMode="auto">
           <a:xfrm>
-            <a:off x="5691118" y="190220"/>
+            <a:off x="7213762" y="0"/>
             <a:ext cx="2824232" cy="2529064"/>
           </a:xfrm>
           <a:prstGeom prst="rect">
@@ -6373,125 +5112,6 @@
           </a:extLst>
         </p:spPr>
       </p:pic>
-      <p:sp>
-        <p:nvSpPr>
-          <p:cNvPr id="3" name="Content Placeholder 2"/>
-          <p:cNvSpPr>
-            <a:spLocks noGrp="1"/>
-          </p:cNvSpPr>
-          <p:nvPr>
-            <p:ph idx="1"/>
-          </p:nvPr>
-        </p:nvSpPr>
-        <p:spPr>
-          <a:xfrm>
-            <a:off x="628650" y="2562599"/>
-            <a:ext cx="7886700" cy="3578888"/>
-          </a:xfrm>
-        </p:spPr>
-        <p:txBody>
-          <a:bodyPr>
-            <a:normAutofit/>
-          </a:bodyPr>
-          <a:lstStyle/>
-          <a:p>
-            <a:pPr marL="0" indent="0">
-              <a:buNone/>
-            </a:pPr>
-            <a:r>
-              <a:rPr lang="en-US" sz="2400" u="sng" dirty="0" smtClean="0"/>
-              <a:t>API Market</a:t>
-            </a:r>
-            <a:endParaRPr lang="en-US" sz="2000" dirty="0"/>
-          </a:p>
-          <a:p>
-            <a:r>
-              <a:rPr lang="en-US" sz="2000" dirty="0" smtClean="0"/>
-              <a:t>We will release our platform as Web APIs. </a:t>
-            </a:r>
-            <a:r>
-              <a:rPr lang="en-US" sz="2000" dirty="0"/>
-              <a:t> </a:t>
-            </a:r>
-            <a:r>
-              <a:rPr lang="en-US" sz="1800" dirty="0" smtClean="0"/>
-              <a:t>(</a:t>
-            </a:r>
-            <a:r>
-              <a:rPr lang="en-US" sz="1600" dirty="0" smtClean="0"/>
-              <a:t>Application Programming Interface)</a:t>
-            </a:r>
-            <a:endParaRPr lang="en-US" sz="1800" dirty="0"/>
-          </a:p>
-          <a:p>
-            <a:r>
-              <a:rPr lang="en-US" sz="2000" dirty="0" smtClean="0"/>
-              <a:t>Any selling, delivery company can register with these APIs and take the advantages of our platform.</a:t>
-            </a:r>
-          </a:p>
-          <a:p>
-            <a:r>
-              <a:rPr lang="en-US" sz="2000" dirty="0" smtClean="0"/>
-              <a:t>Charging per number of API requests.</a:t>
-            </a:r>
-          </a:p>
-          <a:p>
-            <a:endParaRPr lang="en-US" sz="2000" dirty="0" smtClean="0"/>
-          </a:p>
-          <a:p>
-            <a:pPr marL="0" indent="0">
-              <a:buNone/>
-            </a:pPr>
-            <a:r>
-              <a:rPr lang="en-US" sz="2400" u="sng" dirty="0" smtClean="0"/>
-              <a:t>Technical support</a:t>
-            </a:r>
-            <a:endParaRPr lang="en-US" sz="2000" u="sng" dirty="0"/>
-          </a:p>
-          <a:p>
-            <a:r>
-              <a:rPr lang="en-US" sz="2000" dirty="0" smtClean="0"/>
-              <a:t>We can provide technical support to these companies.</a:t>
-            </a:r>
-          </a:p>
-          <a:p>
-            <a:r>
-              <a:rPr lang="en-US" sz="2000" dirty="0" smtClean="0"/>
-              <a:t>Integrate our platform with mobile apps, websites etc…</a:t>
-            </a:r>
-          </a:p>
-        </p:txBody>
-      </p:sp>
-      <p:sp>
-        <p:nvSpPr>
-          <p:cNvPr id="5" name="TextBox 4"/>
-          <p:cNvSpPr txBox="1"/>
-          <p:nvPr/>
-        </p:nvSpPr>
-        <p:spPr>
-          <a:xfrm>
-            <a:off x="8502556" y="190220"/>
-            <a:ext cx="534121" cy="369332"/>
-          </a:xfrm>
-          <a:prstGeom prst="rect">
-            <a:avLst/>
-          </a:prstGeom>
-          <a:noFill/>
-        </p:spPr>
-        <p:txBody>
-          <a:bodyPr wrap="none" rtlCol="0">
-            <a:spAutoFit/>
-          </a:bodyPr>
-          <a:lstStyle/>
-          <a:p>
-            <a:r>
-              <a:rPr lang="en-US" dirty="0" smtClean="0"/>
-              <a:t>#15</a:t>
-            </a:r>
-            <a:endParaRPr lang="en-US" dirty="0"/>
-          </a:p>
-        </p:txBody>
-      </p:sp>
     </p:spTree>
     <p:extLst>
       <p:ext uri="{BB962C8B-B14F-4D97-AF65-F5344CB8AC3E}">
@@ -6502,13 +5122,13 @@
   <p:clrMapOvr>
     <a:masterClrMapping/>
   </p:clrMapOvr>
-  <mc:AlternateContent xmlns:mc="http://schemas.openxmlformats.org/markup-compatibility/2006" xmlns:p14="http://schemas.microsoft.com/office/powerpoint/2010/main">
-    <mc:Choice Requires="p14">
+  <mc:AlternateContent xmlns:mc="http://schemas.openxmlformats.org/markup-compatibility/2006">
+    <mc:Choice xmlns:p14="http://schemas.microsoft.com/office/powerpoint/2010/main" Requires="p14">
       <p:transition spd="med" p14:dur="700">
         <p:fade/>
       </p:transition>
     </mc:Choice>
-    <mc:Fallback xmlns="">
+    <mc:Fallback>
       <p:transition spd="med">
         <p:fade/>
       </p:transition>
@@ -6524,7 +5144,7 @@
 </p:sld>
 </file>
 
-<file path=ppt/slides/slide18.xml><?xml version="1.0" encoding="utf-8"?>
+<file path=ppt/slides/slide14.xml><?xml version="1.0" encoding="utf-8"?>
 <p:sld xmlns:a="http://schemas.openxmlformats.org/drawingml/2006/main" xmlns:r="http://schemas.openxmlformats.org/officeDocument/2006/relationships" xmlns:p="http://schemas.openxmlformats.org/presentationml/2006/main">
   <p:cSld>
     <p:spTree>
@@ -6564,7 +5184,7 @@
         </p:blipFill>
         <p:spPr bwMode="auto">
           <a:xfrm>
-            <a:off x="600501" y="0"/>
+            <a:off x="2390633" y="-27295"/>
             <a:ext cx="7410734" cy="4928428"/>
           </a:xfrm>
           <a:prstGeom prst="rect">
@@ -6586,334 +5206,6 @@
     <p:extLst>
       <p:ext uri="{BB962C8B-B14F-4D97-AF65-F5344CB8AC3E}">
         <p14:creationId xmlns:p14="http://schemas.microsoft.com/office/powerpoint/2010/main" val="3446346746"/>
-      </p:ext>
-    </p:extLst>
-  </p:cSld>
-  <p:clrMapOvr>
-    <a:masterClrMapping/>
-  </p:clrMapOvr>
-  <mc:AlternateContent xmlns:mc="http://schemas.openxmlformats.org/markup-compatibility/2006" xmlns:p14="http://schemas.microsoft.com/office/powerpoint/2010/main">
-    <mc:Choice Requires="p14">
-      <p:transition spd="med" p14:dur="700">
-        <p:fade/>
-      </p:transition>
-    </mc:Choice>
-    <mc:Fallback xmlns="">
-      <p:transition spd="med">
-        <p:fade/>
-      </p:transition>
-    </mc:Fallback>
-  </mc:AlternateContent>
-  <p:timing>
-    <p:tnLst>
-      <p:par>
-        <p:cTn id="1" dur="indefinite" restart="never" nodeType="tmRoot"/>
-      </p:par>
-    </p:tnLst>
-  </p:timing>
-</p:sld>
-</file>
-
-<file path=ppt/slides/slide19.xml><?xml version="1.0" encoding="utf-8"?>
-<p:sld xmlns:a="http://schemas.openxmlformats.org/drawingml/2006/main" xmlns:r="http://schemas.openxmlformats.org/officeDocument/2006/relationships" xmlns:p="http://schemas.openxmlformats.org/presentationml/2006/main">
-  <p:cSld>
-    <p:spTree>
-      <p:nvGrpSpPr>
-        <p:cNvPr id="1" name=""/>
-        <p:cNvGrpSpPr/>
-        <p:nvPr/>
-      </p:nvGrpSpPr>
-      <p:grpSpPr>
-        <a:xfrm>
-          <a:off x="0" y="0"/>
-          <a:ext cx="0" cy="0"/>
-          <a:chOff x="0" y="0"/>
-          <a:chExt cx="0" cy="0"/>
-        </a:xfrm>
-      </p:grpSpPr>
-      <p:pic>
-        <p:nvPicPr>
-          <p:cNvPr id="7170" name="Picture 2" descr="Image result for q and a"/>
-          <p:cNvPicPr>
-            <a:picLocks noChangeAspect="1" noChangeArrowheads="1"/>
-          </p:cNvPicPr>
-          <p:nvPr/>
-        </p:nvPicPr>
-        <p:blipFill>
-          <a:blip r:embed="rId2">
-            <a:extLst>
-              <a:ext uri="{28A0092B-C50C-407E-A947-70E740481C1C}">
-                <a14:useLocalDpi xmlns:a14="http://schemas.microsoft.com/office/drawing/2010/main" val="0"/>
-              </a:ext>
-            </a:extLst>
-          </a:blip>
-          <a:srcRect/>
-          <a:stretch>
-            <a:fillRect/>
-          </a:stretch>
-        </p:blipFill>
-        <p:spPr bwMode="auto">
-          <a:xfrm>
-            <a:off x="1187356" y="2238232"/>
-            <a:ext cx="6760658" cy="3312724"/>
-          </a:xfrm>
-          <a:prstGeom prst="rect">
-            <a:avLst/>
-          </a:prstGeom>
-          <a:ln>
-            <a:noFill/>
-          </a:ln>
-          <a:effectLst>
-            <a:softEdge rad="112500"/>
-          </a:effectLst>
-          <a:extLst>
-            <a:ext uri="{909E8E84-426E-40DD-AFC4-6F175D3DCCD1}">
-              <a14:hiddenFill xmlns:a14="http://schemas.microsoft.com/office/drawing/2010/main">
-                <a:solidFill>
-                  <a:srgbClr val="FFFFFF"/>
-                </a:solidFill>
-              </a14:hiddenFill>
-            </a:ext>
-          </a:extLst>
-        </p:spPr>
-      </p:pic>
-    </p:spTree>
-    <p:extLst>
-      <p:ext uri="{BB962C8B-B14F-4D97-AF65-F5344CB8AC3E}">
-        <p14:creationId xmlns:p14="http://schemas.microsoft.com/office/powerpoint/2010/main" val="538116439"/>
-      </p:ext>
-    </p:extLst>
-  </p:cSld>
-  <p:clrMapOvr>
-    <a:masterClrMapping/>
-  </p:clrMapOvr>
-  <mc:AlternateContent xmlns:mc="http://schemas.openxmlformats.org/markup-compatibility/2006" xmlns:p14="http://schemas.microsoft.com/office/powerpoint/2010/main">
-    <mc:Choice Requires="p14">
-      <p:transition spd="med" p14:dur="700">
-        <p:fade/>
-      </p:transition>
-    </mc:Choice>
-    <mc:Fallback xmlns="">
-      <p:transition spd="med">
-        <p:fade/>
-      </p:transition>
-    </mc:Fallback>
-  </mc:AlternateContent>
-  <p:timing>
-    <p:tnLst>
-      <p:par>
-        <p:cTn id="1" dur="indefinite" restart="never" nodeType="tmRoot"/>
-      </p:par>
-    </p:tnLst>
-  </p:timing>
-</p:sld>
-</file>
-
-<file path=ppt/slides/slide2.xml><?xml version="1.0" encoding="utf-8"?>
-<p:sld xmlns:a="http://schemas.openxmlformats.org/drawingml/2006/main" xmlns:r="http://schemas.openxmlformats.org/officeDocument/2006/relationships" xmlns:p="http://schemas.openxmlformats.org/presentationml/2006/main">
-  <p:cSld>
-    <p:spTree>
-      <p:nvGrpSpPr>
-        <p:cNvPr id="1" name=""/>
-        <p:cNvGrpSpPr/>
-        <p:nvPr/>
-      </p:nvGrpSpPr>
-      <p:grpSpPr>
-        <a:xfrm>
-          <a:off x="0" y="0"/>
-          <a:ext cx="0" cy="0"/>
-          <a:chOff x="0" y="0"/>
-          <a:chExt cx="0" cy="0"/>
-        </a:xfrm>
-      </p:grpSpPr>
-      <p:sp>
-        <p:nvSpPr>
-          <p:cNvPr id="5" name="TextBox 4"/>
-          <p:cNvSpPr txBox="1"/>
-          <p:nvPr/>
-        </p:nvSpPr>
-        <p:spPr>
-          <a:xfrm>
-            <a:off x="2238232" y="559552"/>
-            <a:ext cx="5036024" cy="1323439"/>
-          </a:xfrm>
-          <a:prstGeom prst="rect">
-            <a:avLst/>
-          </a:prstGeom>
-          <a:noFill/>
-        </p:spPr>
-        <p:txBody>
-          <a:bodyPr wrap="square" rtlCol="0">
-            <a:spAutoFit/>
-          </a:bodyPr>
-          <a:lstStyle/>
-          <a:p>
-            <a:pPr algn="ctr"/>
-            <a:r>
-              <a:rPr lang="en-US" sz="3600" dirty="0">
-                <a:ln w="0"/>
-              </a:rPr>
-              <a:t>Do you prefer </a:t>
-            </a:r>
-            <a:endParaRPr lang="en-US" sz="3600" dirty="0" smtClean="0">
-              <a:ln w="0"/>
-            </a:endParaRPr>
-          </a:p>
-          <a:p>
-            <a:pPr algn="ctr"/>
-            <a:r>
-              <a:rPr lang="en-US" sz="4400" dirty="0" smtClean="0">
-                <a:ln w="0"/>
-                <a:effectLst>
-                  <a:outerShdw blurRad="38100" dist="19050" dir="2700000" algn="tl" rotWithShape="0">
-                    <a:schemeClr val="dk1">
-                      <a:alpha val="40000"/>
-                    </a:schemeClr>
-                  </a:outerShdw>
-                </a:effectLst>
-              </a:rPr>
-              <a:t>Online Shopping ? </a:t>
-            </a:r>
-            <a:endParaRPr lang="en-US" sz="4400" dirty="0">
-              <a:ln w="0"/>
-              <a:effectLst>
-                <a:outerShdw blurRad="38100" dist="19050" dir="2700000" algn="tl" rotWithShape="0">
-                  <a:schemeClr val="dk1">
-                    <a:alpha val="40000"/>
-                  </a:schemeClr>
-                </a:outerShdw>
-              </a:effectLst>
-            </a:endParaRPr>
-          </a:p>
-        </p:txBody>
-      </p:sp>
-      <p:sp>
-        <p:nvSpPr>
-          <p:cNvPr id="6" name="TextBox 5"/>
-          <p:cNvSpPr txBox="1"/>
-          <p:nvPr/>
-        </p:nvSpPr>
-        <p:spPr>
-          <a:xfrm>
-            <a:off x="3229221" y="2001995"/>
-            <a:ext cx="3054041" cy="523220"/>
-          </a:xfrm>
-          <a:prstGeom prst="rect">
-            <a:avLst/>
-          </a:prstGeom>
-          <a:noFill/>
-        </p:spPr>
-        <p:txBody>
-          <a:bodyPr wrap="none" rtlCol="0">
-            <a:spAutoFit/>
-          </a:bodyPr>
-          <a:lstStyle/>
-          <a:p>
-            <a:pPr algn="ctr"/>
-            <a:r>
-              <a:rPr lang="en-US" sz="2800" dirty="0" smtClean="0"/>
-              <a:t>1. Yes	   	   2. No</a:t>
-            </a:r>
-            <a:endParaRPr lang="en-US" sz="2800" dirty="0"/>
-          </a:p>
-        </p:txBody>
-      </p:sp>
-      <p:pic>
-        <p:nvPicPr>
-          <p:cNvPr id="2052" name="Picture 4" descr="Image result for online shopping"/>
-          <p:cNvPicPr>
-            <a:picLocks noChangeAspect="1" noChangeArrowheads="1"/>
-          </p:cNvPicPr>
-          <p:nvPr/>
-        </p:nvPicPr>
-        <p:blipFill>
-          <a:blip r:embed="rId2">
-            <a:extLst>
-              <a:ext uri="{28A0092B-C50C-407E-A947-70E740481C1C}">
-                <a14:useLocalDpi xmlns:a14="http://schemas.microsoft.com/office/drawing/2010/main" val="0"/>
-              </a:ext>
-            </a:extLst>
-          </a:blip>
-          <a:srcRect/>
-          <a:stretch>
-            <a:fillRect/>
-          </a:stretch>
-        </p:blipFill>
-        <p:spPr bwMode="auto">
-          <a:xfrm>
-            <a:off x="1108876" y="2944471"/>
-            <a:ext cx="7294730" cy="4213780"/>
-          </a:xfrm>
-          <a:prstGeom prst="rect">
-            <a:avLst/>
-          </a:prstGeom>
-          <a:solidFill>
-            <a:srgbClr val="FFFFFF">
-              <a:shade val="85000"/>
-            </a:srgbClr>
-          </a:solidFill>
-          <a:ln w="88900" cap="sq">
-            <a:solidFill>
-              <a:srgbClr val="FFFFFF"/>
-            </a:solidFill>
-            <a:miter lim="800000"/>
-          </a:ln>
-          <a:effectLst>
-            <a:outerShdw blurRad="55000" dist="18000" dir="5400000" algn="tl" rotWithShape="0">
-              <a:srgbClr val="000000">
-                <a:alpha val="40000"/>
-              </a:srgbClr>
-            </a:outerShdw>
-          </a:effectLst>
-          <a:scene3d>
-            <a:camera prst="orthographicFront"/>
-            <a:lightRig rig="twoPt" dir="t">
-              <a:rot lat="0" lon="0" rev="7200000"/>
-            </a:lightRig>
-          </a:scene3d>
-          <a:sp3d>
-            <a:bevelT w="25400" h="19050"/>
-            <a:contourClr>
-              <a:srgbClr val="FFFFFF"/>
-            </a:contourClr>
-          </a:sp3d>
-          <a:extLst/>
-        </p:spPr>
-      </p:pic>
-      <p:sp>
-        <p:nvSpPr>
-          <p:cNvPr id="7" name="TextBox 6"/>
-          <p:cNvSpPr txBox="1"/>
-          <p:nvPr/>
-        </p:nvSpPr>
-        <p:spPr>
-          <a:xfrm>
-            <a:off x="8502556" y="190220"/>
-            <a:ext cx="417102" cy="369332"/>
-          </a:xfrm>
-          <a:prstGeom prst="rect">
-            <a:avLst/>
-          </a:prstGeom>
-          <a:noFill/>
-        </p:spPr>
-        <p:txBody>
-          <a:bodyPr wrap="none" rtlCol="0">
-            <a:spAutoFit/>
-          </a:bodyPr>
-          <a:lstStyle/>
-          <a:p>
-            <a:r>
-              <a:rPr lang="en-US" dirty="0" smtClean="0"/>
-              <a:t>#1</a:t>
-            </a:r>
-            <a:endParaRPr lang="en-US" dirty="0"/>
-          </a:p>
-        </p:txBody>
-      </p:sp>
-    </p:spTree>
-    <p:extLst>
-      <p:ext uri="{BB962C8B-B14F-4D97-AF65-F5344CB8AC3E}">
-        <p14:creationId xmlns:p14="http://schemas.microsoft.com/office/powerpoint/2010/main" val="3592073109"/>
       </p:ext>
     </p:extLst>
   </p:cSld>
@@ -6942,7 +5234,97 @@
 </p:sld>
 </file>
 
-<file path=ppt/slides/slide20.xml><?xml version="1.0" encoding="utf-8"?>
+<file path=ppt/slides/slide15.xml><?xml version="1.0" encoding="utf-8"?>
+<p:sld xmlns:a="http://schemas.openxmlformats.org/drawingml/2006/main" xmlns:r="http://schemas.openxmlformats.org/officeDocument/2006/relationships" xmlns:p="http://schemas.openxmlformats.org/presentationml/2006/main">
+  <p:cSld>
+    <p:spTree>
+      <p:nvGrpSpPr>
+        <p:cNvPr id="1" name=""/>
+        <p:cNvGrpSpPr/>
+        <p:nvPr/>
+      </p:nvGrpSpPr>
+      <p:grpSpPr>
+        <a:xfrm>
+          <a:off x="0" y="0"/>
+          <a:ext cx="0" cy="0"/>
+          <a:chOff x="0" y="0"/>
+          <a:chExt cx="0" cy="0"/>
+        </a:xfrm>
+      </p:grpSpPr>
+      <p:pic>
+        <p:nvPicPr>
+          <p:cNvPr id="3074" name="Picture 2" descr="Image result for how png"/>
+          <p:cNvPicPr>
+            <a:picLocks noChangeAspect="1" noChangeArrowheads="1"/>
+          </p:cNvPicPr>
+          <p:nvPr/>
+        </p:nvPicPr>
+        <p:blipFill>
+          <a:blip r:embed="rId2">
+            <a:extLst>
+              <a:ext uri="{28A0092B-C50C-407E-A947-70E740481C1C}">
+                <a14:useLocalDpi xmlns:a14="http://schemas.microsoft.com/office/drawing/2010/main" val="0"/>
+              </a:ext>
+            </a:extLst>
+          </a:blip>
+          <a:srcRect/>
+          <a:stretch>
+            <a:fillRect/>
+          </a:stretch>
+        </p:blipFill>
+        <p:spPr bwMode="auto">
+          <a:xfrm>
+            <a:off x="3532472" y="645741"/>
+            <a:ext cx="5127056" cy="5566518"/>
+          </a:xfrm>
+          <a:prstGeom prst="rect">
+            <a:avLst/>
+          </a:prstGeom>
+          <a:noFill/>
+          <a:extLst>
+            <a:ext uri="{909E8E84-426E-40DD-AFC4-6F175D3DCCD1}">
+              <a14:hiddenFill xmlns:a14="http://schemas.microsoft.com/office/drawing/2010/main">
+                <a:solidFill>
+                  <a:srgbClr val="FFFFFF"/>
+                </a:solidFill>
+              </a14:hiddenFill>
+            </a:ext>
+          </a:extLst>
+        </p:spPr>
+      </p:pic>
+    </p:spTree>
+    <p:extLst>
+      <p:ext uri="{BB962C8B-B14F-4D97-AF65-F5344CB8AC3E}">
+        <p14:creationId xmlns:p14="http://schemas.microsoft.com/office/powerpoint/2010/main" val="538116439"/>
+      </p:ext>
+    </p:extLst>
+  </p:cSld>
+  <p:clrMapOvr>
+    <a:masterClrMapping/>
+  </p:clrMapOvr>
+  <mc:AlternateContent xmlns:mc="http://schemas.openxmlformats.org/markup-compatibility/2006">
+    <mc:Choice xmlns:p14="http://schemas.microsoft.com/office/powerpoint/2010/main" Requires="p14">
+      <p:transition spd="med" p14:dur="700">
+        <p:fade/>
+      </p:transition>
+    </mc:Choice>
+    <mc:Fallback>
+      <p:transition spd="med">
+        <p:fade/>
+      </p:transition>
+    </mc:Fallback>
+  </mc:AlternateContent>
+  <p:timing>
+    <p:tnLst>
+      <p:par>
+        <p:cTn id="1" dur="indefinite" restart="never" nodeType="tmRoot"/>
+      </p:par>
+    </p:tnLst>
+  </p:timing>
+</p:sld>
+</file>
+
+<file path=ppt/slides/slide16.xml><?xml version="1.0" encoding="utf-8"?>
 <p:sld xmlns:a="http://schemas.openxmlformats.org/drawingml/2006/main" xmlns:r="http://schemas.openxmlformats.org/officeDocument/2006/relationships" xmlns:p="http://schemas.openxmlformats.org/presentationml/2006/main">
   <p:cSld>
     <p:spTree>
@@ -6969,13 +5351,13 @@
   <p:clrMapOvr>
     <a:masterClrMapping/>
   </p:clrMapOvr>
-  <mc:AlternateContent xmlns:mc="http://schemas.openxmlformats.org/markup-compatibility/2006" xmlns:p14="http://schemas.microsoft.com/office/powerpoint/2010/main">
-    <mc:Choice Requires="p14">
+  <mc:AlternateContent xmlns:mc="http://schemas.openxmlformats.org/markup-compatibility/2006">
+    <mc:Choice xmlns:p14="http://schemas.microsoft.com/office/powerpoint/2010/main" Requires="p14">
       <p:transition spd="med" p14:dur="700">
         <p:fade/>
       </p:transition>
     </mc:Choice>
-    <mc:Fallback xmlns="">
+    <mc:Fallback>
       <p:transition spd="med">
         <p:fade/>
       </p:transition>
@@ -6991,7 +5373,7 @@
 </p:sld>
 </file>
 
-<file path=ppt/slides/slide21.xml><?xml version="1.0" encoding="utf-8"?>
+<file path=ppt/slides/slide17.xml><?xml version="1.0" encoding="utf-8"?>
 <p:sld xmlns:a="http://schemas.openxmlformats.org/drawingml/2006/main" xmlns:r="http://schemas.openxmlformats.org/officeDocument/2006/relationships" xmlns:p="http://schemas.openxmlformats.org/presentationml/2006/main">
   <p:cSld>
     <p:spTree>
@@ -7033,7 +5415,7 @@
         </p:blipFill>
         <p:spPr bwMode="auto">
           <a:xfrm>
-            <a:off x="1137051" y="3245119"/>
+            <a:off x="2661051" y="3245120"/>
             <a:ext cx="2042878" cy="1430015"/>
           </a:xfrm>
           <a:prstGeom prst="rect">
@@ -7059,7 +5441,7 @@
         </p:nvSpPr>
         <p:spPr>
           <a:xfrm>
-            <a:off x="1891429" y="4675134"/>
+            <a:off x="3415430" y="4675134"/>
             <a:ext cx="534121" cy="369332"/>
           </a:xfrm>
           <a:prstGeom prst="rect">
@@ -7074,7 +5456,7 @@
           <a:lstStyle/>
           <a:p>
             <a:r>
-              <a:rPr lang="en-US" dirty="0" smtClean="0"/>
+              <a:rPr lang="en-US" dirty="0"/>
               <a:t>#17</a:t>
             </a:r>
             <a:endParaRPr lang="en-US" dirty="0"/>
@@ -7106,7 +5488,7 @@
         </p:blipFill>
         <p:spPr bwMode="auto">
           <a:xfrm>
-            <a:off x="3470283" y="3234859"/>
+            <a:off x="4994283" y="3234860"/>
             <a:ext cx="1750610" cy="1440275"/>
           </a:xfrm>
           <a:prstGeom prst="rect">
@@ -7132,7 +5514,7 @@
         </p:nvSpPr>
         <p:spPr>
           <a:xfrm>
-            <a:off x="4078527" y="4675134"/>
+            <a:off x="5602528" y="4675134"/>
             <a:ext cx="534121" cy="369332"/>
           </a:xfrm>
           <a:prstGeom prst="rect">
@@ -7147,7 +5529,7 @@
           <a:lstStyle/>
           <a:p>
             <a:r>
-              <a:rPr lang="en-US" dirty="0" smtClean="0"/>
+              <a:rPr lang="en-US" dirty="0"/>
               <a:t>#18</a:t>
             </a:r>
             <a:endParaRPr lang="en-US" dirty="0"/>
@@ -7179,7 +5561,7 @@
         </p:blipFill>
         <p:spPr bwMode="auto">
           <a:xfrm>
-            <a:off x="5867699" y="3507344"/>
+            <a:off x="7391700" y="3507345"/>
             <a:ext cx="895303" cy="895303"/>
           </a:xfrm>
           <a:prstGeom prst="rect">
@@ -7205,7 +5587,7 @@
         </p:nvSpPr>
         <p:spPr>
           <a:xfrm>
-            <a:off x="6048289" y="4675134"/>
+            <a:off x="7572290" y="4675134"/>
             <a:ext cx="534121" cy="369332"/>
           </a:xfrm>
           <a:prstGeom prst="rect">
@@ -7220,7 +5602,7 @@
           <a:lstStyle/>
           <a:p>
             <a:r>
-              <a:rPr lang="en-US" dirty="0" smtClean="0"/>
+              <a:rPr lang="en-US" dirty="0"/>
               <a:t>#19</a:t>
             </a:r>
             <a:endParaRPr lang="en-US" dirty="0"/>
@@ -7250,7 +5632,7 @@
         </p:blipFill>
         <p:spPr bwMode="auto">
           <a:xfrm>
-            <a:off x="3063774" y="5044466"/>
+            <a:off x="4587775" y="5044466"/>
             <a:ext cx="2536329" cy="1264050"/>
           </a:xfrm>
           <a:prstGeom prst="rect">
@@ -7276,7 +5658,7 @@
         </p:nvSpPr>
         <p:spPr>
           <a:xfrm>
-            <a:off x="4064877" y="6308516"/>
+            <a:off x="5588878" y="6308516"/>
             <a:ext cx="534121" cy="369332"/>
           </a:xfrm>
           <a:prstGeom prst="rect">
@@ -7291,7 +5673,7 @@
           <a:lstStyle/>
           <a:p>
             <a:r>
-              <a:rPr lang="en-US" dirty="0" smtClean="0"/>
+              <a:rPr lang="en-US" dirty="0"/>
               <a:t>#20</a:t>
             </a:r>
             <a:endParaRPr lang="en-US" dirty="0"/>
@@ -7306,7 +5688,7 @@
         </p:nvSpPr>
         <p:spPr>
           <a:xfrm>
-            <a:off x="4123926" y="311308"/>
+            <a:off x="5647927" y="311309"/>
             <a:ext cx="1096967" cy="584775"/>
           </a:xfrm>
           <a:prstGeom prst="rect">
@@ -7322,11 +5704,8 @@
           <a:p>
             <a:pPr algn="ctr"/>
             <a:r>
-              <a:rPr lang="en-US" sz="3200" b="0" cap="none" spc="0" dirty="0" smtClean="0">
+              <a:rPr lang="en-US" sz="3200" dirty="0">
                 <a:ln w="0"/>
-                <a:solidFill>
-                  <a:schemeClr val="tx1"/>
-                </a:solidFill>
                 <a:effectLst>
                   <a:outerShdw blurRad="38100" dist="19050" dir="2700000" algn="tl" rotWithShape="0">
                     <a:schemeClr val="dk1">
@@ -7337,11 +5716,8 @@
               </a:rPr>
               <a:t>Index</a:t>
             </a:r>
-            <a:endParaRPr lang="en-US" sz="3200" b="0" cap="none" spc="0" dirty="0">
+            <a:endParaRPr lang="en-US" sz="3200" dirty="0">
               <a:ln w="0"/>
-              <a:solidFill>
-                <a:schemeClr val="tx1"/>
-              </a:solidFill>
               <a:effectLst>
                 <a:outerShdw blurRad="38100" dist="19050" dir="2700000" algn="tl" rotWithShape="0">
                   <a:schemeClr val="dk1">
@@ -7378,7 +5754,7 @@
         </p:blipFill>
         <p:spPr bwMode="auto">
           <a:xfrm>
-            <a:off x="634049" y="1591292"/>
+            <a:off x="2158049" y="1591293"/>
             <a:ext cx="1731152" cy="999995"/>
           </a:xfrm>
           <a:prstGeom prst="rect">
@@ -7441,7 +5817,7 @@
         </p:blipFill>
         <p:spPr>
           <a:xfrm>
-            <a:off x="3007803" y="1429222"/>
+            <a:off x="4531803" y="1429222"/>
             <a:ext cx="1324134" cy="1324134"/>
           </a:xfrm>
           <a:prstGeom prst="rect">
@@ -7473,7 +5849,7 @@
         </p:blipFill>
         <p:spPr>
           <a:xfrm>
-            <a:off x="4974539" y="1489999"/>
+            <a:off x="6498539" y="1490000"/>
             <a:ext cx="1353578" cy="1202581"/>
           </a:xfrm>
           <a:prstGeom prst="rect">
@@ -7506,7 +5882,7 @@
         </p:blipFill>
         <p:spPr bwMode="auto">
           <a:xfrm>
-            <a:off x="6970719" y="1307259"/>
+            <a:off x="8494720" y="1307260"/>
             <a:ext cx="1568061" cy="1568061"/>
           </a:xfrm>
           <a:prstGeom prst="rect">
@@ -7534,6 +5910,18 @@
   <p:clrMapOvr>
     <a:masterClrMapping/>
   </p:clrMapOvr>
+  <mc:AlternateContent xmlns:mc="http://schemas.openxmlformats.org/markup-compatibility/2006">
+    <mc:Choice xmlns:p14="http://schemas.microsoft.com/office/powerpoint/2010/main" Requires="p14">
+      <p:transition spd="med" p14:dur="700">
+        <p:fade/>
+      </p:transition>
+    </mc:Choice>
+    <mc:Fallback>
+      <p:transition spd="med">
+        <p:fade/>
+      </p:transition>
+    </mc:Fallback>
+  </mc:AlternateContent>
   <p:timing>
     <p:tnLst>
       <p:par>
@@ -7544,7 +5932,7 @@
 </p:sld>
 </file>
 
-<file path=ppt/slides/slide22.xml><?xml version="1.0" encoding="utf-8"?>
+<file path=ppt/slides/slide18.xml><?xml version="1.0" encoding="utf-8"?>
 <p:sld xmlns:a="http://schemas.openxmlformats.org/drawingml/2006/main" xmlns:r="http://schemas.openxmlformats.org/officeDocument/2006/relationships" xmlns:p="http://schemas.openxmlformats.org/presentationml/2006/main">
   <p:cSld>
     <p:spTree>
@@ -7569,7 +5957,7 @@
         </p:nvSpPr>
         <p:spPr>
           <a:xfrm>
-            <a:off x="8502556" y="190220"/>
+            <a:off x="10026557" y="190220"/>
             <a:ext cx="534121" cy="369332"/>
           </a:xfrm>
           <a:prstGeom prst="rect">
@@ -7584,7 +5972,7 @@
           <a:lstStyle/>
           <a:p>
             <a:r>
-              <a:rPr lang="en-US" dirty="0" smtClean="0"/>
+              <a:rPr lang="en-US" dirty="0"/>
               <a:t>#17</a:t>
             </a:r>
             <a:endParaRPr lang="en-US" dirty="0"/>
@@ -7614,7 +6002,7 @@
         </p:blipFill>
         <p:spPr bwMode="auto">
           <a:xfrm>
-            <a:off x="604787" y="1593901"/>
+            <a:off x="2128787" y="1593901"/>
             <a:ext cx="2820834" cy="1974584"/>
           </a:xfrm>
           <a:prstGeom prst="rect">
@@ -7655,7 +6043,7 @@
         </p:blipFill>
         <p:spPr bwMode="auto">
           <a:xfrm>
-            <a:off x="5444836" y="4294742"/>
+            <a:off x="6968837" y="4294743"/>
             <a:ext cx="2070229" cy="2070229"/>
           </a:xfrm>
           <a:prstGeom prst="rect">
@@ -7681,7 +6069,7 @@
         </p:nvGrpSpPr>
         <p:grpSpPr>
           <a:xfrm>
-            <a:off x="971066" y="4294742"/>
+            <a:off x="2495067" y="4294742"/>
             <a:ext cx="2088279" cy="2088278"/>
             <a:chOff x="829753" y="4025635"/>
             <a:chExt cx="2363837" cy="2363836"/>
@@ -8352,7 +6740,7 @@
         </p:nvSpPr>
         <p:spPr>
           <a:xfrm>
-            <a:off x="3805298" y="2238574"/>
+            <a:off x="5329299" y="2238575"/>
             <a:ext cx="893585" cy="685237"/>
           </a:xfrm>
           <a:prstGeom prst="rightArrow">
@@ -8391,7 +6779,7 @@
         </p:nvSpPr>
         <p:spPr>
           <a:xfrm>
-            <a:off x="3805298" y="5005287"/>
+            <a:off x="5329299" y="5005288"/>
             <a:ext cx="893585" cy="685237"/>
           </a:xfrm>
           <a:prstGeom prst="rightArrow">
@@ -8445,7 +6833,7 @@
         </p:blipFill>
         <p:spPr bwMode="auto">
           <a:xfrm>
-            <a:off x="4723549" y="1071299"/>
+            <a:off x="6247549" y="1071299"/>
             <a:ext cx="3512802" cy="2334550"/>
           </a:xfrm>
           <a:prstGeom prst="rect">
@@ -8473,13 +6861,13 @@
   <p:clrMapOvr>
     <a:masterClrMapping/>
   </p:clrMapOvr>
-  <mc:AlternateContent xmlns:mc="http://schemas.openxmlformats.org/markup-compatibility/2006" xmlns:p14="http://schemas.microsoft.com/office/powerpoint/2010/main">
-    <mc:Choice Requires="p14">
+  <mc:AlternateContent xmlns:mc="http://schemas.openxmlformats.org/markup-compatibility/2006">
+    <mc:Choice xmlns:p14="http://schemas.microsoft.com/office/powerpoint/2010/main" Requires="p14">
       <p:transition spd="med" p14:dur="700">
         <p:fade/>
       </p:transition>
     </mc:Choice>
-    <mc:Fallback xmlns="">
+    <mc:Fallback>
       <p:transition spd="med">
         <p:fade/>
       </p:transition>
@@ -8495,7 +6883,7 @@
 </p:sld>
 </file>
 
-<file path=ppt/slides/slide23.xml><?xml version="1.0" encoding="utf-8"?>
+<file path=ppt/slides/slide19.xml><?xml version="1.0" encoding="utf-8"?>
 <p:sld xmlns:a="http://schemas.openxmlformats.org/drawingml/2006/main" xmlns:r="http://schemas.openxmlformats.org/officeDocument/2006/relationships" xmlns:p="http://schemas.openxmlformats.org/presentationml/2006/main">
   <p:cSld>
     <p:spTree>
@@ -8547,7 +6935,7 @@
         </p:nvSpPr>
         <p:spPr>
           <a:xfrm>
-            <a:off x="553161" y="2379212"/>
+            <a:off x="2077161" y="2379212"/>
             <a:ext cx="8037678" cy="4145270"/>
           </a:xfrm>
         </p:spPr>
@@ -8558,38 +6946,38 @@
           <a:lstStyle/>
           <a:p>
             <a:r>
-              <a:rPr lang="en-US" sz="2000" dirty="0" smtClean="0"/>
+              <a:rPr lang="en-US" sz="2000" dirty="0"/>
               <a:t>Dynamic Destination Addresses</a:t>
             </a:r>
           </a:p>
           <a:p>
             <a:pPr lvl="1"/>
             <a:r>
-              <a:rPr lang="en-US" sz="1700" dirty="0" smtClean="0"/>
+              <a:rPr lang="en-US" sz="1700" dirty="0"/>
               <a:t>Clients can change their address while the parcel/package in delivery</a:t>
             </a:r>
           </a:p>
           <a:p>
             <a:pPr lvl="1"/>
             <a:r>
-              <a:rPr lang="en-US" sz="1700" dirty="0" smtClean="0"/>
+              <a:rPr lang="en-US" sz="1700" dirty="0"/>
               <a:t>Can add rules for the destination address</a:t>
             </a:r>
           </a:p>
           <a:p>
             <a:pPr lvl="1"/>
-            <a:endParaRPr lang="en-US" sz="1700" dirty="0" smtClean="0"/>
-          </a:p>
-          <a:p>
-            <a:r>
-              <a:rPr lang="en-US" sz="2000" dirty="0" smtClean="0"/>
+            <a:endParaRPr lang="en-US" sz="1700" dirty="0"/>
+          </a:p>
+          <a:p>
+            <a:r>
+              <a:rPr lang="en-US" sz="2000" dirty="0"/>
               <a:t>Provide Cash on Delivery Service</a:t>
             </a:r>
           </a:p>
           <a:p>
             <a:pPr lvl="1"/>
             <a:r>
-              <a:rPr lang="en-US" sz="1700" dirty="0" smtClean="0"/>
+              <a:rPr lang="en-US" sz="1700" dirty="0"/>
               <a:t>The client can pay using his/her bank account through the app.</a:t>
             </a:r>
           </a:p>
@@ -8597,20 +6985,20 @@
             <a:pPr marL="342900" lvl="1" indent="0">
               <a:buNone/>
             </a:pPr>
-            <a:endParaRPr lang="en-US" sz="1700" dirty="0" smtClean="0"/>
-          </a:p>
-          <a:p>
-            <a:r>
-              <a:rPr lang="en-US" sz="2000" dirty="0" smtClean="0"/>
+            <a:endParaRPr lang="en-US" sz="1700" dirty="0"/>
+          </a:p>
+          <a:p>
+            <a:r>
+              <a:rPr lang="en-US" sz="2000" dirty="0"/>
               <a:t>The mobile app can analyze its previous data and correctly estimate a high precision delivery time from one location to other.</a:t>
             </a:r>
           </a:p>
           <a:p>
-            <a:endParaRPr lang="en-US" sz="2000" dirty="0" smtClean="0"/>
-          </a:p>
-          <a:p>
-            <a:r>
-              <a:rPr lang="en-US" sz="2000" dirty="0" smtClean="0"/>
+            <a:endParaRPr lang="en-US" sz="2000" dirty="0"/>
+          </a:p>
+          <a:p>
+            <a:r>
+              <a:rPr lang="en-US" sz="2000" dirty="0"/>
               <a:t>GPS enabled tracking device for delivery vehicles.</a:t>
             </a:r>
             <a:endParaRPr lang="en-US" sz="2000" dirty="0"/>
@@ -8627,7 +7015,7 @@
         </p:nvSpPr>
         <p:spPr bwMode="auto">
           <a:xfrm>
-            <a:off x="63500" y="-136525"/>
+            <a:off x="1587500" y="-136525"/>
             <a:ext cx="304800" cy="304800"/>
           </a:xfrm>
           <a:prstGeom prst="rect">
@@ -8679,7 +7067,7 @@
         </p:blipFill>
         <p:spPr bwMode="auto">
           <a:xfrm>
-            <a:off x="5322642" y="145550"/>
+            <a:off x="6846642" y="145550"/>
             <a:ext cx="2919564" cy="2402006"/>
           </a:xfrm>
           <a:prstGeom prst="rect">
@@ -8705,7 +7093,7 @@
         </p:nvSpPr>
         <p:spPr>
           <a:xfrm>
-            <a:off x="8502556" y="190220"/>
+            <a:off x="10026557" y="190220"/>
             <a:ext cx="534121" cy="369332"/>
           </a:xfrm>
           <a:prstGeom prst="rect">
@@ -8720,7 +7108,7 @@
           <a:lstStyle/>
           <a:p>
             <a:r>
-              <a:rPr lang="en-US" dirty="0" smtClean="0"/>
+              <a:rPr lang="en-US" dirty="0"/>
               <a:t>#18</a:t>
             </a:r>
             <a:endParaRPr lang="en-US" dirty="0"/>
@@ -8737,13 +7125,13 @@
   <p:clrMapOvr>
     <a:masterClrMapping/>
   </p:clrMapOvr>
-  <mc:AlternateContent xmlns:mc="http://schemas.openxmlformats.org/markup-compatibility/2006" xmlns:p14="http://schemas.microsoft.com/office/powerpoint/2010/main">
-    <mc:Choice Requires="p14">
+  <mc:AlternateContent xmlns:mc="http://schemas.openxmlformats.org/markup-compatibility/2006">
+    <mc:Choice xmlns:p14="http://schemas.microsoft.com/office/powerpoint/2010/main" Requires="p14">
       <p:transition spd="med" p14:dur="700">
         <p:fade/>
       </p:transition>
     </mc:Choice>
-    <mc:Fallback xmlns="">
+    <mc:Fallback>
       <p:transition spd="med">
         <p:fade/>
       </p:transition>
@@ -8759,7 +7147,7 @@
 </p:sld>
 </file>
 
-<file path=ppt/slides/slide24.xml><?xml version="1.0" encoding="utf-8"?>
+<file path=ppt/slides/slide2.xml><?xml version="1.0" encoding="utf-8"?>
 <p:sld xmlns:a="http://schemas.openxmlformats.org/drawingml/2006/main" xmlns:r="http://schemas.openxmlformats.org/officeDocument/2006/relationships" xmlns:p="http://schemas.openxmlformats.org/presentationml/2006/main">
   <p:cSld>
     <p:spTree>
@@ -8778,6 +7166,239 @@
       </p:grpSpPr>
       <p:sp>
         <p:nvSpPr>
+          <p:cNvPr id="5" name="TextBox 4"/>
+          <p:cNvSpPr txBox="1"/>
+          <p:nvPr/>
+        </p:nvSpPr>
+        <p:spPr>
+          <a:xfrm>
+            <a:off x="3762232" y="559553"/>
+            <a:ext cx="5036024" cy="1323439"/>
+          </a:xfrm>
+          <a:prstGeom prst="rect">
+            <a:avLst/>
+          </a:prstGeom>
+          <a:noFill/>
+        </p:spPr>
+        <p:txBody>
+          <a:bodyPr wrap="square" rtlCol="0">
+            <a:spAutoFit/>
+          </a:bodyPr>
+          <a:lstStyle/>
+          <a:p>
+            <a:pPr algn="ctr"/>
+            <a:r>
+              <a:rPr lang="en-US" sz="3600" dirty="0">
+                <a:ln w="0"/>
+              </a:rPr>
+              <a:t>Do you prefer </a:t>
+            </a:r>
+            <a:endParaRPr lang="en-US" sz="3600" dirty="0">
+              <a:ln w="0"/>
+            </a:endParaRPr>
+          </a:p>
+          <a:p>
+            <a:pPr algn="ctr"/>
+            <a:r>
+              <a:rPr lang="en-US" sz="4400" dirty="0">
+                <a:ln w="0"/>
+                <a:effectLst>
+                  <a:outerShdw blurRad="38100" dist="19050" dir="2700000" algn="tl" rotWithShape="0">
+                    <a:schemeClr val="dk1">
+                      <a:alpha val="40000"/>
+                    </a:schemeClr>
+                  </a:outerShdw>
+                </a:effectLst>
+              </a:rPr>
+              <a:t>Online Shopping ? </a:t>
+            </a:r>
+            <a:endParaRPr lang="en-US" sz="4400" dirty="0">
+              <a:ln w="0"/>
+              <a:effectLst>
+                <a:outerShdw blurRad="38100" dist="19050" dir="2700000" algn="tl" rotWithShape="0">
+                  <a:schemeClr val="dk1">
+                    <a:alpha val="40000"/>
+                  </a:schemeClr>
+                </a:outerShdw>
+              </a:effectLst>
+            </a:endParaRPr>
+          </a:p>
+        </p:txBody>
+      </p:sp>
+      <p:sp>
+        <p:nvSpPr>
+          <p:cNvPr id="6" name="TextBox 5"/>
+          <p:cNvSpPr txBox="1"/>
+          <p:nvPr/>
+        </p:nvSpPr>
+        <p:spPr>
+          <a:xfrm>
+            <a:off x="4753222" y="2001995"/>
+            <a:ext cx="3054041" cy="523220"/>
+          </a:xfrm>
+          <a:prstGeom prst="rect">
+            <a:avLst/>
+          </a:prstGeom>
+          <a:noFill/>
+        </p:spPr>
+        <p:txBody>
+          <a:bodyPr wrap="none" rtlCol="0">
+            <a:spAutoFit/>
+          </a:bodyPr>
+          <a:lstStyle/>
+          <a:p>
+            <a:pPr algn="ctr"/>
+            <a:r>
+              <a:rPr lang="en-US" sz="2800" dirty="0"/>
+              <a:t>1. Yes	   	   2. No</a:t>
+            </a:r>
+            <a:endParaRPr lang="en-US" sz="2800" dirty="0"/>
+          </a:p>
+        </p:txBody>
+      </p:sp>
+      <p:pic>
+        <p:nvPicPr>
+          <p:cNvPr id="2052" name="Picture 4" descr="Image result for online shopping"/>
+          <p:cNvPicPr>
+            <a:picLocks noChangeAspect="1" noChangeArrowheads="1"/>
+          </p:cNvPicPr>
+          <p:nvPr/>
+        </p:nvPicPr>
+        <p:blipFill>
+          <a:blip r:embed="rId2">
+            <a:extLst>
+              <a:ext uri="{28A0092B-C50C-407E-A947-70E740481C1C}">
+                <a14:useLocalDpi xmlns:a14="http://schemas.microsoft.com/office/drawing/2010/main" val="0"/>
+              </a:ext>
+            </a:extLst>
+          </a:blip>
+          <a:srcRect/>
+          <a:stretch>
+            <a:fillRect/>
+          </a:stretch>
+        </p:blipFill>
+        <p:spPr bwMode="auto">
+          <a:xfrm>
+            <a:off x="2632876" y="2944471"/>
+            <a:ext cx="7294730" cy="4213780"/>
+          </a:xfrm>
+          <a:prstGeom prst="rect">
+            <a:avLst/>
+          </a:prstGeom>
+          <a:solidFill>
+            <a:srgbClr val="FFFFFF">
+              <a:shade val="85000"/>
+            </a:srgbClr>
+          </a:solidFill>
+          <a:ln w="88900" cap="sq">
+            <a:solidFill>
+              <a:srgbClr val="FFFFFF"/>
+            </a:solidFill>
+            <a:miter lim="800000"/>
+          </a:ln>
+          <a:effectLst>
+            <a:outerShdw blurRad="55000" dist="18000" dir="5400000" algn="tl" rotWithShape="0">
+              <a:srgbClr val="000000">
+                <a:alpha val="40000"/>
+              </a:srgbClr>
+            </a:outerShdw>
+          </a:effectLst>
+          <a:scene3d>
+            <a:camera prst="orthographicFront"/>
+            <a:lightRig rig="twoPt" dir="t">
+              <a:rot lat="0" lon="0" rev="7200000"/>
+            </a:lightRig>
+          </a:scene3d>
+          <a:sp3d>
+            <a:bevelT w="25400" h="19050"/>
+            <a:contourClr>
+              <a:srgbClr val="FFFFFF"/>
+            </a:contourClr>
+          </a:sp3d>
+          <a:extLst/>
+        </p:spPr>
+      </p:pic>
+      <p:sp>
+        <p:nvSpPr>
+          <p:cNvPr id="7" name="TextBox 6"/>
+          <p:cNvSpPr txBox="1"/>
+          <p:nvPr/>
+        </p:nvSpPr>
+        <p:spPr>
+          <a:xfrm>
+            <a:off x="10026556" y="190220"/>
+            <a:ext cx="417102" cy="369332"/>
+          </a:xfrm>
+          <a:prstGeom prst="rect">
+            <a:avLst/>
+          </a:prstGeom>
+          <a:noFill/>
+        </p:spPr>
+        <p:txBody>
+          <a:bodyPr wrap="none" rtlCol="0">
+            <a:spAutoFit/>
+          </a:bodyPr>
+          <a:lstStyle/>
+          <a:p>
+            <a:r>
+              <a:rPr lang="en-US" dirty="0"/>
+              <a:t>#1</a:t>
+            </a:r>
+            <a:endParaRPr lang="en-US" dirty="0"/>
+          </a:p>
+        </p:txBody>
+      </p:sp>
+    </p:spTree>
+    <p:extLst>
+      <p:ext uri="{BB962C8B-B14F-4D97-AF65-F5344CB8AC3E}">
+        <p14:creationId xmlns:p14="http://schemas.microsoft.com/office/powerpoint/2010/main" val="3592073109"/>
+      </p:ext>
+    </p:extLst>
+  </p:cSld>
+  <p:clrMapOvr>
+    <a:masterClrMapping/>
+  </p:clrMapOvr>
+  <mc:AlternateContent xmlns:mc="http://schemas.openxmlformats.org/markup-compatibility/2006">
+    <mc:Choice xmlns:p14="http://schemas.microsoft.com/office/powerpoint/2010/main" Requires="p14">
+      <p:transition spd="med" p14:dur="700">
+        <p:fade/>
+      </p:transition>
+    </mc:Choice>
+    <mc:Fallback>
+      <p:transition spd="med">
+        <p:fade/>
+      </p:transition>
+    </mc:Fallback>
+  </mc:AlternateContent>
+  <p:timing>
+    <p:tnLst>
+      <p:par>
+        <p:cTn id="1" dur="indefinite" restart="never" nodeType="tmRoot"/>
+      </p:par>
+    </p:tnLst>
+  </p:timing>
+</p:sld>
+</file>
+
+<file path=ppt/slides/slide20.xml><?xml version="1.0" encoding="utf-8"?>
+<p:sld xmlns:a="http://schemas.openxmlformats.org/drawingml/2006/main" xmlns:r="http://schemas.openxmlformats.org/officeDocument/2006/relationships" xmlns:p="http://schemas.openxmlformats.org/presentationml/2006/main">
+  <p:cSld>
+    <p:spTree>
+      <p:nvGrpSpPr>
+        <p:cNvPr id="1" name=""/>
+        <p:cNvGrpSpPr/>
+        <p:nvPr/>
+      </p:nvGrpSpPr>
+      <p:grpSpPr>
+        <a:xfrm>
+          <a:off x="0" y="0"/>
+          <a:ext cx="0" cy="0"/>
+          <a:chOff x="0" y="0"/>
+          <a:chExt cx="0" cy="0"/>
+        </a:xfrm>
+      </p:grpSpPr>
+      <p:sp>
+        <p:nvSpPr>
           <p:cNvPr id="2" name="Title 1"/>
           <p:cNvSpPr>
             <a:spLocks noGrp="1"/>
@@ -8811,7 +7432,7 @@
         </p:nvSpPr>
         <p:spPr>
           <a:xfrm>
-            <a:off x="628650" y="1825625"/>
+            <a:off x="2152650" y="1825625"/>
             <a:ext cx="7886700" cy="4616118"/>
           </a:xfrm>
         </p:spPr>
@@ -8822,22 +7443,22 @@
           <a:lstStyle/>
           <a:p>
             <a:r>
-              <a:rPr lang="en-US" sz="2000" dirty="0" smtClean="0"/>
+              <a:rPr lang="en-US" sz="2000" dirty="0"/>
               <a:t>HTML, JavaScript (jQuery) &amp; CSS for frontend development</a:t>
             </a:r>
           </a:p>
           <a:p>
             <a:r>
-              <a:rPr lang="en-US" sz="2000" dirty="0" smtClean="0"/>
+              <a:rPr lang="en-US" sz="2000" dirty="0"/>
               <a:t>PHP, MySQL for backend development</a:t>
             </a:r>
           </a:p>
           <a:p>
-            <a:endParaRPr lang="en-US" sz="2000" dirty="0" smtClean="0"/>
-          </a:p>
-          <a:p>
-            <a:r>
-              <a:rPr lang="en-US" sz="2000" dirty="0" smtClean="0"/>
+            <a:endParaRPr lang="en-US" sz="2000" dirty="0"/>
+          </a:p>
+          <a:p>
+            <a:r>
+              <a:rPr lang="en-US" sz="2000" dirty="0"/>
               <a:t>HTTP Restful APIs (JSON)</a:t>
             </a:r>
           </a:p>
@@ -8846,7 +7467,7 @@
           </a:p>
           <a:p>
             <a:r>
-              <a:rPr lang="en-US" sz="2000" dirty="0" smtClean="0"/>
+              <a:rPr lang="en-US" sz="2000" dirty="0"/>
               <a:t>Apache Cordova for Mobile App Development </a:t>
             </a:r>
           </a:p>
@@ -8855,15 +7476,15 @@
               <a:buNone/>
             </a:pPr>
             <a:r>
-              <a:rPr lang="en-US" sz="1700" dirty="0" smtClean="0"/>
+              <a:rPr lang="en-US" sz="1700" dirty="0"/>
               <a:t>(Supports hybrid mobile app development; Android, Windows &amp; </a:t>
             </a:r>
             <a:r>
-              <a:rPr lang="en-US" sz="1700" dirty="0" err="1" smtClean="0"/>
+              <a:rPr lang="en-US" sz="1700" dirty="0" err="1"/>
               <a:t>iOS</a:t>
             </a:r>
             <a:r>
-              <a:rPr lang="en-US" sz="1700" dirty="0" smtClean="0"/>
+              <a:rPr lang="en-US" sz="1700" dirty="0"/>
               <a:t> )</a:t>
             </a:r>
             <a:endParaRPr lang="en-US" sz="1700" dirty="0"/>
@@ -8893,7 +7514,7 @@
         </p:blipFill>
         <p:spPr bwMode="auto">
           <a:xfrm>
-            <a:off x="628650" y="5432210"/>
+            <a:off x="2152651" y="5432210"/>
             <a:ext cx="1879219" cy="1100198"/>
           </a:xfrm>
           <a:prstGeom prst="rect">
@@ -8933,7 +7554,7 @@
         </p:blipFill>
         <p:spPr>
           <a:xfrm>
-            <a:off x="4361669" y="5257212"/>
+            <a:off x="5885669" y="5257212"/>
             <a:ext cx="1450194" cy="1450194"/>
           </a:xfrm>
           <a:prstGeom prst="rect">
@@ -8964,7 +7585,7 @@
         </p:blipFill>
         <p:spPr bwMode="auto">
           <a:xfrm>
-            <a:off x="7200971" y="5329764"/>
+            <a:off x="8724972" y="5329765"/>
             <a:ext cx="1160081" cy="1305091"/>
           </a:xfrm>
           <a:prstGeom prst="rect">
@@ -9005,7 +7626,7 @@
         </p:blipFill>
         <p:spPr bwMode="auto">
           <a:xfrm>
-            <a:off x="6058766" y="5534658"/>
+            <a:off x="7582767" y="5534659"/>
             <a:ext cx="895303" cy="895303"/>
           </a:xfrm>
           <a:prstGeom prst="rect">
@@ -9046,7 +7667,7 @@
         </p:blipFill>
         <p:spPr bwMode="auto">
           <a:xfrm>
-            <a:off x="2754772" y="5472311"/>
+            <a:off x="4278772" y="5472311"/>
             <a:ext cx="1359994" cy="1019996"/>
           </a:xfrm>
           <a:prstGeom prst="rect">
@@ -9072,7 +7693,7 @@
         </p:nvSpPr>
         <p:spPr>
           <a:xfrm>
-            <a:off x="8502556" y="190220"/>
+            <a:off x="10026557" y="190220"/>
             <a:ext cx="534121" cy="369332"/>
           </a:xfrm>
           <a:prstGeom prst="rect">
@@ -9087,7 +7708,7 @@
           <a:lstStyle/>
           <a:p>
             <a:r>
-              <a:rPr lang="en-US" dirty="0" smtClean="0"/>
+              <a:rPr lang="en-US" dirty="0"/>
               <a:t>#19</a:t>
             </a:r>
             <a:endParaRPr lang="en-US" dirty="0"/>
@@ -9104,13 +7725,13 @@
   <p:clrMapOvr>
     <a:masterClrMapping/>
   </p:clrMapOvr>
-  <mc:AlternateContent xmlns:mc="http://schemas.openxmlformats.org/markup-compatibility/2006" xmlns:p14="http://schemas.microsoft.com/office/powerpoint/2010/main">
-    <mc:Choice Requires="p14">
+  <mc:AlternateContent xmlns:mc="http://schemas.openxmlformats.org/markup-compatibility/2006">
+    <mc:Choice xmlns:p14="http://schemas.microsoft.com/office/powerpoint/2010/main" Requires="p14">
       <p:transition spd="med" p14:dur="700">
         <p:fade/>
       </p:transition>
     </mc:Choice>
-    <mc:Fallback xmlns="">
+    <mc:Fallback>
       <p:transition spd="med">
         <p:fade/>
       </p:transition>
@@ -9126,7 +7747,7 @@
 </p:sld>
 </file>
 
-<file path=ppt/slides/slide25.xml><?xml version="1.0" encoding="utf-8"?>
+<file path=ppt/slides/slide21.xml><?xml version="1.0" encoding="utf-8"?>
 <p:sld xmlns:a="http://schemas.openxmlformats.org/drawingml/2006/main" xmlns:r="http://schemas.openxmlformats.org/officeDocument/2006/relationships" xmlns:p="http://schemas.openxmlformats.org/presentationml/2006/main">
   <p:cSld>
     <p:spTree>
@@ -9178,7 +7799,7 @@
         </p:nvSpPr>
         <p:spPr>
           <a:xfrm>
-            <a:off x="628650" y="1825625"/>
+            <a:off x="2152650" y="1825625"/>
             <a:ext cx="7886700" cy="1681850"/>
           </a:xfrm>
         </p:spPr>
@@ -9189,37 +7810,37 @@
           <a:lstStyle/>
           <a:p>
             <a:r>
-              <a:rPr lang="en-US" sz="2000" dirty="0" smtClean="0"/>
+              <a:rPr lang="en-US" sz="2000" dirty="0"/>
               <a:t>Develop the essential platform futures</a:t>
             </a:r>
           </a:p>
           <a:p>
             <a:r>
-              <a:rPr lang="en-US" sz="2000" dirty="0" err="1" smtClean="0"/>
+              <a:rPr lang="en-US" sz="2000" dirty="0" err="1"/>
               <a:t>qTrace</a:t>
             </a:r>
             <a:r>
-              <a:rPr lang="en-US" sz="2000" dirty="0" smtClean="0"/>
+              <a:rPr lang="en-US" sz="2000" dirty="0"/>
               <a:t> Deliver App </a:t>
             </a:r>
           </a:p>
           <a:p>
             <a:r>
-              <a:rPr lang="en-US" sz="2000" dirty="0" err="1" smtClean="0"/>
+              <a:rPr lang="en-US" sz="2000" dirty="0" err="1"/>
               <a:t>qTrace</a:t>
             </a:r>
             <a:r>
-              <a:rPr lang="en-US" sz="2000" dirty="0" smtClean="0"/>
+              <a:rPr lang="en-US" sz="2000" dirty="0"/>
               <a:t> Parcel Tracking Site</a:t>
             </a:r>
           </a:p>
           <a:p>
             <a:r>
-              <a:rPr lang="en-US" sz="2000" dirty="0" err="1" smtClean="0"/>
+              <a:rPr lang="en-US" sz="2000" dirty="0" err="1"/>
               <a:t>IoT</a:t>
             </a:r>
             <a:r>
-              <a:rPr lang="en-US" sz="2000" dirty="0" smtClean="0"/>
+              <a:rPr lang="en-US" sz="2000" dirty="0"/>
               <a:t> based tracking device</a:t>
             </a:r>
           </a:p>
@@ -9246,7 +7867,7 @@
         </p:blipFill>
         <p:spPr bwMode="auto">
           <a:xfrm>
-            <a:off x="1856095" y="4133684"/>
+            <a:off x="3380096" y="4133685"/>
             <a:ext cx="5431809" cy="2707093"/>
           </a:xfrm>
           <a:prstGeom prst="rect">
@@ -9272,7 +7893,7 @@
         </p:nvSpPr>
         <p:spPr>
           <a:xfrm>
-            <a:off x="8502556" y="190220"/>
+            <a:off x="10026557" y="190220"/>
             <a:ext cx="534121" cy="369332"/>
           </a:xfrm>
           <a:prstGeom prst="rect">
@@ -9287,7 +7908,7 @@
           <a:lstStyle/>
           <a:p>
             <a:r>
-              <a:rPr lang="en-US" dirty="0" smtClean="0"/>
+              <a:rPr lang="en-US" dirty="0"/>
               <a:t>#20</a:t>
             </a:r>
             <a:endParaRPr lang="en-US" dirty="0"/>
@@ -9304,13 +7925,13 @@
   <p:clrMapOvr>
     <a:masterClrMapping/>
   </p:clrMapOvr>
-  <mc:AlternateContent xmlns:mc="http://schemas.openxmlformats.org/markup-compatibility/2006" xmlns:p14="http://schemas.microsoft.com/office/powerpoint/2010/main">
-    <mc:Choice Requires="p14">
+  <mc:AlternateContent xmlns:mc="http://schemas.openxmlformats.org/markup-compatibility/2006">
+    <mc:Choice xmlns:p14="http://schemas.microsoft.com/office/powerpoint/2010/main" Requires="p14">
       <p:transition spd="med" p14:dur="700">
         <p:fade/>
       </p:transition>
     </mc:Choice>
-    <mc:Fallback xmlns="">
+    <mc:Fallback>
       <p:transition spd="med">
         <p:fade/>
       </p:transition>
@@ -9326,7 +7947,7 @@
 </p:sld>
 </file>
 
-<file path=ppt/slides/slide26.xml><?xml version="1.0" encoding="utf-8"?>
+<file path=ppt/slides/slide22.xml><?xml version="1.0" encoding="utf-8"?>
 <p:sld xmlns:a="http://schemas.openxmlformats.org/drawingml/2006/main" xmlns:r="http://schemas.openxmlformats.org/officeDocument/2006/relationships" xmlns:p="http://schemas.openxmlformats.org/presentationml/2006/main">
   <p:cSld>
     <p:spTree>
@@ -9364,7 +7985,7 @@
         </p:blipFill>
         <p:spPr>
           <a:xfrm>
-            <a:off x="0" y="-34376"/>
+            <a:off x="1524001" y="-34376"/>
             <a:ext cx="10185009" cy="6892376"/>
           </a:xfrm>
           <a:prstGeom prst="rect">
@@ -9380,7 +8001,7 @@
         </p:nvSpPr>
         <p:spPr>
           <a:xfrm>
-            <a:off x="8502556" y="190220"/>
+            <a:off x="10026557" y="190220"/>
             <a:ext cx="534121" cy="369332"/>
           </a:xfrm>
           <a:prstGeom prst="rect">
@@ -9395,7 +8016,7 @@
           <a:lstStyle/>
           <a:p>
             <a:r>
-              <a:rPr lang="en-US" dirty="0" smtClean="0"/>
+              <a:rPr lang="en-US" dirty="0"/>
               <a:t>#21</a:t>
             </a:r>
             <a:endParaRPr lang="en-US" dirty="0"/>
@@ -9412,13 +8033,322 @@
   <p:clrMapOvr>
     <a:masterClrMapping/>
   </p:clrMapOvr>
-  <mc:AlternateContent xmlns:mc="http://schemas.openxmlformats.org/markup-compatibility/2006" xmlns:p14="http://schemas.microsoft.com/office/powerpoint/2010/main">
-    <mc:Choice Requires="p14">
+  <mc:AlternateContent xmlns:mc="http://schemas.openxmlformats.org/markup-compatibility/2006">
+    <mc:Choice xmlns:p14="http://schemas.microsoft.com/office/powerpoint/2010/main" Requires="p14">
       <p:transition spd="med" p14:dur="700">
         <p:fade/>
       </p:transition>
     </mc:Choice>
-    <mc:Fallback xmlns="">
+    <mc:Fallback>
+      <p:transition spd="med">
+        <p:fade/>
+      </p:transition>
+    </mc:Fallback>
+  </mc:AlternateContent>
+  <p:timing>
+    <p:tnLst>
+      <p:par>
+        <p:cTn id="1" dur="indefinite" restart="never" nodeType="tmRoot"/>
+      </p:par>
+    </p:tnLst>
+  </p:timing>
+</p:sld>
+</file>
+
+<file path=ppt/slides/slide23.xml><?xml version="1.0" encoding="utf-8"?>
+<p:sld xmlns:a="http://schemas.openxmlformats.org/drawingml/2006/main" xmlns:r="http://schemas.openxmlformats.org/officeDocument/2006/relationships" xmlns:p="http://schemas.openxmlformats.org/presentationml/2006/main">
+  <p:cSld>
+    <p:spTree>
+      <p:nvGrpSpPr>
+        <p:cNvPr id="1" name=""/>
+        <p:cNvGrpSpPr/>
+        <p:nvPr/>
+      </p:nvGrpSpPr>
+      <p:grpSpPr>
+        <a:xfrm>
+          <a:off x="0" y="0"/>
+          <a:ext cx="0" cy="0"/>
+          <a:chOff x="0" y="0"/>
+          <a:chExt cx="0" cy="0"/>
+        </a:xfrm>
+      </p:grpSpPr>
+      <p:sp>
+        <p:nvSpPr>
+          <p:cNvPr id="4" name="Title 1"/>
+          <p:cNvSpPr txBox="1">
+            <a:spLocks/>
+          </p:cNvSpPr>
+          <p:nvPr/>
+        </p:nvSpPr>
+        <p:spPr>
+          <a:xfrm>
+            <a:off x="2305050" y="517527"/>
+            <a:ext cx="7886700" cy="1325563"/>
+          </a:xfrm>
+          <a:prstGeom prst="rect">
+            <a:avLst/>
+          </a:prstGeom>
+        </p:spPr>
+        <p:txBody>
+          <a:bodyPr vert="horz" lIns="91440" tIns="45720" rIns="91440" bIns="45720" rtlCol="0" anchor="ctr">
+            <a:normAutofit/>
+          </a:bodyPr>
+          <a:lstStyle>
+            <a:lvl1pPr algn="l" defTabSz="685800" rtl="0" eaLnBrk="1" latinLnBrk="0" hangingPunct="1">
+              <a:lnSpc>
+                <a:spcPct val="90000"/>
+              </a:lnSpc>
+              <a:spcBef>
+                <a:spcPct val="0"/>
+              </a:spcBef>
+              <a:buNone/>
+              <a:defRPr sz="3300" kern="1200">
+                <a:solidFill>
+                  <a:schemeClr val="tx1"/>
+                </a:solidFill>
+                <a:latin typeface="+mj-lt"/>
+                <a:ea typeface="+mj-ea"/>
+                <a:cs typeface="+mj-cs"/>
+              </a:defRPr>
+            </a:lvl1pPr>
+          </a:lstStyle>
+          <a:p>
+            <a:r>
+              <a:rPr lang="en-US" b="1" dirty="0"/>
+              <a:t>What are the advantages ?</a:t>
+            </a:r>
+            <a:endParaRPr lang="en-US" b="1" dirty="0"/>
+          </a:p>
+        </p:txBody>
+      </p:sp>
+      <p:pic>
+        <p:nvPicPr>
+          <p:cNvPr id="1026" name="Picture 2" descr="Image result for advantages"/>
+          <p:cNvPicPr>
+            <a:picLocks noChangeAspect="1" noChangeArrowheads="1"/>
+          </p:cNvPicPr>
+          <p:nvPr/>
+        </p:nvPicPr>
+        <p:blipFill>
+          <a:blip r:embed="rId2">
+            <a:extLst>
+              <a:ext uri="{28A0092B-C50C-407E-A947-70E740481C1C}">
+                <a14:useLocalDpi xmlns:a14="http://schemas.microsoft.com/office/drawing/2010/main" val="0"/>
+              </a:ext>
+            </a:extLst>
+          </a:blip>
+          <a:srcRect/>
+          <a:stretch>
+            <a:fillRect/>
+          </a:stretch>
+        </p:blipFill>
+        <p:spPr bwMode="auto">
+          <a:xfrm>
+            <a:off x="7580146" y="357141"/>
+            <a:ext cx="2611604" cy="2611604"/>
+          </a:xfrm>
+          <a:prstGeom prst="rect">
+            <a:avLst/>
+          </a:prstGeom>
+          <a:noFill/>
+          <a:extLst>
+            <a:ext uri="{909E8E84-426E-40DD-AFC4-6F175D3DCCD1}">
+              <a14:hiddenFill xmlns:a14="http://schemas.microsoft.com/office/drawing/2010/main">
+                <a:solidFill>
+                  <a:srgbClr val="FFFFFF"/>
+                </a:solidFill>
+              </a14:hiddenFill>
+            </a:ext>
+          </a:extLst>
+        </p:spPr>
+      </p:pic>
+      <p:sp>
+        <p:nvSpPr>
+          <p:cNvPr id="8" name="Content Placeholder 2"/>
+          <p:cNvSpPr>
+            <a:spLocks noGrp="1"/>
+          </p:cNvSpPr>
+          <p:nvPr>
+            <p:ph idx="1"/>
+          </p:nvPr>
+        </p:nvSpPr>
+        <p:spPr>
+          <a:xfrm>
+            <a:off x="2077161" y="2133553"/>
+            <a:ext cx="8037678" cy="4145270"/>
+          </a:xfrm>
+        </p:spPr>
+        <p:txBody>
+          <a:bodyPr>
+            <a:normAutofit/>
+          </a:bodyPr>
+          <a:lstStyle/>
+          <a:p>
+            <a:r>
+              <a:rPr lang="en-US" sz="2000" b="1" dirty="0"/>
+              <a:t>Reliability</a:t>
+            </a:r>
+          </a:p>
+          <a:p>
+            <a:pPr marL="0" indent="0">
+              <a:buNone/>
+            </a:pPr>
+            <a:r>
+              <a:rPr lang="en-US" sz="2000" dirty="0"/>
+              <a:t>	- </a:t>
+            </a:r>
+            <a:r>
+              <a:rPr lang="en-US" sz="2000" i="1" dirty="0"/>
+              <a:t>Always there is a person with responsibility.</a:t>
+            </a:r>
+          </a:p>
+          <a:p>
+            <a:pPr marL="0" indent="0">
+              <a:buNone/>
+            </a:pPr>
+            <a:r>
+              <a:rPr lang="en-US" sz="2000" i="1" dirty="0"/>
+              <a:t>	</a:t>
+            </a:r>
+            <a:r>
+              <a:rPr lang="en-US" sz="2000" i="1" dirty="0"/>
+              <a:t>- Can avoid parcel lost.</a:t>
+            </a:r>
+          </a:p>
+          <a:p>
+            <a:pPr marL="0" indent="0">
+              <a:buNone/>
+            </a:pPr>
+            <a:endParaRPr lang="en-US" sz="2000" i="1" dirty="0"/>
+          </a:p>
+          <a:p>
+            <a:r>
+              <a:rPr lang="en-US" sz="2000" b="1" dirty="0"/>
+              <a:t>Transparent service for both sellers and buyers</a:t>
+            </a:r>
+          </a:p>
+          <a:p>
+            <a:pPr marL="0" indent="0">
+              <a:buNone/>
+            </a:pPr>
+            <a:r>
+              <a:rPr lang="en-US" sz="2000" dirty="0"/>
+              <a:t>	</a:t>
+            </a:r>
+            <a:endParaRPr lang="en-US" sz="1700" dirty="0"/>
+          </a:p>
+          <a:p>
+            <a:r>
+              <a:rPr lang="en-US" sz="2000" b="1" dirty="0"/>
+              <a:t>Dynamic Destination Address</a:t>
+            </a:r>
+          </a:p>
+          <a:p>
+            <a:pPr marL="0" indent="0">
+              <a:buNone/>
+            </a:pPr>
+            <a:r>
+              <a:rPr lang="en-US" sz="2000" dirty="0"/>
+              <a:t>	</a:t>
+            </a:r>
+            <a:r>
+              <a:rPr lang="en-US" sz="2000" dirty="0"/>
+              <a:t>- </a:t>
+            </a:r>
+            <a:r>
+              <a:rPr lang="en-US" sz="2000" i="1" dirty="0"/>
+              <a:t>Buyer </a:t>
+            </a:r>
+            <a:r>
+              <a:rPr lang="en-US" sz="2000" i="1" dirty="0"/>
+              <a:t>can update their location </a:t>
+            </a:r>
+            <a:r>
+              <a:rPr lang="en-US" sz="2000" i="1" dirty="0"/>
+              <a:t>while the parcel </a:t>
+            </a:r>
+            <a:r>
+              <a:rPr lang="en-US" sz="2000" i="1" dirty="0"/>
+              <a:t>in delivery</a:t>
+            </a:r>
+            <a:r>
+              <a:rPr lang="en-US" sz="2000" i="1" dirty="0"/>
+              <a:t>.*</a:t>
+            </a:r>
+          </a:p>
+          <a:p>
+            <a:pPr marL="0" indent="0">
+              <a:buNone/>
+            </a:pPr>
+            <a:endParaRPr lang="en-US" sz="2000" dirty="0"/>
+          </a:p>
+          <a:p>
+            <a:r>
+              <a:rPr lang="en-US" sz="2000" b="1" dirty="0"/>
+              <a:t>No additional hardware requirements – Easy to setup</a:t>
+            </a:r>
+          </a:p>
+          <a:p>
+            <a:pPr marL="0" indent="0">
+              <a:buNone/>
+            </a:pPr>
+            <a:endParaRPr lang="en-US" sz="2000" dirty="0"/>
+          </a:p>
+          <a:p>
+            <a:pPr marL="0" indent="0">
+              <a:buNone/>
+            </a:pPr>
+            <a:endParaRPr lang="en-US" sz="2000" dirty="0"/>
+          </a:p>
+        </p:txBody>
+      </p:sp>
+      <p:sp>
+        <p:nvSpPr>
+          <p:cNvPr id="9" name="TextBox 8"/>
+          <p:cNvSpPr txBox="1"/>
+          <p:nvPr/>
+        </p:nvSpPr>
+        <p:spPr>
+          <a:xfrm>
+            <a:off x="10026557" y="190220"/>
+            <a:ext cx="534121" cy="369332"/>
+          </a:xfrm>
+          <a:prstGeom prst="rect">
+            <a:avLst/>
+          </a:prstGeom>
+          <a:noFill/>
+        </p:spPr>
+        <p:txBody>
+          <a:bodyPr wrap="none" rtlCol="0">
+            <a:spAutoFit/>
+          </a:bodyPr>
+          <a:lstStyle/>
+          <a:p>
+            <a:r>
+              <a:rPr lang="en-US" dirty="0"/>
+              <a:t>#14</a:t>
+            </a:r>
+            <a:endParaRPr lang="en-US" dirty="0"/>
+          </a:p>
+        </p:txBody>
+      </p:sp>
+    </p:spTree>
+    <p:extLst>
+      <p:ext uri="{BB962C8B-B14F-4D97-AF65-F5344CB8AC3E}">
+        <p14:creationId xmlns:p14="http://schemas.microsoft.com/office/powerpoint/2010/main" val="1994890966"/>
+      </p:ext>
+    </p:extLst>
+  </p:cSld>
+  <p:clrMapOvr>
+    <a:masterClrMapping/>
+  </p:clrMapOvr>
+  <mc:AlternateContent xmlns:mc="http://schemas.openxmlformats.org/markup-compatibility/2006">
+    <mc:Choice xmlns:p14="http://schemas.microsoft.com/office/powerpoint/2010/main" Requires="p14">
+      <p:transition spd="med" p14:dur="700">
+        <p:fade/>
+      </p:transition>
+    </mc:Choice>
+    <mc:Fallback>
       <p:transition spd="med">
         <p:fade/>
       </p:transition>
@@ -9435,7 +8365,7 @@
 </file>
 
 <file path=ppt/slides/slide3.xml><?xml version="1.0" encoding="utf-8"?>
-<p:sld xmlns:a="http://schemas.openxmlformats.org/drawingml/2006/main" xmlns:r="http://schemas.openxmlformats.org/officeDocument/2006/relationships" xmlns:p="http://schemas.openxmlformats.org/presentationml/2006/main" show="0">
+<p:sld xmlns:a="http://schemas.openxmlformats.org/drawingml/2006/main" xmlns:r="http://schemas.openxmlformats.org/officeDocument/2006/relationships" xmlns:p="http://schemas.openxmlformats.org/presentationml/2006/main">
   <p:cSld>
     <p:spTree>
       <p:nvGrpSpPr>
@@ -9451,44 +8381,29 @@
           <a:chExt cx="0" cy="0"/>
         </a:xfrm>
       </p:grpSpPr>
-      <p:sp>
-        <p:nvSpPr>
-          <p:cNvPr id="2" name="Title 1"/>
-          <p:cNvSpPr>
-            <a:spLocks noGrp="1"/>
-          </p:cNvSpPr>
-          <p:nvPr>
-            <p:ph type="title"/>
-          </p:nvPr>
-        </p:nvSpPr>
-        <p:spPr/>
-        <p:txBody>
-          <a:bodyPr>
-            <a:normAutofit/>
-          </a:bodyPr>
-          <a:lstStyle/>
-          <a:p>
-            <a:pPr algn="ctr"/>
-            <a:r>
-              <a:rPr lang="en-US" sz="4000" b="1" dirty="0" smtClean="0"/>
-              <a:t>Online Shopping </a:t>
-            </a:r>
-            <a:endParaRPr lang="en-US" sz="4000" b="1" dirty="0"/>
-          </a:p>
-        </p:txBody>
-      </p:sp>
-      <p:sp>
-        <p:nvSpPr>
-          <p:cNvPr id="4" name="AutoShape 2" descr="wow logo"/>
-          <p:cNvSpPr>
-            <a:spLocks noChangeAspect="1" noChangeArrowheads="1"/>
-          </p:cNvSpPr>
+      <p:pic>
+        <p:nvPicPr>
+          <p:cNvPr id="4" name="Picture 2" descr="Image result for online shopping"/>
+          <p:cNvPicPr>
+            <a:picLocks noChangeAspect="1" noChangeArrowheads="1"/>
+          </p:cNvPicPr>
           <p:nvPr/>
-        </p:nvSpPr>
+        </p:nvPicPr>
+        <p:blipFill rotWithShape="1">
+          <a:blip r:embed="rId2" cstate="print">
+            <a:extLst>
+              <a:ext uri="{28A0092B-C50C-407E-A947-70E740481C1C}">
+                <a14:useLocalDpi xmlns:a14="http://schemas.microsoft.com/office/drawing/2010/main" val="0"/>
+              </a:ext>
+            </a:extLst>
+          </a:blip>
+          <a:srcRect t="6902" b="12488"/>
+          <a:stretch/>
+        </p:blipFill>
         <p:spPr bwMode="auto">
           <a:xfrm>
-            <a:off x="155575" y="-144463"/>
-            <a:ext cx="304800" cy="304801"/>
+            <a:off x="0" y="1589116"/>
+            <a:ext cx="12192000" cy="5528192"/>
           </a:xfrm>
           <a:prstGeom prst="rect">
             <a:avLst/>
@@ -9504,307 +8419,53 @@
             </a:ext>
           </a:extLst>
         </p:spPr>
-        <p:txBody>
-          <a:bodyPr vert="horz" wrap="square" lIns="91440" tIns="45720" rIns="91440" bIns="45720" numCol="1" anchor="t" anchorCtr="0" compatLnSpc="1">
-            <a:prstTxWarp prst="textNoShape">
-              <a:avLst/>
-            </a:prstTxWarp>
+      </p:pic>
+      <p:sp>
+        <p:nvSpPr>
+          <p:cNvPr id="5" name="Title 1"/>
+          <p:cNvSpPr>
+            <a:spLocks noGrp="1"/>
+          </p:cNvSpPr>
+          <p:nvPr>
+            <p:ph type="title"/>
+          </p:nvPr>
+        </p:nvSpPr>
+        <p:spPr>
+          <a:xfrm>
+            <a:off x="2152650" y="365127"/>
+            <a:ext cx="7886700" cy="1325563"/>
+          </a:xfrm>
+        </p:spPr>
+        <p:txBody>
+          <a:bodyPr>
+            <a:normAutofit/>
           </a:bodyPr>
           <a:lstStyle/>
           <a:p>
-            <a:endParaRPr lang="en-US"/>
-          </a:p>
-        </p:txBody>
-      </p:sp>
-      <p:pic>
-        <p:nvPicPr>
-          <p:cNvPr id="5" name="Picture 4"/>
-          <p:cNvPicPr>
-            <a:picLocks noChangeAspect="1"/>
-          </p:cNvPicPr>
+            <a:pPr algn="ctr"/>
+            <a:r>
+              <a:rPr lang="en-US" sz="3800" b="1" dirty="0"/>
+              <a:t>What are the issues ?</a:t>
+            </a:r>
+            <a:endParaRPr lang="en-US" sz="3800" b="1" dirty="0"/>
+          </a:p>
+        </p:txBody>
+      </p:sp>
+      <p:sp>
+        <p:nvSpPr>
+          <p:cNvPr id="6" name="TextBox 5"/>
+          <p:cNvSpPr txBox="1"/>
           <p:nvPr/>
-        </p:nvPicPr>
-        <p:blipFill>
-          <a:blip r:embed="rId2">
-            <a:extLst>
-              <a:ext uri="{28A0092B-C50C-407E-A947-70E740481C1C}">
-                <a14:useLocalDpi xmlns:a14="http://schemas.microsoft.com/office/drawing/2010/main" val="0"/>
-              </a:ext>
-            </a:extLst>
-          </a:blip>
-          <a:stretch>
-            <a:fillRect/>
-          </a:stretch>
-        </p:blipFill>
+        </p:nvSpPr>
         <p:spPr>
           <a:xfrm>
-            <a:off x="966256" y="4413425"/>
-            <a:ext cx="1306905" cy="530929"/>
-          </a:xfrm>
-          <a:prstGeom prst="rect">
-            <a:avLst/>
-          </a:prstGeom>
-        </p:spPr>
-      </p:pic>
-      <p:pic>
-        <p:nvPicPr>
-          <p:cNvPr id="6" name="Picture 5"/>
-          <p:cNvPicPr>
-            <a:picLocks noChangeAspect="1"/>
-          </p:cNvPicPr>
-          <p:nvPr/>
-        </p:nvPicPr>
-        <p:blipFill>
-          <a:blip r:embed="rId3">
-            <a:extLst>
-              <a:ext uri="{28A0092B-C50C-407E-A947-70E740481C1C}">
-                <a14:useLocalDpi xmlns:a14="http://schemas.microsoft.com/office/drawing/2010/main" val="0"/>
-              </a:ext>
-            </a:extLst>
-          </a:blip>
-          <a:stretch>
-            <a:fillRect/>
-          </a:stretch>
-        </p:blipFill>
-        <p:spPr>
-          <a:xfrm>
-            <a:off x="3581082" y="4164756"/>
-            <a:ext cx="1442643" cy="415544"/>
-          </a:xfrm>
-          <a:prstGeom prst="rect">
-            <a:avLst/>
-          </a:prstGeom>
-        </p:spPr>
-      </p:pic>
-      <p:pic>
-        <p:nvPicPr>
-          <p:cNvPr id="9" name="Picture 8"/>
-          <p:cNvPicPr>
-            <a:picLocks noChangeAspect="1"/>
-          </p:cNvPicPr>
-          <p:nvPr/>
-        </p:nvPicPr>
-        <p:blipFill>
-          <a:blip r:embed="rId4">
-            <a:extLst>
-              <a:ext uri="{28A0092B-C50C-407E-A947-70E740481C1C}">
-                <a14:useLocalDpi xmlns:a14="http://schemas.microsoft.com/office/drawing/2010/main" val="0"/>
-              </a:ext>
-            </a:extLst>
-          </a:blip>
-          <a:stretch>
-            <a:fillRect/>
-          </a:stretch>
-        </p:blipFill>
-        <p:spPr>
-          <a:xfrm>
-            <a:off x="5048119" y="5534372"/>
-            <a:ext cx="1912396" cy="569650"/>
-          </a:xfrm>
-          <a:prstGeom prst="rect">
-            <a:avLst/>
-          </a:prstGeom>
-        </p:spPr>
-      </p:pic>
-      <p:pic>
-        <p:nvPicPr>
-          <p:cNvPr id="10" name="Picture 9"/>
-          <p:cNvPicPr>
-            <a:picLocks noChangeAspect="1"/>
-          </p:cNvPicPr>
-          <p:nvPr/>
-        </p:nvPicPr>
-        <p:blipFill>
-          <a:blip r:embed="rId5"/>
-          <a:stretch>
-            <a:fillRect/>
-          </a:stretch>
-        </p:blipFill>
-        <p:spPr>
-          <a:xfrm>
-            <a:off x="6423311" y="3348493"/>
-            <a:ext cx="1371097" cy="716245"/>
-          </a:xfrm>
-          <a:prstGeom prst="rect">
-            <a:avLst/>
-          </a:prstGeom>
-        </p:spPr>
-      </p:pic>
-      <p:pic>
-        <p:nvPicPr>
-          <p:cNvPr id="1026" name="Picture 2" descr="Duinolk Arduino Store"/>
-          <p:cNvPicPr>
-            <a:picLocks noChangeAspect="1" noChangeArrowheads="1"/>
-          </p:cNvPicPr>
-          <p:nvPr/>
-        </p:nvPicPr>
-        <p:blipFill>
-          <a:blip r:embed="rId6">
-            <a:extLst>
-              <a:ext uri="{28A0092B-C50C-407E-A947-70E740481C1C}">
-                <a14:useLocalDpi xmlns:a14="http://schemas.microsoft.com/office/drawing/2010/main" val="0"/>
-              </a:ext>
-            </a:extLst>
-          </a:blip>
-          <a:srcRect/>
-          <a:stretch>
-            <a:fillRect/>
-          </a:stretch>
-        </p:blipFill>
-        <p:spPr bwMode="auto">
-          <a:xfrm>
-            <a:off x="5984441" y="4805826"/>
-            <a:ext cx="1766185" cy="506307"/>
+            <a:off x="10026556" y="190220"/>
+            <a:ext cx="417102" cy="369332"/>
           </a:xfrm>
           <a:prstGeom prst="rect">
             <a:avLst/>
           </a:prstGeom>
           <a:noFill/>
-          <a:extLst>
-            <a:ext uri="{909E8E84-426E-40DD-AFC4-6F175D3DCCD1}">
-              <a14:hiddenFill xmlns:a14="http://schemas.microsoft.com/office/drawing/2010/main">
-                <a:solidFill>
-                  <a:srgbClr val="FFFFFF"/>
-                </a:solidFill>
-              </a14:hiddenFill>
-            </a:ext>
-          </a:extLst>
-        </p:spPr>
-      </p:pic>
-      <p:pic>
-        <p:nvPicPr>
-          <p:cNvPr id="11" name="Picture 10"/>
-          <p:cNvPicPr>
-            <a:picLocks noChangeAspect="1"/>
-          </p:cNvPicPr>
-          <p:nvPr/>
-        </p:nvPicPr>
-        <p:blipFill>
-          <a:blip r:embed="rId7"/>
-          <a:stretch>
-            <a:fillRect/>
-          </a:stretch>
-        </p:blipFill>
-        <p:spPr>
-          <a:xfrm>
-            <a:off x="1457353" y="2399721"/>
-            <a:ext cx="1370425" cy="590183"/>
-          </a:xfrm>
-          <a:prstGeom prst="rect">
-            <a:avLst/>
-          </a:prstGeom>
-        </p:spPr>
-      </p:pic>
-      <p:pic>
-        <p:nvPicPr>
-          <p:cNvPr id="13" name="Picture 12"/>
-          <p:cNvPicPr>
-            <a:picLocks noChangeAspect="1"/>
-          </p:cNvPicPr>
-          <p:nvPr/>
-        </p:nvPicPr>
-        <p:blipFill>
-          <a:blip r:embed="rId8">
-            <a:extLst>
-              <a:ext uri="{28A0092B-C50C-407E-A947-70E740481C1C}">
-                <a14:useLocalDpi xmlns:a14="http://schemas.microsoft.com/office/drawing/2010/main" val="0"/>
-              </a:ext>
-            </a:extLst>
-          </a:blip>
-          <a:stretch>
-            <a:fillRect/>
-          </a:stretch>
-        </p:blipFill>
-        <p:spPr>
-          <a:xfrm>
-            <a:off x="3581082" y="3132151"/>
-            <a:ext cx="1861485" cy="398890"/>
-          </a:xfrm>
-          <a:prstGeom prst="rect">
-            <a:avLst/>
-          </a:prstGeom>
-        </p:spPr>
-      </p:pic>
-      <p:pic>
-        <p:nvPicPr>
-          <p:cNvPr id="15" name="Picture 14"/>
-          <p:cNvPicPr>
-            <a:picLocks noChangeAspect="1"/>
-          </p:cNvPicPr>
-          <p:nvPr/>
-        </p:nvPicPr>
-        <p:blipFill>
-          <a:blip r:embed="rId9"/>
-          <a:stretch>
-            <a:fillRect/>
-          </a:stretch>
-        </p:blipFill>
-        <p:spPr>
-          <a:xfrm>
-            <a:off x="5868685" y="2147348"/>
-            <a:ext cx="1688631" cy="426338"/>
-          </a:xfrm>
-          <a:prstGeom prst="rect">
-            <a:avLst/>
-          </a:prstGeom>
-        </p:spPr>
-      </p:pic>
-      <p:pic>
-        <p:nvPicPr>
-          <p:cNvPr id="1034" name="Picture 10" descr="Image result for ikman.lk"/>
-          <p:cNvPicPr>
-            <a:picLocks noChangeAspect="1" noChangeArrowheads="1"/>
-          </p:cNvPicPr>
-          <p:nvPr/>
-        </p:nvPicPr>
-        <p:blipFill>
-          <a:blip r:embed="rId10">
-            <a:extLst>
-              <a:ext uri="{28A0092B-C50C-407E-A947-70E740481C1C}">
-                <a14:useLocalDpi xmlns:a14="http://schemas.microsoft.com/office/drawing/2010/main" val="0"/>
-              </a:ext>
-            </a:extLst>
-          </a:blip>
-          <a:srcRect/>
-          <a:stretch>
-            <a:fillRect/>
-          </a:stretch>
-        </p:blipFill>
-        <p:spPr bwMode="auto">
-          <a:xfrm>
-            <a:off x="1457353" y="5538205"/>
-            <a:ext cx="1998161" cy="561984"/>
-          </a:xfrm>
-          <a:prstGeom prst="rect">
-            <a:avLst/>
-          </a:prstGeom>
-          <a:noFill/>
-          <a:extLst>
-            <a:ext uri="{909E8E84-426E-40DD-AFC4-6F175D3DCCD1}">
-              <a14:hiddenFill xmlns:a14="http://schemas.microsoft.com/office/drawing/2010/main">
-                <a:solidFill>
-                  <a:srgbClr val="FFFFFF"/>
-                </a:solidFill>
-              </a14:hiddenFill>
-            </a:ext>
-          </a:extLst>
-        </p:spPr>
-      </p:pic>
-      <p:sp>
-        <p:nvSpPr>
-          <p:cNvPr id="21" name="TextBox 20"/>
-          <p:cNvSpPr txBox="1"/>
-          <p:nvPr/>
-        </p:nvSpPr>
-        <p:spPr>
-          <a:xfrm>
-            <a:off x="8502556" y="190220"/>
-            <a:ext cx="417102" cy="369332"/>
-          </a:xfrm>
-          <a:prstGeom prst="rect">
-            <a:avLst/>
-          </a:prstGeom>
-          <a:noFill/>
         </p:spPr>
         <p:txBody>
           <a:bodyPr wrap="none" rtlCol="0">
@@ -9813,8 +8474,8 @@
           <a:lstStyle/>
           <a:p>
             <a:r>
-              <a:rPr lang="en-US" dirty="0" smtClean="0"/>
-              <a:t>#2</a:t>
+              <a:rPr lang="en-US" dirty="0"/>
+              <a:t>#3</a:t>
             </a:r>
             <a:endParaRPr lang="en-US" dirty="0"/>
           </a:p>
@@ -9823,7 +8484,7 @@
     </p:spTree>
     <p:extLst>
       <p:ext uri="{BB962C8B-B14F-4D97-AF65-F5344CB8AC3E}">
-        <p14:creationId xmlns:p14="http://schemas.microsoft.com/office/powerpoint/2010/main" val="2616936176"/>
+        <p14:creationId xmlns:p14="http://schemas.microsoft.com/office/powerpoint/2010/main" val="517093719"/>
       </p:ext>
     </p:extLst>
   </p:cSld>
@@ -9871,14 +8532,74 @@
       </p:grpSpPr>
       <p:pic>
         <p:nvPicPr>
-          <p:cNvPr id="4" name="Picture 2" descr="Image result for online shopping"/>
+          <p:cNvPr id="2" name="Picture 1"/>
+          <p:cNvPicPr>
+            <a:picLocks noChangeAspect="1"/>
+          </p:cNvPicPr>
+          <p:nvPr/>
+        </p:nvPicPr>
+        <p:blipFill>
+          <a:blip r:embed="rId2">
+            <a:extLst>
+              <a:ext uri="{28A0092B-C50C-407E-A947-70E740481C1C}">
+                <a14:useLocalDpi xmlns:a14="http://schemas.microsoft.com/office/drawing/2010/main" val="0"/>
+              </a:ext>
+            </a:extLst>
+          </a:blip>
+          <a:stretch>
+            <a:fillRect/>
+          </a:stretch>
+        </p:blipFill>
+        <p:spPr>
+          <a:xfrm>
+            <a:off x="1524000" y="1"/>
+            <a:ext cx="9144001" cy="6858001"/>
+          </a:xfrm>
+          <a:prstGeom prst="rect">
+            <a:avLst/>
+          </a:prstGeom>
+        </p:spPr>
+      </p:pic>
+      <p:sp>
+        <p:nvSpPr>
+          <p:cNvPr id="3" name="TextBox 2"/>
+          <p:cNvSpPr txBox="1"/>
+          <p:nvPr/>
+        </p:nvSpPr>
+        <p:spPr>
+          <a:xfrm>
+            <a:off x="10133879" y="231163"/>
+            <a:ext cx="417102" cy="369332"/>
+          </a:xfrm>
+          <a:prstGeom prst="rect">
+            <a:avLst/>
+          </a:prstGeom>
+          <a:noFill/>
+        </p:spPr>
+        <p:txBody>
+          <a:bodyPr wrap="none" rtlCol="0">
+            <a:spAutoFit/>
+          </a:bodyPr>
+          <a:lstStyle/>
+          <a:p>
+            <a:r>
+              <a:rPr lang="en-US" dirty="0"/>
+              <a:t>#4</a:t>
+            </a:r>
+            <a:endParaRPr lang="en-US" dirty="0"/>
+          </a:p>
+        </p:txBody>
+      </p:sp>
+      <p:pic>
+        <p:nvPicPr>
+          <p:cNvPr id="1028" name="Picture 4" descr="Image result for angry emoticon png"/>
           <p:cNvPicPr>
             <a:picLocks noChangeAspect="1" noChangeArrowheads="1"/>
           </p:cNvPicPr>
           <p:nvPr/>
         </p:nvPicPr>
         <p:blipFill>
-          <a:blip r:embed="rId2" cstate="print">
+          <a:blip r:embed="rId3">
             <a:extLst>
               <a:ext uri="{28A0092B-C50C-407E-A947-70E740481C1C}">
                 <a14:useLocalDpi xmlns:a14="http://schemas.microsoft.com/office/drawing/2010/main" val="0"/>
@@ -9892,8 +8613,8 @@
         </p:blipFill>
         <p:spPr bwMode="auto">
           <a:xfrm>
-            <a:off x="1" y="1922703"/>
-            <a:ext cx="9186330" cy="5167311"/>
+            <a:off x="8349740" y="2050926"/>
+            <a:ext cx="2318261" cy="1854608"/>
           </a:xfrm>
           <a:prstGeom prst="rect">
             <a:avLst/>
@@ -9910,84 +8631,23 @@
           </a:extLst>
         </p:spPr>
       </p:pic>
-      <p:sp>
-        <p:nvSpPr>
-          <p:cNvPr id="5" name="Title 1"/>
-          <p:cNvSpPr>
-            <a:spLocks noGrp="1"/>
-          </p:cNvSpPr>
-          <p:nvPr>
-            <p:ph type="title"/>
-          </p:nvPr>
-        </p:nvSpPr>
-        <p:spPr>
-          <a:xfrm>
-            <a:off x="628650" y="365126"/>
-            <a:ext cx="7886700" cy="1325563"/>
-          </a:xfrm>
-        </p:spPr>
-        <p:txBody>
-          <a:bodyPr>
-            <a:normAutofit/>
-          </a:bodyPr>
-          <a:lstStyle/>
-          <a:p>
-            <a:pPr algn="ctr"/>
-            <a:r>
-              <a:rPr lang="en-US" sz="3800" b="1" dirty="0" smtClean="0"/>
-              <a:t>What are the issues ?</a:t>
-            </a:r>
-            <a:endParaRPr lang="en-US" sz="3800" b="1" dirty="0"/>
-          </a:p>
-        </p:txBody>
-      </p:sp>
-      <p:sp>
-        <p:nvSpPr>
-          <p:cNvPr id="6" name="TextBox 5"/>
-          <p:cNvSpPr txBox="1"/>
-          <p:nvPr/>
-        </p:nvSpPr>
-        <p:spPr>
-          <a:xfrm>
-            <a:off x="8502556" y="190220"/>
-            <a:ext cx="417102" cy="369332"/>
-          </a:xfrm>
-          <a:prstGeom prst="rect">
-            <a:avLst/>
-          </a:prstGeom>
-          <a:noFill/>
-        </p:spPr>
-        <p:txBody>
-          <a:bodyPr wrap="none" rtlCol="0">
-            <a:spAutoFit/>
-          </a:bodyPr>
-          <a:lstStyle/>
-          <a:p>
-            <a:r>
-              <a:rPr lang="en-US" dirty="0" smtClean="0"/>
-              <a:t>#3</a:t>
-            </a:r>
-            <a:endParaRPr lang="en-US" dirty="0"/>
-          </a:p>
-        </p:txBody>
-      </p:sp>
     </p:spTree>
     <p:extLst>
       <p:ext uri="{BB962C8B-B14F-4D97-AF65-F5344CB8AC3E}">
-        <p14:creationId xmlns:p14="http://schemas.microsoft.com/office/powerpoint/2010/main" val="517093719"/>
+        <p14:creationId xmlns:p14="http://schemas.microsoft.com/office/powerpoint/2010/main" val="2033806731"/>
       </p:ext>
     </p:extLst>
   </p:cSld>
   <p:clrMapOvr>
     <a:masterClrMapping/>
   </p:clrMapOvr>
-  <mc:AlternateContent xmlns:mc="http://schemas.openxmlformats.org/markup-compatibility/2006" xmlns:p14="http://schemas.microsoft.com/office/powerpoint/2010/main">
-    <mc:Choice Requires="p14">
+  <mc:AlternateContent xmlns:mc="http://schemas.openxmlformats.org/markup-compatibility/2006">
+    <mc:Choice xmlns:p14="http://schemas.microsoft.com/office/powerpoint/2010/main" Requires="p14">
       <p:transition spd="med" p14:dur="700">
         <p:fade/>
       </p:transition>
     </mc:Choice>
-    <mc:Fallback xmlns="">
+    <mc:Fallback>
       <p:transition spd="med">
         <p:fade/>
       </p:transition>
@@ -10020,11 +8680,68 @@
           <a:chExt cx="0" cy="0"/>
         </a:xfrm>
       </p:grpSpPr>
+      <p:sp>
+        <p:nvSpPr>
+          <p:cNvPr id="2" name="Title 1"/>
+          <p:cNvSpPr>
+            <a:spLocks noGrp="1"/>
+          </p:cNvSpPr>
+          <p:nvPr>
+            <p:ph type="ctrTitle"/>
+          </p:nvPr>
+        </p:nvSpPr>
+        <p:spPr>
+          <a:xfrm>
+            <a:off x="5536442" y="2292825"/>
+            <a:ext cx="4804012" cy="1940469"/>
+          </a:xfrm>
+        </p:spPr>
+        <p:txBody>
+          <a:bodyPr>
+            <a:normAutofit/>
+          </a:bodyPr>
+          <a:lstStyle/>
+          <a:p>
+            <a:pPr algn="l"/>
+            <a:r>
+              <a:rPr lang="en-US" sz="8800" b="1" dirty="0">
+                <a:solidFill>
+                  <a:schemeClr val="accent1">
+                    <a:lumMod val="50000"/>
+                  </a:schemeClr>
+                </a:solidFill>
+                <a:effectLst>
+                  <a:outerShdw blurRad="38100" dist="38100" dir="2700000" algn="tl">
+                    <a:srgbClr val="000000">
+                      <a:alpha val="43137"/>
+                    </a:srgbClr>
+                  </a:outerShdw>
+                </a:effectLst>
+              </a:rPr>
+              <a:t>Q-Trace</a:t>
+            </a:r>
+            <a:endParaRPr lang="en-US" sz="8800" b="1" dirty="0">
+              <a:solidFill>
+                <a:schemeClr val="accent1">
+                  <a:lumMod val="50000"/>
+                </a:schemeClr>
+              </a:solidFill>
+              <a:effectLst>
+                <a:outerShdw blurRad="38100" dist="38100" dir="2700000" algn="tl">
+                  <a:srgbClr val="000000">
+                    <a:alpha val="43137"/>
+                  </a:srgbClr>
+                </a:outerShdw>
+              </a:effectLst>
+            </a:endParaRPr>
+          </a:p>
+        </p:txBody>
+      </p:sp>
       <p:pic>
         <p:nvPicPr>
-          <p:cNvPr id="2" name="Picture 1"/>
+          <p:cNvPr id="13314" name="Picture 2" descr="Image result for tracking"/>
           <p:cNvPicPr>
-            <a:picLocks noChangeAspect="1"/>
+            <a:picLocks noChangeAspect="1" noChangeArrowheads="1"/>
           </p:cNvPicPr>
           <p:nvPr/>
         </p:nvPicPr>
@@ -10036,67 +8753,125 @@
               </a:ext>
             </a:extLst>
           </a:blip>
+          <a:srcRect/>
           <a:stretch>
             <a:fillRect/>
           </a:stretch>
         </p:blipFill>
-        <p:spPr>
-          <a:xfrm>
-            <a:off x="-1" y="0"/>
-            <a:ext cx="9144001" cy="6858001"/>
-          </a:xfrm>
-          <a:prstGeom prst="rect">
-            <a:avLst/>
-          </a:prstGeom>
-        </p:spPr>
-      </p:pic>
-      <p:sp>
-        <p:nvSpPr>
-          <p:cNvPr id="3" name="TextBox 2"/>
-          <p:cNvSpPr txBox="1"/>
-          <p:nvPr/>
-        </p:nvSpPr>
-        <p:spPr>
-          <a:xfrm>
-            <a:off x="8609879" y="231163"/>
-            <a:ext cx="534121" cy="369332"/>
+        <p:spPr bwMode="auto">
+          <a:xfrm>
+            <a:off x="2394045" y="1704727"/>
+            <a:ext cx="3317863" cy="2800278"/>
           </a:xfrm>
           <a:prstGeom prst="rect">
             <a:avLst/>
           </a:prstGeom>
           <a:noFill/>
-        </p:spPr>
-        <p:txBody>
-          <a:bodyPr wrap="none" rtlCol="0">
-            <a:spAutoFit/>
-          </a:bodyPr>
-          <a:lstStyle/>
-          <a:p>
-            <a:r>
-              <a:rPr lang="en-US" dirty="0" smtClean="0"/>
-              <a:t>#22</a:t>
-            </a:r>
-            <a:endParaRPr lang="en-US" dirty="0"/>
+          <a:extLst>
+            <a:ext uri="{909E8E84-426E-40DD-AFC4-6F175D3DCCD1}">
+              <a14:hiddenFill xmlns:a14="http://schemas.microsoft.com/office/drawing/2010/main">
+                <a:solidFill>
+                  <a:srgbClr val="FFFFFF"/>
+                </a:solidFill>
+              </a14:hiddenFill>
+            </a:ext>
+          </a:extLst>
+        </p:spPr>
+      </p:pic>
+      <p:sp>
+        <p:nvSpPr>
+          <p:cNvPr id="4" name="Rectangle 3"/>
+          <p:cNvSpPr/>
+          <p:nvPr/>
+        </p:nvSpPr>
+        <p:spPr>
+          <a:xfrm>
+            <a:off x="0" y="4776716"/>
+            <a:ext cx="12192000" cy="2081284"/>
+          </a:xfrm>
+          <a:prstGeom prst="rect">
+            <a:avLst/>
+          </a:prstGeom>
+          <a:solidFill>
+            <a:srgbClr val="5AA3CE"/>
+          </a:solidFill>
+          <a:ln>
+            <a:noFill/>
+          </a:ln>
+        </p:spPr>
+        <p:style>
+          <a:lnRef idx="2">
+            <a:schemeClr val="accent1">
+              <a:shade val="50000"/>
+            </a:schemeClr>
+          </a:lnRef>
+          <a:fillRef idx="1">
+            <a:schemeClr val="accent1"/>
+          </a:fillRef>
+          <a:effectRef idx="0">
+            <a:schemeClr val="accent1"/>
+          </a:effectRef>
+          <a:fontRef idx="minor">
+            <a:schemeClr val="lt1"/>
+          </a:fontRef>
+        </p:style>
+        <p:txBody>
+          <a:bodyPr rtlCol="0" anchor="ctr"/>
+          <a:lstStyle/>
+          <a:p>
+            <a:pPr algn="ctr"/>
+            <a:r>
+              <a:rPr lang="en-US" sz="3200" b="1" dirty="0">
+                <a:solidFill>
+                  <a:schemeClr val="bg1"/>
+                </a:solidFill>
+              </a:rPr>
+              <a:t>Smart Parcel Tracking </a:t>
+            </a:r>
+            <a:r>
+              <a:rPr lang="en-US" sz="3200" b="1" dirty="0">
+                <a:solidFill>
+                  <a:schemeClr val="bg1"/>
+                </a:solidFill>
+              </a:rPr>
+              <a:t>Service</a:t>
+            </a:r>
+          </a:p>
+          <a:p>
+            <a:pPr algn="ctr"/>
+            <a:endParaRPr lang="en-US" sz="2800" b="1" dirty="0">
+              <a:solidFill>
+                <a:schemeClr val="bg1"/>
+              </a:solidFill>
+            </a:endParaRPr>
+          </a:p>
+          <a:p>
+            <a:pPr algn="ctr"/>
+            <a:endParaRPr lang="en-US" sz="2800" b="1" dirty="0">
+              <a:solidFill>
+                <a:schemeClr val="bg1"/>
+              </a:solidFill>
+            </a:endParaRPr>
           </a:p>
         </p:txBody>
       </p:sp>
     </p:spTree>
     <p:extLst>
       <p:ext uri="{BB962C8B-B14F-4D97-AF65-F5344CB8AC3E}">
-        <p14:creationId xmlns:p14="http://schemas.microsoft.com/office/powerpoint/2010/main" val="2033806731"/>
+        <p14:creationId xmlns:p14="http://schemas.microsoft.com/office/powerpoint/2010/main" val="3641862657"/>
       </p:ext>
     </p:extLst>
   </p:cSld>
   <p:clrMapOvr>
     <a:masterClrMapping/>
   </p:clrMapOvr>
-  <mc:AlternateContent xmlns:mc="http://schemas.openxmlformats.org/markup-compatibility/2006" xmlns:p14="http://schemas.microsoft.com/office/powerpoint/2010/main">
-    <mc:Choice Requires="p14">
+  <mc:AlternateContent xmlns:mc="http://schemas.openxmlformats.org/markup-compatibility/2006">
+    <mc:Choice xmlns:p14="http://schemas.microsoft.com/office/powerpoint/2010/main" Requires="p14">
       <p:transition spd="med" p14:dur="700">
         <p:fade/>
       </p:transition>
     </mc:Choice>
-    <mc:Fallback xmlns="">
+    <mc:Fallback>
       <p:transition spd="med">
         <p:fade/>
       </p:transition>
@@ -10131,18 +8906,67 @@
       </p:grpSpPr>
       <p:sp>
         <p:nvSpPr>
-          <p:cNvPr id="2" name="Title 1"/>
+          <p:cNvPr id="4" name="Title 1"/>
+          <p:cNvSpPr txBox="1">
+            <a:spLocks/>
+          </p:cNvSpPr>
+          <p:nvPr/>
+        </p:nvSpPr>
+        <p:spPr>
+          <a:xfrm>
+            <a:off x="1690901" y="600489"/>
+            <a:ext cx="7886700" cy="1325563"/>
+          </a:xfrm>
+          <a:prstGeom prst="rect">
+            <a:avLst/>
+          </a:prstGeom>
+        </p:spPr>
+        <p:txBody>
+          <a:bodyPr vert="horz" lIns="91440" tIns="45720" rIns="91440" bIns="45720" rtlCol="0" anchor="ctr">
+            <a:normAutofit/>
+          </a:bodyPr>
+          <a:lstStyle>
+            <a:lvl1pPr algn="l" defTabSz="685800" rtl="0" eaLnBrk="1" latinLnBrk="0" hangingPunct="1">
+              <a:lnSpc>
+                <a:spcPct val="90000"/>
+              </a:lnSpc>
+              <a:spcBef>
+                <a:spcPct val="0"/>
+              </a:spcBef>
+              <a:buNone/>
+              <a:defRPr sz="3300" kern="1200">
+                <a:solidFill>
+                  <a:schemeClr val="tx1"/>
+                </a:solidFill>
+                <a:latin typeface="+mj-lt"/>
+                <a:ea typeface="+mj-ea"/>
+                <a:cs typeface="+mj-cs"/>
+              </a:defRPr>
+            </a:lvl1pPr>
+          </a:lstStyle>
+          <a:p>
+            <a:r>
+              <a:rPr lang="en-US" b="1" dirty="0"/>
+              <a:t>What we provide ?</a:t>
+            </a:r>
+            <a:endParaRPr lang="en-US" b="1" dirty="0"/>
+          </a:p>
+        </p:txBody>
+      </p:sp>
+      <p:sp>
+        <p:nvSpPr>
+          <p:cNvPr id="6" name="Content Placeholder 2"/>
           <p:cNvSpPr>
             <a:spLocks noGrp="1"/>
           </p:cNvSpPr>
           <p:nvPr>
-            <p:ph type="ctrTitle"/>
+            <p:ph idx="1"/>
           </p:nvPr>
         </p:nvSpPr>
         <p:spPr>
           <a:xfrm>
-            <a:off x="4012442" y="2292824"/>
-            <a:ext cx="4804012" cy="1940469"/>
+            <a:off x="1422068" y="2712730"/>
+            <a:ext cx="8037678" cy="4145270"/>
           </a:xfrm>
         </p:spPr>
         <p:txBody>
@@ -10151,44 +8975,121 @@
           </a:bodyPr>
           <a:lstStyle/>
           <a:p>
-            <a:pPr algn="l"/>
-            <a:r>
-              <a:rPr lang="en-US" sz="8800" b="1" dirty="0" smtClean="0">
-                <a:solidFill>
-                  <a:schemeClr val="accent1">
-                    <a:lumMod val="50000"/>
-                  </a:schemeClr>
-                </a:solidFill>
-                <a:effectLst>
-                  <a:outerShdw blurRad="38100" dist="38100" dir="2700000" algn="tl">
-                    <a:srgbClr val="000000">
-                      <a:alpha val="43137"/>
-                    </a:srgbClr>
-                  </a:outerShdw>
-                </a:effectLst>
+            <a:r>
+              <a:rPr lang="en-US" sz="2400" dirty="0" smtClean="0"/>
+              <a:t>Smart and Reliable Tracking Service</a:t>
+            </a:r>
+            <a:endParaRPr lang="en-US" sz="2400" dirty="0"/>
+          </a:p>
+          <a:p>
+            <a:endParaRPr lang="en-US" sz="2400" dirty="0"/>
+          </a:p>
+          <a:p>
+            <a:r>
+              <a:rPr lang="en-US" sz="2400" dirty="0" smtClean="0"/>
+              <a:t>Dynamic Destination Address Service</a:t>
+            </a:r>
+          </a:p>
+          <a:p>
+            <a:endParaRPr lang="en-US" sz="2400" dirty="0"/>
+          </a:p>
+          <a:p>
+            <a:r>
+              <a:rPr lang="en-US" sz="2400" dirty="0" smtClean="0"/>
+              <a:t>Better user experience</a:t>
+            </a:r>
+          </a:p>
+          <a:p>
+            <a:pPr lvl="1"/>
+            <a:r>
+              <a:rPr lang="en-US" sz="2000" dirty="0" smtClean="0"/>
+              <a:t>Seller		 </a:t>
+            </a:r>
+            <a:r>
+              <a:rPr lang="en-US" sz="2000" dirty="0" smtClean="0">
+                <a:sym typeface="Wingdings" panose="05000000000000000000" pitchFamily="2" charset="2"/>
               </a:rPr>
-              <a:t>Q-Trace</a:t>
-            </a:r>
-            <a:endParaRPr lang="en-US" sz="8800" b="1" dirty="0">
-              <a:solidFill>
-                <a:schemeClr val="accent1">
-                  <a:lumMod val="50000"/>
-                </a:schemeClr>
-              </a:solidFill>
-              <a:effectLst>
-                <a:outerShdw blurRad="38100" dist="38100" dir="2700000" algn="tl">
-                  <a:srgbClr val="000000">
-                    <a:alpha val="43137"/>
-                  </a:srgbClr>
-                </a:outerShdw>
-              </a:effectLst>
+              <a:t> 	Delivery Service</a:t>
+            </a:r>
+          </a:p>
+          <a:p>
+            <a:pPr lvl="1"/>
+            <a:r>
+              <a:rPr lang="en-US" sz="2000" dirty="0" smtClean="0">
+                <a:sym typeface="Wingdings" panose="05000000000000000000" pitchFamily="2" charset="2"/>
+              </a:rPr>
+              <a:t>Delivery Service</a:t>
+            </a:r>
+            <a:r>
+              <a:rPr lang="en-US" sz="2000" dirty="0" smtClean="0"/>
+              <a:t> 	 </a:t>
+            </a:r>
+            <a:r>
+              <a:rPr lang="en-US" sz="2000" dirty="0" smtClean="0">
+                <a:sym typeface="Wingdings" panose="05000000000000000000" pitchFamily="2" charset="2"/>
+              </a:rPr>
+              <a:t> 	</a:t>
+            </a:r>
+            <a:r>
+              <a:rPr lang="en-US" sz="2000" dirty="0" smtClean="0"/>
+              <a:t>Buyer</a:t>
+            </a:r>
+          </a:p>
+          <a:p>
+            <a:pPr lvl="1"/>
+            <a:r>
+              <a:rPr lang="en-US" sz="2000" dirty="0" smtClean="0">
+                <a:sym typeface="Wingdings" panose="05000000000000000000" pitchFamily="2" charset="2"/>
+              </a:rPr>
+              <a:t>Seller 		  	</a:t>
+            </a:r>
+            <a:r>
+              <a:rPr lang="en-US" sz="2000" dirty="0" smtClean="0"/>
+              <a:t>Buyer</a:t>
+            </a:r>
+            <a:endParaRPr lang="en-US" sz="2000" dirty="0">
+              <a:sym typeface="Wingdings" panose="05000000000000000000" pitchFamily="2" charset="2"/>
             </a:endParaRPr>
+          </a:p>
+          <a:p>
+            <a:pPr lvl="1"/>
+            <a:endParaRPr lang="en-US" sz="2000" dirty="0" smtClean="0"/>
+          </a:p>
+        </p:txBody>
+      </p:sp>
+      <p:sp>
+        <p:nvSpPr>
+          <p:cNvPr id="7" name="TextBox 6"/>
+          <p:cNvSpPr txBox="1"/>
+          <p:nvPr/>
+        </p:nvSpPr>
+        <p:spPr>
+          <a:xfrm>
+            <a:off x="10026557" y="190220"/>
+            <a:ext cx="534121" cy="369332"/>
+          </a:xfrm>
+          <a:prstGeom prst="rect">
+            <a:avLst/>
+          </a:prstGeom>
+          <a:noFill/>
+        </p:spPr>
+        <p:txBody>
+          <a:bodyPr wrap="none" rtlCol="0">
+            <a:spAutoFit/>
+          </a:bodyPr>
+          <a:lstStyle/>
+          <a:p>
+            <a:r>
+              <a:rPr lang="en-US" dirty="0"/>
+              <a:t>#14</a:t>
+            </a:r>
+            <a:endParaRPr lang="en-US" dirty="0"/>
           </a:p>
         </p:txBody>
       </p:sp>
       <p:pic>
         <p:nvPicPr>
-          <p:cNvPr id="13314" name="Picture 2" descr="Image result for tracking"/>
+          <p:cNvPr id="2050" name="Picture 2" descr="Related image"/>
           <p:cNvPicPr>
             <a:picLocks noChangeAspect="1" noChangeArrowheads="1"/>
           </p:cNvPicPr>
@@ -10209,8 +9110,8 @@
         </p:blipFill>
         <p:spPr bwMode="auto">
           <a:xfrm>
-            <a:off x="870044" y="1704727"/>
-            <a:ext cx="3317863" cy="2800278"/>
+            <a:off x="6924865" y="190220"/>
+            <a:ext cx="2000250" cy="2000251"/>
           </a:xfrm>
           <a:prstGeom prst="rect">
             <a:avLst/>
@@ -10227,130 +9128,23 @@
           </a:extLst>
         </p:spPr>
       </p:pic>
-      <p:sp>
-        <p:nvSpPr>
-          <p:cNvPr id="4" name="Rectangle 3"/>
-          <p:cNvSpPr/>
-          <p:nvPr/>
-        </p:nvSpPr>
-        <p:spPr>
-          <a:xfrm>
-            <a:off x="0" y="4776716"/>
-            <a:ext cx="9144000" cy="2081284"/>
-          </a:xfrm>
-          <a:prstGeom prst="rect">
-            <a:avLst/>
-          </a:prstGeom>
-          <a:solidFill>
-            <a:srgbClr val="5AA3CE"/>
-          </a:solidFill>
-          <a:ln>
-            <a:noFill/>
-          </a:ln>
-        </p:spPr>
-        <p:style>
-          <a:lnRef idx="2">
-            <a:schemeClr val="accent1">
-              <a:shade val="50000"/>
-            </a:schemeClr>
-          </a:lnRef>
-          <a:fillRef idx="1">
-            <a:schemeClr val="accent1"/>
-          </a:fillRef>
-          <a:effectRef idx="0">
-            <a:schemeClr val="accent1"/>
-          </a:effectRef>
-          <a:fontRef idx="minor">
-            <a:schemeClr val="lt1"/>
-          </a:fontRef>
-        </p:style>
-        <p:txBody>
-          <a:bodyPr rtlCol="0" anchor="ctr"/>
-          <a:lstStyle/>
-          <a:p>
-            <a:pPr algn="ctr"/>
-            <a:r>
-              <a:rPr lang="en-US" sz="3200" b="1" dirty="0">
-                <a:solidFill>
-                  <a:schemeClr val="bg1"/>
-                </a:solidFill>
-              </a:rPr>
-              <a:t>Smart Parcel Tracking </a:t>
-            </a:r>
-            <a:r>
-              <a:rPr lang="en-US" sz="3200" b="1" dirty="0" smtClean="0">
-                <a:solidFill>
-                  <a:schemeClr val="bg1"/>
-                </a:solidFill>
-              </a:rPr>
-              <a:t>Service</a:t>
-            </a:r>
-          </a:p>
-          <a:p>
-            <a:pPr algn="ctr"/>
-            <a:endParaRPr lang="en-US" sz="2800" b="1" dirty="0" smtClean="0">
-              <a:solidFill>
-                <a:schemeClr val="bg1"/>
-              </a:solidFill>
-            </a:endParaRPr>
-          </a:p>
-          <a:p>
-            <a:pPr algn="ctr"/>
-            <a:endParaRPr lang="en-US" sz="2800" b="1" dirty="0">
-              <a:solidFill>
-                <a:schemeClr val="bg1"/>
-              </a:solidFill>
-            </a:endParaRPr>
-          </a:p>
-        </p:txBody>
-      </p:sp>
-      <p:sp>
-        <p:nvSpPr>
-          <p:cNvPr id="7" name="TextBox 6"/>
-          <p:cNvSpPr txBox="1"/>
-          <p:nvPr/>
-        </p:nvSpPr>
-        <p:spPr>
-          <a:xfrm>
-            <a:off x="8502556" y="190220"/>
-            <a:ext cx="417102" cy="369332"/>
-          </a:xfrm>
-          <a:prstGeom prst="rect">
-            <a:avLst/>
-          </a:prstGeom>
-          <a:noFill/>
-        </p:spPr>
-        <p:txBody>
-          <a:bodyPr wrap="none" rtlCol="0">
-            <a:spAutoFit/>
-          </a:bodyPr>
-          <a:lstStyle/>
-          <a:p>
-            <a:r>
-              <a:rPr lang="en-US" dirty="0" smtClean="0"/>
-              <a:t>#4</a:t>
-            </a:r>
-            <a:endParaRPr lang="en-US" dirty="0"/>
-          </a:p>
-        </p:txBody>
-      </p:sp>
     </p:spTree>
     <p:extLst>
       <p:ext uri="{BB962C8B-B14F-4D97-AF65-F5344CB8AC3E}">
-        <p14:creationId xmlns:p14="http://schemas.microsoft.com/office/powerpoint/2010/main" val="3641862657"/>
+        <p14:creationId xmlns:p14="http://schemas.microsoft.com/office/powerpoint/2010/main" val="1286593700"/>
       </p:ext>
     </p:extLst>
   </p:cSld>
   <p:clrMapOvr>
     <a:masterClrMapping/>
   </p:clrMapOvr>
-  <mc:AlternateContent xmlns:mc="http://schemas.openxmlformats.org/markup-compatibility/2006" xmlns:p14="http://schemas.microsoft.com/office/powerpoint/2010/main">
-    <mc:Choice Requires="p14">
+  <mc:AlternateContent xmlns:mc="http://schemas.openxmlformats.org/markup-compatibility/2006">
+    <mc:Choice xmlns:p14="http://schemas.microsoft.com/office/powerpoint/2010/main" Requires="p14">
       <p:transition spd="med" p14:dur="700">
         <p:fade/>
       </p:transition>
     </mc:Choice>
-    <mc:Fallback xmlns="">
+    <mc:Fallback>
       <p:transition spd="med">
         <p:fade/>
       </p:transition>
@@ -10367,7 +9161,7 @@
 </file>
 
 <file path=ppt/slides/slide7.xml><?xml version="1.0" encoding="utf-8"?>
-<p:sld xmlns:a="http://schemas.openxmlformats.org/drawingml/2006/main" xmlns:r="http://schemas.openxmlformats.org/officeDocument/2006/relationships" xmlns:p="http://schemas.openxmlformats.org/presentationml/2006/main" show="0">
+<p:sld xmlns:a="http://schemas.openxmlformats.org/drawingml/2006/main" xmlns:r="http://schemas.openxmlformats.org/officeDocument/2006/relationships" xmlns:p="http://schemas.openxmlformats.org/presentationml/2006/main">
   <p:cSld>
     <p:spTree>
       <p:nvGrpSpPr>
@@ -10383,9 +9177,39 @@
           <a:chExt cx="0" cy="0"/>
         </a:xfrm>
       </p:grpSpPr>
+      <p:sp>
+        <p:nvSpPr>
+          <p:cNvPr id="6" name="TextBox 5"/>
+          <p:cNvSpPr txBox="1"/>
+          <p:nvPr/>
+        </p:nvSpPr>
+        <p:spPr>
+          <a:xfrm>
+            <a:off x="10026557" y="190220"/>
+            <a:ext cx="534121" cy="369332"/>
+          </a:xfrm>
+          <a:prstGeom prst="rect">
+            <a:avLst/>
+          </a:prstGeom>
+          <a:noFill/>
+        </p:spPr>
+        <p:txBody>
+          <a:bodyPr wrap="none" rtlCol="0">
+            <a:spAutoFit/>
+          </a:bodyPr>
+          <a:lstStyle/>
+          <a:p>
+            <a:r>
+              <a:rPr lang="en-US" dirty="0"/>
+              <a:t>#14</a:t>
+            </a:r>
+            <a:endParaRPr lang="en-US" dirty="0"/>
+          </a:p>
+        </p:txBody>
+      </p:sp>
       <p:pic>
         <p:nvPicPr>
-          <p:cNvPr id="12290" name="Picture 2" descr="Great Britain Penny Black Worlds First Stamp"/>
+          <p:cNvPr id="4098" name="Picture 2" descr="Image result for how png"/>
           <p:cNvPicPr>
             <a:picLocks noChangeAspect="1" noChangeArrowheads="1"/>
           </p:cNvPicPr>
@@ -10406,8 +9230,8 @@
         </p:blipFill>
         <p:spPr bwMode="auto">
           <a:xfrm>
-            <a:off x="2845168" y="1041295"/>
-            <a:ext cx="3603397" cy="4382718"/>
+            <a:off x="4586501" y="-3203"/>
+            <a:ext cx="2181936" cy="2181936"/>
           </a:xfrm>
           <a:prstGeom prst="rect">
             <a:avLst/>
@@ -10424,18 +9248,60 @@
           </a:extLst>
         </p:spPr>
       </p:pic>
-      <p:sp>
-        <p:nvSpPr>
-          <p:cNvPr id="5" name="AutoShape 2" descr="Image result for worlds first stamp"/>
-          <p:cNvSpPr>
-            <a:spLocks noChangeAspect="1" noChangeArrowheads="1"/>
-          </p:cNvSpPr>
+      <p:pic>
+        <p:nvPicPr>
+          <p:cNvPr id="9" name="Picture 8"/>
+          <p:cNvPicPr>
+            <a:picLocks noChangeAspect="1"/>
+          </p:cNvPicPr>
           <p:nvPr/>
-        </p:nvSpPr>
+        </p:nvPicPr>
+        <p:blipFill rotWithShape="1">
+          <a:blip r:embed="rId3">
+            <a:extLst>
+              <a:ext uri="{28A0092B-C50C-407E-A947-70E740481C1C}">
+                <a14:useLocalDpi xmlns:a14="http://schemas.microsoft.com/office/drawing/2010/main" val="0"/>
+              </a:ext>
+            </a:extLst>
+          </a:blip>
+          <a:srcRect t="7340" b="14127"/>
+          <a:stretch/>
+        </p:blipFill>
+        <p:spPr>
+          <a:xfrm>
+            <a:off x="5063191" y="3718689"/>
+            <a:ext cx="2155476" cy="2361063"/>
+          </a:xfrm>
+          <a:prstGeom prst="rect">
+            <a:avLst/>
+          </a:prstGeom>
+        </p:spPr>
+      </p:pic>
+      <p:pic>
+        <p:nvPicPr>
+          <p:cNvPr id="4100" name="Picture 4" descr="Image result for API"/>
+          <p:cNvPicPr>
+            <a:picLocks noChangeAspect="1" noChangeArrowheads="1"/>
+          </p:cNvPicPr>
+          <p:nvPr/>
+        </p:nvPicPr>
+        <p:blipFill>
+          <a:blip r:embed="rId4">
+            <a:extLst>
+              <a:ext uri="{28A0092B-C50C-407E-A947-70E740481C1C}">
+                <a14:useLocalDpi xmlns:a14="http://schemas.microsoft.com/office/drawing/2010/main" val="0"/>
+              </a:ext>
+            </a:extLst>
+          </a:blip>
+          <a:srcRect/>
+          <a:stretch>
+            <a:fillRect/>
+          </a:stretch>
+        </p:blipFill>
         <p:spPr bwMode="auto">
           <a:xfrm>
-            <a:off x="-1250145" y="-2027854"/>
-            <a:ext cx="1484552" cy="1484557"/>
+            <a:off x="659771" y="3767530"/>
+            <a:ext cx="2906182" cy="2263382"/>
           </a:xfrm>
           <a:prstGeom prst="rect">
             <a:avLst/>
@@ -10451,116 +9317,284 @@
             </a:ext>
           </a:extLst>
         </p:spPr>
-        <p:txBody>
-          <a:bodyPr vert="horz" wrap="square" lIns="91440" tIns="45720" rIns="91440" bIns="45720" numCol="1" anchor="t" anchorCtr="0" compatLnSpc="1">
-            <a:prstTxWarp prst="textNoShape">
-              <a:avLst/>
-            </a:prstTxWarp>
+      </p:pic>
+      <p:pic>
+        <p:nvPicPr>
+          <p:cNvPr id="18" name="Picture 17"/>
+          <p:cNvPicPr>
+            <a:picLocks noChangeAspect="1"/>
+          </p:cNvPicPr>
+          <p:nvPr/>
+        </p:nvPicPr>
+        <p:blipFill>
+          <a:blip r:embed="rId5">
+            <a:extLst>
+              <a:ext uri="{28A0092B-C50C-407E-A947-70E740481C1C}">
+                <a14:useLocalDpi xmlns:a14="http://schemas.microsoft.com/office/drawing/2010/main" val="0"/>
+              </a:ext>
+            </a:extLst>
+          </a:blip>
+          <a:stretch>
+            <a:fillRect/>
+          </a:stretch>
+        </p:blipFill>
+        <p:spPr>
+          <a:xfrm>
+            <a:off x="8390024" y="3627112"/>
+            <a:ext cx="3548511" cy="2544216"/>
+          </a:xfrm>
+          <a:prstGeom prst="rect">
+            <a:avLst/>
+          </a:prstGeom>
+        </p:spPr>
+      </p:pic>
+      <p:sp>
+        <p:nvSpPr>
+          <p:cNvPr id="20" name="Rectangle 19"/>
+          <p:cNvSpPr/>
+          <p:nvPr/>
+        </p:nvSpPr>
+        <p:spPr>
+          <a:xfrm>
+            <a:off x="5063191" y="2595808"/>
+            <a:ext cx="2343160" cy="830997"/>
+          </a:xfrm>
+          <a:prstGeom prst="rect">
+            <a:avLst/>
+          </a:prstGeom>
+        </p:spPr>
+        <p:txBody>
+          <a:bodyPr wrap="square">
+            <a:spAutoFit/>
           </a:bodyPr>
           <a:lstStyle/>
           <a:p>
-            <a:endParaRPr lang="en-US"/>
-          </a:p>
-        </p:txBody>
-      </p:sp>
-      <p:sp>
-        <p:nvSpPr>
-          <p:cNvPr id="6" name="TextBox 5"/>
-          <p:cNvSpPr txBox="1"/>
+            <a:pPr algn="ctr"/>
+            <a:r>
+              <a:rPr lang="en-US" sz="2400" dirty="0" smtClean="0"/>
+              <a:t>Mobile </a:t>
+            </a:r>
+            <a:r>
+              <a:rPr lang="en-US" sz="2400" dirty="0"/>
+              <a:t>App for</a:t>
+            </a:r>
+          </a:p>
+          <a:p>
+            <a:pPr algn="ctr"/>
+            <a:r>
+              <a:rPr lang="en-US" sz="2400" dirty="0"/>
+              <a:t>Delivery Service</a:t>
+            </a:r>
+          </a:p>
+        </p:txBody>
+      </p:sp>
+      <p:sp>
+        <p:nvSpPr>
+          <p:cNvPr id="22" name="Rectangle 21"/>
+          <p:cNvSpPr/>
           <p:nvPr/>
         </p:nvSpPr>
         <p:spPr>
-          <a:xfrm flipH="1">
-            <a:off x="1796871" y="6441743"/>
-            <a:ext cx="5699990" cy="307777"/>
+          <a:xfrm>
+            <a:off x="1236196" y="2595808"/>
+            <a:ext cx="1890196" cy="461665"/>
+          </a:xfrm>
+          <a:prstGeom prst="rect">
+            <a:avLst/>
+          </a:prstGeom>
+        </p:spPr>
+        <p:txBody>
+          <a:bodyPr wrap="none">
+            <a:spAutoFit/>
+          </a:bodyPr>
+          <a:lstStyle/>
+          <a:p>
+            <a:pPr algn="ctr"/>
+            <a:r>
+              <a:rPr lang="en-US" sz="2400" dirty="0"/>
+              <a:t>APIs for seller</a:t>
+            </a:r>
+          </a:p>
+        </p:txBody>
+      </p:sp>
+      <p:sp>
+        <p:nvSpPr>
+          <p:cNvPr id="25" name="Rectangle 24"/>
+          <p:cNvSpPr/>
+          <p:nvPr/>
+        </p:nvSpPr>
+        <p:spPr>
+          <a:xfrm>
+            <a:off x="8829396" y="2595808"/>
+            <a:ext cx="2669770" cy="461665"/>
+          </a:xfrm>
+          <a:prstGeom prst="rect">
+            <a:avLst/>
+          </a:prstGeom>
+        </p:spPr>
+        <p:txBody>
+          <a:bodyPr wrap="none">
+            <a:spAutoFit/>
+          </a:bodyPr>
+          <a:lstStyle/>
+          <a:p>
+            <a:pPr algn="ctr"/>
+            <a:r>
+              <a:rPr lang="en-US" sz="2400" dirty="0" smtClean="0"/>
+              <a:t>Web App for Buyers</a:t>
+            </a:r>
+            <a:endParaRPr lang="en-US" sz="2400" dirty="0"/>
+          </a:p>
+        </p:txBody>
+      </p:sp>
+      <p:sp>
+        <p:nvSpPr>
+          <p:cNvPr id="23" name="Rectangle 22"/>
+          <p:cNvSpPr/>
+          <p:nvPr/>
+        </p:nvSpPr>
+        <p:spPr>
+          <a:xfrm>
+            <a:off x="246958" y="2347417"/>
+            <a:ext cx="3623492" cy="3970990"/>
           </a:xfrm>
           <a:prstGeom prst="rect">
             <a:avLst/>
           </a:prstGeom>
           <a:noFill/>
-        </p:spPr>
-        <p:txBody>
-          <a:bodyPr wrap="square" rtlCol="0">
-            <a:spAutoFit/>
-          </a:bodyPr>
+          <a:ln>
+            <a:solidFill>
+              <a:schemeClr val="accent1">
+                <a:lumMod val="75000"/>
+              </a:schemeClr>
+            </a:solidFill>
+          </a:ln>
+        </p:spPr>
+        <p:style>
+          <a:lnRef idx="2">
+            <a:schemeClr val="accent1">
+              <a:shade val="50000"/>
+            </a:schemeClr>
+          </a:lnRef>
+          <a:fillRef idx="1">
+            <a:schemeClr val="accent1"/>
+          </a:fillRef>
+          <a:effectRef idx="0">
+            <a:schemeClr val="accent1"/>
+          </a:effectRef>
+          <a:fontRef idx="minor">
+            <a:schemeClr val="lt1"/>
+          </a:fontRef>
+        </p:style>
+        <p:txBody>
+          <a:bodyPr rtlCol="0" anchor="ctr"/>
           <a:lstStyle/>
           <a:p>
             <a:pPr algn="ctr"/>
-            <a:r>
-              <a:rPr lang="en-US" sz="1400" dirty="0"/>
-              <a:t>https://www.kenmorestamp.com/worlds-first-stamp</a:t>
-            </a:r>
-          </a:p>
-        </p:txBody>
-      </p:sp>
-      <p:sp>
-        <p:nvSpPr>
-          <p:cNvPr id="2" name="TextBox 1"/>
-          <p:cNvSpPr txBox="1"/>
+            <a:endParaRPr lang="en-US"/>
+          </a:p>
+        </p:txBody>
+      </p:sp>
+      <p:sp>
+        <p:nvSpPr>
+          <p:cNvPr id="27" name="Rectangle 26"/>
+          <p:cNvSpPr/>
           <p:nvPr/>
         </p:nvSpPr>
         <p:spPr>
           <a:xfrm>
-            <a:off x="3691314" y="5424013"/>
-            <a:ext cx="1911101" cy="584775"/>
+            <a:off x="4226427" y="2347417"/>
+            <a:ext cx="3790037" cy="3970990"/>
           </a:xfrm>
           <a:prstGeom prst="rect">
             <a:avLst/>
           </a:prstGeom>
           <a:noFill/>
-        </p:spPr>
-        <p:txBody>
-          <a:bodyPr wrap="none" rtlCol="0">
-            <a:spAutoFit/>
-          </a:bodyPr>
+          <a:ln>
+            <a:solidFill>
+              <a:schemeClr val="accent1">
+                <a:lumMod val="75000"/>
+              </a:schemeClr>
+            </a:solidFill>
+          </a:ln>
+        </p:spPr>
+        <p:style>
+          <a:lnRef idx="2">
+            <a:schemeClr val="accent1">
+              <a:shade val="50000"/>
+            </a:schemeClr>
+          </a:lnRef>
+          <a:fillRef idx="1">
+            <a:schemeClr val="accent1"/>
+          </a:fillRef>
+          <a:effectRef idx="0">
+            <a:schemeClr val="accent1"/>
+          </a:effectRef>
+          <a:fontRef idx="minor">
+            <a:schemeClr val="lt1"/>
+          </a:fontRef>
+        </p:style>
+        <p:txBody>
+          <a:bodyPr rtlCol="0" anchor="ctr"/>
           <a:lstStyle/>
           <a:p>
             <a:pPr algn="ctr"/>
-            <a:r>
-              <a:rPr lang="en-US" sz="3200" dirty="0" smtClean="0"/>
-              <a:t>May, </a:t>
-            </a:r>
-            <a:r>
-              <a:rPr lang="en-US" sz="3200" dirty="0"/>
-              <a:t>1840</a:t>
-            </a:r>
-          </a:p>
-        </p:txBody>
-      </p:sp>
-      <p:sp>
-        <p:nvSpPr>
-          <p:cNvPr id="7" name="TextBox 6"/>
-          <p:cNvSpPr txBox="1"/>
+            <a:endParaRPr lang="en-US"/>
+          </a:p>
+        </p:txBody>
+      </p:sp>
+      <p:sp>
+        <p:nvSpPr>
+          <p:cNvPr id="28" name="Rectangle 27"/>
+          <p:cNvSpPr/>
           <p:nvPr/>
         </p:nvSpPr>
         <p:spPr>
           <a:xfrm>
-            <a:off x="8502556" y="190220"/>
-            <a:ext cx="417102" cy="369332"/>
+            <a:off x="8326338" y="2347417"/>
+            <a:ext cx="3675884" cy="3970990"/>
           </a:xfrm>
           <a:prstGeom prst="rect">
             <a:avLst/>
           </a:prstGeom>
           <a:noFill/>
-        </p:spPr>
-        <p:txBody>
-          <a:bodyPr wrap="none" rtlCol="0">
-            <a:spAutoFit/>
-          </a:bodyPr>
-          <a:lstStyle/>
-          <a:p>
-            <a:r>
-              <a:rPr lang="en-US" dirty="0" smtClean="0"/>
-              <a:t>#5</a:t>
-            </a:r>
-            <a:endParaRPr lang="en-US" dirty="0"/>
+          <a:ln>
+            <a:solidFill>
+              <a:schemeClr val="accent1">
+                <a:lumMod val="75000"/>
+              </a:schemeClr>
+            </a:solidFill>
+          </a:ln>
+        </p:spPr>
+        <p:style>
+          <a:lnRef idx="2">
+            <a:schemeClr val="accent1">
+              <a:shade val="50000"/>
+            </a:schemeClr>
+          </a:lnRef>
+          <a:fillRef idx="1">
+            <a:schemeClr val="accent1"/>
+          </a:fillRef>
+          <a:effectRef idx="0">
+            <a:schemeClr val="accent1"/>
+          </a:effectRef>
+          <a:fontRef idx="minor">
+            <a:schemeClr val="lt1"/>
+          </a:fontRef>
+        </p:style>
+        <p:txBody>
+          <a:bodyPr rtlCol="0" anchor="ctr"/>
+          <a:lstStyle/>
+          <a:p>
+            <a:pPr algn="ctr"/>
+            <a:endParaRPr lang="en-US"/>
           </a:p>
         </p:txBody>
       </p:sp>
     </p:spTree>
     <p:extLst>
       <p:ext uri="{BB962C8B-B14F-4D97-AF65-F5344CB8AC3E}">
-        <p14:creationId xmlns:p14="http://schemas.microsoft.com/office/powerpoint/2010/main" val="3555797228"/>
+        <p14:creationId xmlns:p14="http://schemas.microsoft.com/office/powerpoint/2010/main" val="1861376671"/>
       </p:ext>
     </p:extLst>
   </p:cSld>
@@ -10590,7 +9624,7 @@
 </file>
 
 <file path=ppt/slides/slide8.xml><?xml version="1.0" encoding="utf-8"?>
-<p:sld xmlns:a="http://schemas.openxmlformats.org/drawingml/2006/main" xmlns:r="http://schemas.openxmlformats.org/officeDocument/2006/relationships" xmlns:p="http://schemas.openxmlformats.org/presentationml/2006/main" show="0">
+<p:sld xmlns:a="http://schemas.openxmlformats.org/drawingml/2006/main" xmlns:r="http://schemas.openxmlformats.org/officeDocument/2006/relationships" xmlns:p="http://schemas.openxmlformats.org/presentationml/2006/main">
   <p:cSld>
     <p:spTree>
       <p:nvGrpSpPr>
@@ -10608,46 +9642,86 @@
       </p:grpSpPr>
       <p:sp>
         <p:nvSpPr>
-          <p:cNvPr id="4" name="AutoShape 2" descr="Image result for qr code"/>
-          <p:cNvSpPr>
-            <a:spLocks noChangeAspect="1" noChangeArrowheads="1"/>
+          <p:cNvPr id="4" name="Title 1"/>
+          <p:cNvSpPr txBox="1">
+            <a:spLocks/>
           </p:cNvSpPr>
           <p:nvPr/>
         </p:nvSpPr>
-        <p:spPr bwMode="auto">
-          <a:xfrm>
-            <a:off x="155575" y="-144463"/>
-            <a:ext cx="304800" cy="304801"/>
+        <p:spPr>
+          <a:xfrm>
+            <a:off x="749206" y="477659"/>
+            <a:ext cx="7886700" cy="1325563"/>
+          </a:xfrm>
+          <a:prstGeom prst="rect">
+            <a:avLst/>
+          </a:prstGeom>
+        </p:spPr>
+        <p:txBody>
+          <a:bodyPr vert="horz" lIns="91440" tIns="45720" rIns="91440" bIns="45720" rtlCol="0" anchor="ctr">
+            <a:normAutofit/>
+          </a:bodyPr>
+          <a:lstStyle>
+            <a:lvl1pPr algn="l" defTabSz="685800" rtl="0" eaLnBrk="1" latinLnBrk="0" hangingPunct="1">
+              <a:lnSpc>
+                <a:spcPct val="90000"/>
+              </a:lnSpc>
+              <a:spcBef>
+                <a:spcPct val="0"/>
+              </a:spcBef>
+              <a:buNone/>
+              <a:defRPr sz="3300" kern="1200">
+                <a:solidFill>
+                  <a:schemeClr val="tx1"/>
+                </a:solidFill>
+                <a:latin typeface="+mj-lt"/>
+                <a:ea typeface="+mj-ea"/>
+                <a:cs typeface="+mj-cs"/>
+              </a:defRPr>
+            </a:lvl1pPr>
+          </a:lstStyle>
+          <a:p>
+            <a:r>
+              <a:rPr lang="en-US" b="1" dirty="0" smtClean="0"/>
+              <a:t>How Reliable Tracking happens ?</a:t>
+            </a:r>
+            <a:endParaRPr lang="en-US" b="1" dirty="0"/>
+          </a:p>
+        </p:txBody>
+      </p:sp>
+      <p:sp>
+        <p:nvSpPr>
+          <p:cNvPr id="7" name="TextBox 6"/>
+          <p:cNvSpPr txBox="1"/>
+          <p:nvPr/>
+        </p:nvSpPr>
+        <p:spPr>
+          <a:xfrm>
+            <a:off x="10026557" y="190220"/>
+            <a:ext cx="534121" cy="369332"/>
           </a:xfrm>
           <a:prstGeom prst="rect">
             <a:avLst/>
           </a:prstGeom>
           <a:noFill/>
-          <a:extLst>
-            <a:ext uri="{909E8E84-426E-40DD-AFC4-6F175D3DCCD1}">
-              <a14:hiddenFill xmlns:a14="http://schemas.microsoft.com/office/drawing/2010/main">
-                <a:solidFill>
-                  <a:srgbClr val="FFFFFF"/>
-                </a:solidFill>
-              </a14:hiddenFill>
-            </a:ext>
-          </a:extLst>
-        </p:spPr>
-        <p:txBody>
-          <a:bodyPr vert="horz" wrap="square" lIns="91440" tIns="45720" rIns="91440" bIns="45720" numCol="1" anchor="t" anchorCtr="0" compatLnSpc="1">
-            <a:prstTxWarp prst="textNoShape">
-              <a:avLst/>
-            </a:prstTxWarp>
+        </p:spPr>
+        <p:txBody>
+          <a:bodyPr wrap="none" rtlCol="0">
+            <a:spAutoFit/>
           </a:bodyPr>
           <a:lstStyle/>
           <a:p>
-            <a:endParaRPr lang="en-US"/>
+            <a:r>
+              <a:rPr lang="en-US" dirty="0"/>
+              <a:t>#14</a:t>
+            </a:r>
+            <a:endParaRPr lang="en-US" dirty="0"/>
           </a:p>
         </p:txBody>
       </p:sp>
       <p:pic>
         <p:nvPicPr>
-          <p:cNvPr id="6" name="Picture 5"/>
+          <p:cNvPr id="12" name="Picture 11"/>
           <p:cNvPicPr>
             <a:picLocks noChangeAspect="1"/>
           </p:cNvPicPr>
@@ -10667,43 +9741,261 @@
         </p:blipFill>
         <p:spPr>
           <a:xfrm>
-            <a:off x="2587619" y="1173406"/>
-            <a:ext cx="4118496" cy="4118496"/>
+            <a:off x="1248557" y="3763171"/>
+            <a:ext cx="2867449" cy="2547575"/>
           </a:xfrm>
           <a:prstGeom prst="rect">
             <a:avLst/>
           </a:prstGeom>
         </p:spPr>
       </p:pic>
-      <p:sp>
-        <p:nvSpPr>
-          <p:cNvPr id="7" name="Rectangle 6"/>
-          <p:cNvSpPr/>
+      <p:grpSp>
+        <p:nvGrpSpPr>
+          <p:cNvPr id="2" name="Group 1"/>
+          <p:cNvGrpSpPr/>
           <p:nvPr/>
-        </p:nvSpPr>
-        <p:spPr>
-          <a:xfrm>
-            <a:off x="3159345" y="5191920"/>
-            <a:ext cx="2975045" cy="923330"/>
-          </a:xfrm>
-          <a:prstGeom prst="rect">
-            <a:avLst/>
-          </a:prstGeom>
-          <a:noFill/>
-        </p:spPr>
-        <p:txBody>
-          <a:bodyPr wrap="none" lIns="91440" tIns="45720" rIns="91440" bIns="45720">
-            <a:spAutoFit/>
-          </a:bodyPr>
-          <a:lstStyle/>
-          <a:p>
-            <a:pPr algn="ctr"/>
-            <a:r>
-              <a:rPr lang="en-US" sz="5400" b="0" cap="none" spc="0" dirty="0" smtClean="0">
+        </p:nvGrpSpPr>
+        <p:grpSpPr>
+          <a:xfrm>
+            <a:off x="4893790" y="3886613"/>
+            <a:ext cx="5213445" cy="2224585"/>
+            <a:chOff x="5553860" y="2189790"/>
+            <a:chExt cx="5213445" cy="2224585"/>
+          </a:xfrm>
+        </p:grpSpPr>
+        <p:grpSp>
+          <p:nvGrpSpPr>
+            <p:cNvPr id="13" name="Group 12"/>
+            <p:cNvGrpSpPr/>
+            <p:nvPr/>
+          </p:nvGrpSpPr>
+          <p:grpSpPr>
+            <a:xfrm>
+              <a:off x="5553860" y="2189790"/>
+              <a:ext cx="5213445" cy="2224585"/>
+              <a:chOff x="2842503" y="770422"/>
+              <a:chExt cx="5213445" cy="2224585"/>
+            </a:xfrm>
+          </p:grpSpPr>
+          <p:sp>
+            <p:nvSpPr>
+              <p:cNvPr id="14" name="Rectangle 13"/>
+              <p:cNvSpPr/>
+              <p:nvPr/>
+            </p:nvSpPr>
+            <p:spPr>
+              <a:xfrm>
+                <a:off x="2842503" y="770422"/>
+                <a:ext cx="5213445" cy="2224585"/>
+              </a:xfrm>
+              <a:prstGeom prst="rect">
+                <a:avLst/>
+              </a:prstGeom>
+            </p:spPr>
+            <p:style>
+              <a:lnRef idx="2">
+                <a:schemeClr val="dk1"/>
+              </a:lnRef>
+              <a:fillRef idx="1">
+                <a:schemeClr val="lt1"/>
+              </a:fillRef>
+              <a:effectRef idx="0">
+                <a:schemeClr val="dk1"/>
+              </a:effectRef>
+              <a:fontRef idx="minor">
+                <a:schemeClr val="dk1"/>
+              </a:fontRef>
+            </p:style>
+            <p:txBody>
+              <a:bodyPr rtlCol="0" anchor="ctr"/>
+              <a:lstStyle/>
+              <a:p>
+                <a:pPr algn="ctr"/>
+                <a:endParaRPr lang="en-US">
+                  <a:ln>
+                    <a:solidFill>
+                      <a:schemeClr val="tx1"/>
+                    </a:solidFill>
+                  </a:ln>
+                </a:endParaRPr>
+              </a:p>
+            </p:txBody>
+          </p:sp>
+          <p:cxnSp>
+            <p:nvCxnSpPr>
+              <p:cNvPr id="15" name="Straight Connector 14"/>
+              <p:cNvCxnSpPr/>
+              <p:nvPr/>
+            </p:nvCxnSpPr>
+            <p:spPr>
+              <a:xfrm>
+                <a:off x="4967142" y="770422"/>
+                <a:ext cx="0" cy="2224585"/>
+              </a:xfrm>
+              <a:prstGeom prst="line">
+                <a:avLst/>
+              </a:prstGeom>
+            </p:spPr>
+            <p:style>
+              <a:lnRef idx="1">
+                <a:schemeClr val="dk1"/>
+              </a:lnRef>
+              <a:fillRef idx="0">
+                <a:schemeClr val="dk1"/>
+              </a:fillRef>
+              <a:effectRef idx="0">
+                <a:schemeClr val="dk1"/>
+              </a:effectRef>
+              <a:fontRef idx="minor">
+                <a:schemeClr val="tx1"/>
+              </a:fontRef>
+            </p:style>
+          </p:cxnSp>
+          <p:cxnSp>
+            <p:nvCxnSpPr>
+              <p:cNvPr id="16" name="Straight Connector 15"/>
+              <p:cNvCxnSpPr/>
+              <p:nvPr/>
+            </p:nvCxnSpPr>
+            <p:spPr>
+              <a:xfrm>
+                <a:off x="4967142" y="2467490"/>
+                <a:ext cx="3088806" cy="0"/>
+              </a:xfrm>
+              <a:prstGeom prst="line">
+                <a:avLst/>
+              </a:prstGeom>
+            </p:spPr>
+            <p:style>
+              <a:lnRef idx="1">
+                <a:schemeClr val="dk1"/>
+              </a:lnRef>
+              <a:fillRef idx="0">
+                <a:schemeClr val="dk1"/>
+              </a:fillRef>
+              <a:effectRef idx="0">
+                <a:schemeClr val="dk1"/>
+              </a:effectRef>
+              <a:fontRef idx="minor">
+                <a:schemeClr val="tx1"/>
+              </a:fontRef>
+            </p:style>
+          </p:cxnSp>
+        </p:grpSp>
+        <p:pic>
+          <p:nvPicPr>
+            <p:cNvPr id="17" name="Picture 16"/>
+            <p:cNvPicPr>
+              <a:picLocks noChangeAspect="1"/>
+            </p:cNvPicPr>
+            <p:nvPr/>
+          </p:nvPicPr>
+          <p:blipFill>
+            <a:blip r:embed="rId3">
+              <a:extLst>
+                <a:ext uri="{28A0092B-C50C-407E-A947-70E740481C1C}">
+                  <a14:useLocalDpi xmlns:a14="http://schemas.microsoft.com/office/drawing/2010/main" val="0"/>
+                </a:ext>
+              </a:extLst>
+            </a:blip>
+            <a:stretch>
+              <a:fillRect/>
+            </a:stretch>
+          </p:blipFill>
+          <p:spPr>
+            <a:xfrm>
+              <a:off x="5639356" y="2309806"/>
+              <a:ext cx="1984550" cy="1984550"/>
+            </a:xfrm>
+            <a:prstGeom prst="rect">
+              <a:avLst/>
+            </a:prstGeom>
+          </p:spPr>
+        </p:pic>
+        <p:sp>
+          <p:nvSpPr>
+            <p:cNvPr id="18" name="Rectangle 17"/>
+            <p:cNvSpPr/>
+            <p:nvPr/>
+          </p:nvSpPr>
+          <p:spPr>
+            <a:xfrm>
+              <a:off x="8118182" y="2409529"/>
+              <a:ext cx="1740669" cy="1477328"/>
+            </a:xfrm>
+            <a:prstGeom prst="rect">
+              <a:avLst/>
+            </a:prstGeom>
+            <a:noFill/>
+          </p:spPr>
+          <p:txBody>
+            <a:bodyPr wrap="none" lIns="91440" tIns="45720" rIns="91440" bIns="45720">
+              <a:spAutoFit/>
+            </a:bodyPr>
+            <a:lstStyle/>
+            <a:p>
+              <a:r>
+                <a:rPr lang="en-US" dirty="0">
+                  <a:ln w="0"/>
+                  <a:effectLst>
+                    <a:outerShdw blurRad="38100" dist="19050" dir="2700000" algn="tl" rotWithShape="0">
+                      <a:schemeClr val="dk1">
+                        <a:alpha val="40000"/>
+                      </a:schemeClr>
+                    </a:outerShdw>
+                  </a:effectLst>
+                </a:rPr>
+                <a:t>Receiver’s Name</a:t>
+              </a:r>
+            </a:p>
+            <a:p>
+              <a:r>
+                <a:rPr lang="en-US" dirty="0">
+                  <a:ln w="0"/>
+                  <a:effectLst>
+                    <a:outerShdw blurRad="38100" dist="19050" dir="2700000" algn="tl" rotWithShape="0">
+                      <a:schemeClr val="dk1">
+                        <a:alpha val="40000"/>
+                      </a:schemeClr>
+                    </a:outerShdw>
+                  </a:effectLst>
+                </a:rPr>
+                <a:t>House Number,</a:t>
+              </a:r>
+            </a:p>
+            <a:p>
+              <a:r>
+                <a:rPr lang="en-US" dirty="0">
+                  <a:ln w="0"/>
+                  <a:effectLst>
+                    <a:outerShdw blurRad="38100" dist="19050" dir="2700000" algn="tl" rotWithShape="0">
+                      <a:schemeClr val="dk1">
+                        <a:alpha val="40000"/>
+                      </a:schemeClr>
+                    </a:outerShdw>
+                  </a:effectLst>
+                </a:rPr>
+                <a:t>Street,</a:t>
+              </a:r>
+            </a:p>
+            <a:p>
+              <a:r>
+                <a:rPr lang="en-US" dirty="0">
+                  <a:ln w="0"/>
+                  <a:effectLst>
+                    <a:outerShdw blurRad="38100" dist="19050" dir="2700000" algn="tl" rotWithShape="0">
+                      <a:schemeClr val="dk1">
+                        <a:alpha val="40000"/>
+                      </a:schemeClr>
+                    </a:outerShdw>
+                  </a:effectLst>
+                </a:rPr>
+                <a:t>Town</a:t>
+              </a:r>
+            </a:p>
+            <a:p>
+              <a:endParaRPr lang="en-US" dirty="0">
                 <a:ln w="0"/>
-                <a:solidFill>
-                  <a:schemeClr val="tx1"/>
-                </a:solidFill>
                 <a:effectLst>
                   <a:outerShdw blurRad="38100" dist="19050" dir="2700000" algn="tl" rotWithShape="0">
                     <a:schemeClr val="dk1">
@@ -10711,35 +10003,70 @@
                     </a:schemeClr>
                   </a:outerShdw>
                 </a:effectLst>
-              </a:rPr>
-              <a:t>QR Stamp</a:t>
-            </a:r>
-            <a:endParaRPr lang="en-US" sz="5400" b="0" cap="none" spc="0" dirty="0">
-              <a:ln w="0"/>
-              <a:solidFill>
-                <a:schemeClr val="tx1"/>
-              </a:solidFill>
-              <a:effectLst>
-                <a:outerShdw blurRad="38100" dist="19050" dir="2700000" algn="tl" rotWithShape="0">
-                  <a:schemeClr val="dk1">
-                    <a:alpha val="40000"/>
-                  </a:schemeClr>
-                </a:outerShdw>
-              </a:effectLst>
-            </a:endParaRPr>
-          </a:p>
-        </p:txBody>
-      </p:sp>
-      <p:sp>
-        <p:nvSpPr>
-          <p:cNvPr id="5" name="TextBox 4"/>
+              </a:endParaRPr>
+            </a:p>
+          </p:txBody>
+        </p:sp>
+        <p:sp>
+          <p:nvSpPr>
+            <p:cNvPr id="19" name="Rectangle 18"/>
+            <p:cNvSpPr/>
+            <p:nvPr/>
+          </p:nvSpPr>
+          <p:spPr>
+            <a:xfrm>
+              <a:off x="8116170" y="3941450"/>
+              <a:ext cx="2315056" cy="461665"/>
+            </a:xfrm>
+            <a:prstGeom prst="rect">
+              <a:avLst/>
+            </a:prstGeom>
+            <a:noFill/>
+          </p:spPr>
+          <p:txBody>
+            <a:bodyPr wrap="none" lIns="91440" tIns="45720" rIns="91440" bIns="45720">
+              <a:spAutoFit/>
+            </a:bodyPr>
+            <a:lstStyle/>
+            <a:p>
+              <a:pPr algn="ctr"/>
+              <a:r>
+                <a:rPr lang="en-US" sz="2400" dirty="0">
+                  <a:ln w="0"/>
+                  <a:effectLst>
+                    <a:outerShdw blurRad="38100" dist="19050" dir="2700000" algn="tl" rotWithShape="0">
+                      <a:schemeClr val="dk1">
+                        <a:alpha val="40000"/>
+                      </a:schemeClr>
+                    </a:outerShdw>
+                  </a:effectLst>
+                </a:rPr>
+                <a:t>ABC-12345678-D</a:t>
+              </a:r>
+              <a:endParaRPr lang="en-US" sz="2400" dirty="0">
+                <a:ln w="0"/>
+                <a:effectLst>
+                  <a:outerShdw blurRad="38100" dist="19050" dir="2700000" algn="tl" rotWithShape="0">
+                    <a:schemeClr val="dk1">
+                      <a:alpha val="40000"/>
+                    </a:schemeClr>
+                  </a:outerShdw>
+                </a:effectLst>
+              </a:endParaRPr>
+            </a:p>
+          </p:txBody>
+        </p:sp>
+      </p:grpSp>
+      <p:sp>
+        <p:nvSpPr>
+          <p:cNvPr id="3" name="TextBox 2"/>
           <p:cNvSpPr txBox="1"/>
           <p:nvPr/>
         </p:nvSpPr>
         <p:spPr>
-          <a:xfrm>
-            <a:off x="8502556" y="190220"/>
-            <a:ext cx="417102" cy="369332"/>
+          <a:xfrm flipH="1">
+            <a:off x="1144990" y="1803222"/>
+            <a:ext cx="10278185" cy="461665"/>
           </a:xfrm>
           <a:prstGeom prst="rect">
             <a:avLst/>
@@ -10747,23 +10074,46 @@
           <a:noFill/>
         </p:spPr>
         <p:txBody>
-          <a:bodyPr wrap="none" rtlCol="0">
+          <a:bodyPr wrap="square" rtlCol="0">
             <a:spAutoFit/>
           </a:bodyPr>
           <a:lstStyle/>
           <a:p>
-            <a:r>
-              <a:rPr lang="en-US" dirty="0" smtClean="0"/>
-              <a:t>#6</a:t>
-            </a:r>
-            <a:endParaRPr lang="en-US" dirty="0"/>
+            <a:pPr marL="457200" indent="-457200">
+              <a:buAutoNum type="arabicPeriod"/>
+            </a:pPr>
+            <a:r>
+              <a:rPr lang="en-US" sz="2400" dirty="0"/>
+              <a:t>Seller can create QR code </a:t>
+            </a:r>
+            <a:r>
+              <a:rPr lang="en-US" sz="2400" dirty="0" smtClean="0"/>
+              <a:t>stamps </a:t>
+            </a:r>
+            <a:r>
+              <a:rPr lang="en-US" sz="2400" dirty="0"/>
+              <a:t>using </a:t>
+            </a:r>
+            <a:r>
+              <a:rPr lang="en-US" sz="2400" b="1" dirty="0"/>
+              <a:t>our </a:t>
+            </a:r>
+            <a:r>
+              <a:rPr lang="en-US" sz="2400" b="1" dirty="0" smtClean="0"/>
+              <a:t>APIs </a:t>
+            </a:r>
+            <a:r>
+              <a:rPr lang="en-US" sz="2400" dirty="0" smtClean="0"/>
+              <a:t>and stick them on the parcel</a:t>
+            </a:r>
+            <a:endParaRPr lang="en-US" sz="2400" b="1" dirty="0"/>
           </a:p>
         </p:txBody>
       </p:sp>
     </p:spTree>
     <p:extLst>
       <p:ext uri="{BB962C8B-B14F-4D97-AF65-F5344CB8AC3E}">
-        <p14:creationId xmlns:p14="http://schemas.microsoft.com/office/powerpoint/2010/main" val="2410924118"/>
+        <p14:creationId xmlns:p14="http://schemas.microsoft.com/office/powerpoint/2010/main" val="1477567682"/>
       </p:ext>
     </p:extLst>
   </p:cSld>
@@ -10772,12 +10122,12 @@
   </p:clrMapOvr>
   <mc:AlternateContent xmlns:mc="http://schemas.openxmlformats.org/markup-compatibility/2006">
     <mc:Choice xmlns:p14="http://schemas.microsoft.com/office/powerpoint/2010/main" Requires="p14">
-      <p:transition spd="slow" p14:dur="1500">
-        <p14:window dir="vert"/>
+      <p:transition spd="med" p14:dur="700">
+        <p:fade/>
       </p:transition>
     </mc:Choice>
     <mc:Fallback>
-      <p:transition spd="slow">
+      <p:transition spd="med">
         <p:fade/>
       </p:transition>
     </mc:Fallback>
@@ -10811,14 +10161,63 @@
       </p:grpSpPr>
       <p:sp>
         <p:nvSpPr>
-          <p:cNvPr id="2" name="TextBox 1"/>
+          <p:cNvPr id="4" name="Title 1"/>
+          <p:cNvSpPr txBox="1">
+            <a:spLocks/>
+          </p:cNvSpPr>
+          <p:nvPr/>
+        </p:nvSpPr>
+        <p:spPr>
+          <a:xfrm>
+            <a:off x="749206" y="477659"/>
+            <a:ext cx="7886700" cy="1325563"/>
+          </a:xfrm>
+          <a:prstGeom prst="rect">
+            <a:avLst/>
+          </a:prstGeom>
+        </p:spPr>
+        <p:txBody>
+          <a:bodyPr vert="horz" lIns="91440" tIns="45720" rIns="91440" bIns="45720" rtlCol="0" anchor="ctr">
+            <a:normAutofit/>
+          </a:bodyPr>
+          <a:lstStyle>
+            <a:lvl1pPr algn="l" defTabSz="685800" rtl="0" eaLnBrk="1" latinLnBrk="0" hangingPunct="1">
+              <a:lnSpc>
+                <a:spcPct val="90000"/>
+              </a:lnSpc>
+              <a:spcBef>
+                <a:spcPct val="0"/>
+              </a:spcBef>
+              <a:buNone/>
+              <a:defRPr sz="3300" kern="1200">
+                <a:solidFill>
+                  <a:schemeClr val="tx1"/>
+                </a:solidFill>
+                <a:latin typeface="+mj-lt"/>
+                <a:ea typeface="+mj-ea"/>
+                <a:cs typeface="+mj-cs"/>
+              </a:defRPr>
+            </a:lvl1pPr>
+          </a:lstStyle>
+          <a:p>
+            <a:r>
+              <a:rPr lang="en-US" b="1" dirty="0" smtClean="0"/>
+              <a:t>How Reliable Tracking happens ?</a:t>
+            </a:r>
+            <a:endParaRPr lang="en-US" b="1" dirty="0"/>
+          </a:p>
+        </p:txBody>
+      </p:sp>
+      <p:sp>
+        <p:nvSpPr>
+          <p:cNvPr id="7" name="TextBox 6"/>
           <p:cNvSpPr txBox="1"/>
           <p:nvPr/>
         </p:nvSpPr>
         <p:spPr>
           <a:xfrm>
-            <a:off x="1513658" y="2037994"/>
-            <a:ext cx="6431632" cy="575543"/>
+            <a:off x="10026557" y="190220"/>
+            <a:ext cx="534121" cy="369332"/>
           </a:xfrm>
           <a:prstGeom prst="rect">
             <a:avLst/>
@@ -10831,24 +10230,76 @@
           </a:bodyPr>
           <a:lstStyle/>
           <a:p>
-            <a:pPr algn="ctr"/>
-            <a:r>
-              <a:rPr lang="en-US" sz="2800" dirty="0" smtClean="0"/>
-              <a:t>You brought an Item from an ‘Online Store’</a:t>
-            </a:r>
-            <a:endParaRPr lang="en-US" sz="2800" dirty="0"/>
+            <a:r>
+              <a:rPr lang="en-US" dirty="0"/>
+              <a:t>#14</a:t>
+            </a:r>
+            <a:endParaRPr lang="en-US" dirty="0"/>
+          </a:p>
+        </p:txBody>
+      </p:sp>
+      <p:sp>
+        <p:nvSpPr>
+          <p:cNvPr id="3" name="TextBox 2"/>
+          <p:cNvSpPr txBox="1"/>
+          <p:nvPr/>
+        </p:nvSpPr>
+        <p:spPr>
+          <a:xfrm flipH="1">
+            <a:off x="1144990" y="1803222"/>
+            <a:ext cx="10619379" cy="830997"/>
+          </a:xfrm>
+          <a:prstGeom prst="rect">
+            <a:avLst/>
+          </a:prstGeom>
+          <a:noFill/>
+        </p:spPr>
+        <p:txBody>
+          <a:bodyPr wrap="square" rtlCol="0">
+            <a:spAutoFit/>
+          </a:bodyPr>
+          <a:lstStyle/>
+          <a:p>
+            <a:pPr marL="457200" indent="-457200">
+              <a:buAutoNum type="arabicPeriod"/>
+            </a:pPr>
+            <a:r>
+              <a:rPr lang="en-US" sz="2400" dirty="0" smtClean="0"/>
+              <a:t>Seller can create QR code stamp using </a:t>
+            </a:r>
+            <a:r>
+              <a:rPr lang="en-US" sz="2400" b="1" dirty="0" smtClean="0"/>
+              <a:t>our APIs.</a:t>
+            </a:r>
+          </a:p>
+          <a:p>
+            <a:pPr marL="457200" indent="-457200">
+              <a:buAutoNum type="arabicPeriod"/>
+            </a:pPr>
+            <a:r>
+              <a:rPr lang="en-US" sz="2400" dirty="0" smtClean="0"/>
+              <a:t>Delivery service can scan the QR code using </a:t>
+            </a:r>
+            <a:r>
+              <a:rPr lang="en-US" sz="2400" b="1" dirty="0" smtClean="0"/>
+              <a:t>our App</a:t>
+            </a:r>
+            <a:r>
+              <a:rPr lang="en-US" sz="2400" dirty="0" smtClean="0"/>
+              <a:t> at each parcel exchange.</a:t>
+            </a:r>
           </a:p>
         </p:txBody>
       </p:sp>
       <p:pic>
         <p:nvPicPr>
-          <p:cNvPr id="4098" name="Picture 2" descr="Image result for headphone"/>
+          <p:cNvPr id="20" name="Picture 19"/>
           <p:cNvPicPr>
-            <a:picLocks noChangeAspect="1" noChangeArrowheads="1"/>
+            <a:picLocks noChangeAspect="1"/>
           </p:cNvPicPr>
           <p:nvPr/>
         </p:nvPicPr>
-        <p:blipFill>
+        <p:blipFill rotWithShape="1">
           <a:blip r:embed="rId2">
             <a:extLst>
               <a:ext uri="{28A0092B-C50C-407E-A947-70E740481C1C}">
@@ -10856,15 +10307,31 @@
               </a:ext>
             </a:extLst>
           </a:blip>
-          <a:srcRect/>
-          <a:stretch>
-            <a:fillRect/>
-          </a:stretch>
+          <a:srcRect l="8731" t="11350" r="8869" b="44322"/>
+          <a:stretch/>
         </p:blipFill>
+        <p:spPr>
+          <a:xfrm>
+            <a:off x="7897041" y="3959779"/>
+            <a:ext cx="3758146" cy="2021743"/>
+          </a:xfrm>
+          <a:prstGeom prst="rect">
+            <a:avLst/>
+          </a:prstGeom>
+        </p:spPr>
+      </p:pic>
+      <p:sp>
+        <p:nvSpPr>
+          <p:cNvPr id="21" name="AutoShape 2" descr="Image result for delivery logo"/>
+          <p:cNvSpPr>
+            <a:spLocks noChangeAspect="1" noChangeArrowheads="1"/>
+          </p:cNvSpPr>
+          <p:nvPr/>
+        </p:nvSpPr>
         <p:spPr bwMode="auto">
           <a:xfrm>
-            <a:off x="3443144" y="3411940"/>
-            <a:ext cx="2572659" cy="2572659"/>
+            <a:off x="1831975" y="7937"/>
+            <a:ext cx="304800" cy="304801"/>
           </a:xfrm>
           <a:prstGeom prst="rect">
             <a:avLst/>
@@ -10880,30 +10347,102 @@
             </a:ext>
           </a:extLst>
         </p:spPr>
-      </p:pic>
-      <p:sp>
-        <p:nvSpPr>
-          <p:cNvPr id="3" name="TextBox 2"/>
-          <p:cNvSpPr txBox="1"/>
+        <p:txBody>
+          <a:bodyPr vert="horz" wrap="square" lIns="91440" tIns="45720" rIns="91440" bIns="45720" numCol="1" anchor="t" anchorCtr="0" compatLnSpc="1">
+            <a:prstTxWarp prst="textNoShape">
+              <a:avLst/>
+            </a:prstTxWarp>
+          </a:bodyPr>
+          <a:lstStyle/>
+          <a:p>
+            <a:endParaRPr lang="en-US"/>
+          </a:p>
+        </p:txBody>
+      </p:sp>
+      <p:pic>
+        <p:nvPicPr>
+          <p:cNvPr id="22" name="Picture 21"/>
+          <p:cNvPicPr>
+            <a:picLocks noChangeAspect="1"/>
+          </p:cNvPicPr>
           <p:nvPr/>
-        </p:nvSpPr>
+        </p:nvPicPr>
+        <p:blipFill rotWithShape="1">
+          <a:blip r:embed="rId3">
+            <a:extLst>
+              <a:ext uri="{28A0092B-C50C-407E-A947-70E740481C1C}">
+                <a14:useLocalDpi xmlns:a14="http://schemas.microsoft.com/office/drawing/2010/main" val="0"/>
+              </a:ext>
+            </a:extLst>
+          </a:blip>
+          <a:srcRect b="14211"/>
+          <a:stretch/>
+        </p:blipFill>
         <p:spPr>
           <a:xfrm>
-            <a:off x="3654685" y="1089461"/>
-            <a:ext cx="2149579" cy="461665"/>
+            <a:off x="4489765" y="2973239"/>
+            <a:ext cx="3160949" cy="3782403"/>
           </a:xfrm>
           <a:prstGeom prst="rect">
             <a:avLst/>
           </a:prstGeom>
         </p:spPr>
+      </p:pic>
+      <p:pic>
+        <p:nvPicPr>
+          <p:cNvPr id="23" name="Picture 22"/>
+          <p:cNvPicPr>
+            <a:picLocks noChangeAspect="1"/>
+          </p:cNvPicPr>
+          <p:nvPr/>
+        </p:nvPicPr>
+        <p:blipFill>
+          <a:blip r:embed="rId4">
+            <a:extLst>
+              <a:ext uri="{28A0092B-C50C-407E-A947-70E740481C1C}">
+                <a14:useLocalDpi xmlns:a14="http://schemas.microsoft.com/office/drawing/2010/main" val="0"/>
+              </a:ext>
+            </a:extLst>
+          </a:blip>
+          <a:stretch>
+            <a:fillRect/>
+          </a:stretch>
+        </p:blipFill>
+        <p:spPr>
+          <a:xfrm>
+            <a:off x="990085" y="3959780"/>
+            <a:ext cx="2275594" cy="2021743"/>
+          </a:xfrm>
+          <a:prstGeom prst="rect">
+            <a:avLst/>
+          </a:prstGeom>
+        </p:spPr>
+      </p:pic>
+      <p:sp>
+        <p:nvSpPr>
+          <p:cNvPr id="5" name="Right Arrow 4"/>
+          <p:cNvSpPr/>
+          <p:nvPr/>
+        </p:nvSpPr>
+        <p:spPr>
+          <a:xfrm>
+            <a:off x="4107976" y="4776716"/>
+            <a:ext cx="584580" cy="450377"/>
+          </a:xfrm>
+          <a:prstGeom prst="rightArrow">
+            <a:avLst/>
+          </a:prstGeom>
+        </p:spPr>
         <p:style>
-          <a:lnRef idx="1">
-            <a:schemeClr val="accent1"/>
+          <a:lnRef idx="2">
+            <a:schemeClr val="accent1">
+              <a:shade val="50000"/>
+            </a:schemeClr>
           </a:lnRef>
-          <a:fillRef idx="3">
+          <a:fillRef idx="1">
             <a:schemeClr val="accent1"/>
           </a:fillRef>
-          <a:effectRef idx="2">
+          <a:effectRef idx="0">
             <a:schemeClr val="accent1"/>
           </a:effectRef>
           <a:fontRef idx="minor">
@@ -10911,67 +10450,71 @@
           </a:fontRef>
         </p:style>
         <p:txBody>
-          <a:bodyPr wrap="square" rtlCol="0">
-            <a:spAutoFit/>
-          </a:bodyPr>
+          <a:bodyPr rtlCol="0" anchor="ctr"/>
           <a:lstStyle/>
           <a:p>
             <a:pPr algn="ctr"/>
-            <a:r>
-              <a:rPr lang="en-US" sz="2400" dirty="0" smtClean="0"/>
-              <a:t>Just imagine</a:t>
-            </a:r>
-            <a:endParaRPr lang="en-US" sz="2400" dirty="0"/>
-          </a:p>
-        </p:txBody>
-      </p:sp>
-      <p:sp>
-        <p:nvSpPr>
-          <p:cNvPr id="7" name="TextBox 6"/>
-          <p:cNvSpPr txBox="1"/>
+            <a:endParaRPr lang="en-US"/>
+          </a:p>
+        </p:txBody>
+      </p:sp>
+      <p:sp>
+        <p:nvSpPr>
+          <p:cNvPr id="26" name="Right Arrow 25"/>
+          <p:cNvSpPr/>
           <p:nvPr/>
         </p:nvSpPr>
         <p:spPr>
           <a:xfrm>
-            <a:off x="8502556" y="190220"/>
-            <a:ext cx="417102" cy="369332"/>
-          </a:xfrm>
-          <a:prstGeom prst="rect">
+            <a:off x="7358424" y="4778989"/>
+            <a:ext cx="584580" cy="450377"/>
+          </a:xfrm>
+          <a:prstGeom prst="rightArrow">
             <a:avLst/>
           </a:prstGeom>
-          <a:noFill/>
-        </p:spPr>
-        <p:txBody>
-          <a:bodyPr wrap="none" rtlCol="0">
-            <a:spAutoFit/>
-          </a:bodyPr>
-          <a:lstStyle/>
-          <a:p>
-            <a:r>
-              <a:rPr lang="en-US" dirty="0" smtClean="0"/>
-              <a:t>#7</a:t>
-            </a:r>
-            <a:endParaRPr lang="en-US" dirty="0"/>
+        </p:spPr>
+        <p:style>
+          <a:lnRef idx="2">
+            <a:schemeClr val="accent1">
+              <a:shade val="50000"/>
+            </a:schemeClr>
+          </a:lnRef>
+          <a:fillRef idx="1">
+            <a:schemeClr val="accent1"/>
+          </a:fillRef>
+          <a:effectRef idx="0">
+            <a:schemeClr val="accent1"/>
+          </a:effectRef>
+          <a:fontRef idx="minor">
+            <a:schemeClr val="lt1"/>
+          </a:fontRef>
+        </p:style>
+        <p:txBody>
+          <a:bodyPr rtlCol="0" anchor="ctr"/>
+          <a:lstStyle/>
+          <a:p>
+            <a:pPr algn="ctr"/>
+            <a:endParaRPr lang="en-US"/>
           </a:p>
         </p:txBody>
       </p:sp>
     </p:spTree>
     <p:extLst>
       <p:ext uri="{BB962C8B-B14F-4D97-AF65-F5344CB8AC3E}">
-        <p14:creationId xmlns:p14="http://schemas.microsoft.com/office/powerpoint/2010/main" val="330521180"/>
+        <p14:creationId xmlns:p14="http://schemas.microsoft.com/office/powerpoint/2010/main" val="3884565100"/>
       </p:ext>
     </p:extLst>
   </p:cSld>
   <p:clrMapOvr>
     <a:masterClrMapping/>
   </p:clrMapOvr>
-  <mc:AlternateContent xmlns:mc="http://schemas.openxmlformats.org/markup-compatibility/2006" xmlns:p14="http://schemas.microsoft.com/office/powerpoint/2010/main">
-    <mc:Choice Requires="p14">
+  <mc:AlternateContent xmlns:mc="http://schemas.openxmlformats.org/markup-compatibility/2006">
+    <mc:Choice xmlns:p14="http://schemas.microsoft.com/office/powerpoint/2010/main" Requires="p14">
       <p:transition spd="med" p14:dur="700">
         <p:fade/>
       </p:transition>
     </mc:Choice>
-    <mc:Fallback xmlns="">
+    <mc:Fallback>
       <p:transition spd="med">
         <p:fade/>
       </p:transition>
@@ -10987,22 +10530,10 @@
 </p:sld>
 </file>
 
-<file path=ppt/tags/tag1.xml><?xml version="1.0" encoding="utf-8"?>
-<p:tagLst xmlns:a="http://schemas.openxmlformats.org/drawingml/2006/main" xmlns:r="http://schemas.openxmlformats.org/officeDocument/2006/relationships" xmlns:p="http://schemas.openxmlformats.org/presentationml/2006/main">
-  <p:tag name="TIMING" val="|3.2"/>
-</p:tagLst>
-</file>
-
-<file path=ppt/tags/tag2.xml><?xml version="1.0" encoding="utf-8"?>
-<p:tagLst xmlns:a="http://schemas.openxmlformats.org/drawingml/2006/main" xmlns:r="http://schemas.openxmlformats.org/officeDocument/2006/relationships" xmlns:p="http://schemas.openxmlformats.org/presentationml/2006/main">
-  <p:tag name="TIMING" val="|2"/>
-</p:tagLst>
-</file>
-
 <file path=ppt/theme/theme1.xml><?xml version="1.0" encoding="utf-8"?>
 <a:theme xmlns:a="http://schemas.openxmlformats.org/drawingml/2006/main" name="Office Theme">
   <a:themeElements>
-    <a:clrScheme name="Office">
+    <a:clrScheme name="Office Theme">
       <a:dk1>
         <a:sysClr val="windowText" lastClr="000000"/>
       </a:dk1>
@@ -11040,7 +10571,7 @@
         <a:srgbClr val="954F72"/>
       </a:folHlink>
     </a:clrScheme>
-    <a:fontScheme name="Office">
+    <a:fontScheme name="Office Theme">
       <a:majorFont>
         <a:latin typeface="Calibri Light" panose="020F0302020204030204"/>
         <a:ea typeface=""/>
@@ -11112,7 +10643,7 @@
         <a:font script="Geor" typeface="Sylfaen"/>
       </a:minorFont>
     </a:fontScheme>
-    <a:fmtScheme name="Office">
+    <a:fmtScheme name="Office Theme">
       <a:fillStyleLst>
         <a:solidFill>
           <a:schemeClr val="phClr"/>
